--- a/Repositorio Agricultura/Chile/Estadísticas económicas/Precios anuales y frutas/Indicaciones_BD_anuales_frutas.pptx
+++ b/Repositorio Agricultura/Chile/Estadísticas económicas/Precios anuales y frutas/Indicaciones_BD_anuales_frutas.pptx
@@ -8,12 +8,6 @@
     <p:sldId id="256" r:id="rId2"/>
     <p:sldId id="257" r:id="rId3"/>
     <p:sldId id="264" r:id="rId4"/>
-    <p:sldId id="258" r:id="rId5"/>
-    <p:sldId id="259" r:id="rId6"/>
-    <p:sldId id="260" r:id="rId7"/>
-    <p:sldId id="261" r:id="rId8"/>
-    <p:sldId id="263" r:id="rId9"/>
-    <p:sldId id="262" r:id="rId10"/>
   </p:sldIdLst>
   <p:sldSz cx="12192000" cy="6858000"/>
   <p:notesSz cx="6858000" cy="9144000"/>
@@ -5239,7 +5233,7 @@
           <a:lstStyle/>
           <a:p>
             <a:r>
-              <a:rPr lang="es-CL" sz="2400"/>
+              <a:rPr lang="es-CL" sz="2400" dirty="0"/>
               <a:t>Se debe ir </a:t>
             </a:r>
           </a:p>
@@ -5249,3874 +5243,6 @@
     <p:extLst>
       <p:ext uri="{BB962C8B-B14F-4D97-AF65-F5344CB8AC3E}">
         <p14:creationId xmlns:p14="http://schemas.microsoft.com/office/powerpoint/2010/main" val="923774869"/>
-      </p:ext>
-    </p:extLst>
-  </p:cSld>
-  <p:clrMapOvr>
-    <a:masterClrMapping/>
-  </p:clrMapOvr>
-</p:sld>
-</file>
-
-<file path=ppt/slides/slide4.xml><?xml version="1.0" encoding="utf-8"?>
-<p:sld xmlns:a="http://schemas.openxmlformats.org/drawingml/2006/main" xmlns:r="http://schemas.openxmlformats.org/officeDocument/2006/relationships" xmlns:p="http://schemas.openxmlformats.org/presentationml/2006/main">
-  <p:cSld>
-    <p:bg>
-      <p:bgPr>
-        <a:solidFill>
-          <a:schemeClr val="bg1"/>
-        </a:solidFill>
-        <a:effectLst/>
-      </p:bgPr>
-    </p:bg>
-    <p:spTree>
-      <p:nvGrpSpPr>
-        <p:cNvPr id="1" name=""/>
-        <p:cNvGrpSpPr/>
-        <p:nvPr/>
-      </p:nvGrpSpPr>
-      <p:grpSpPr>
-        <a:xfrm>
-          <a:off x="0" y="0"/>
-          <a:ext cx="0" cy="0"/>
-          <a:chOff x="0" y="0"/>
-          <a:chExt cx="0" cy="0"/>
-        </a:xfrm>
-      </p:grpSpPr>
-      <p:sp>
-        <p:nvSpPr>
-          <p:cNvPr id="2" name="Título 1">
-            <a:extLst>
-              <a:ext uri="{FF2B5EF4-FFF2-40B4-BE49-F238E27FC236}">
-                <a16:creationId xmlns:a16="http://schemas.microsoft.com/office/drawing/2014/main" id="{EC3B13F1-BB04-4F55-BB1B-B2588BD75466}"/>
-              </a:ext>
-            </a:extLst>
-          </p:cNvPr>
-          <p:cNvSpPr>
-            <a:spLocks noGrp="1"/>
-          </p:cNvSpPr>
-          <p:nvPr>
-            <p:ph type="title"/>
-          </p:nvPr>
-        </p:nvSpPr>
-        <p:spPr>
-          <a:xfrm>
-            <a:off x="1653363" y="365760"/>
-            <a:ext cx="9367203" cy="1188720"/>
-          </a:xfrm>
-        </p:spPr>
-        <p:txBody>
-          <a:bodyPr>
-            <a:normAutofit/>
-          </a:bodyPr>
-          <a:lstStyle/>
-          <a:p>
-            <a:r>
-              <a:rPr lang="es-CL" dirty="0"/>
-              <a:t>Para </a:t>
-            </a:r>
-            <a:r>
-              <a:rPr lang="es-CL" dirty="0" err="1"/>
-              <a:t>Power</a:t>
-            </a:r>
-            <a:r>
-              <a:rPr lang="es-CL" dirty="0"/>
-              <a:t> </a:t>
-            </a:r>
-            <a:r>
-              <a:rPr lang="es-CL" dirty="0" err="1"/>
-              <a:t>bi</a:t>
-            </a:r>
-            <a:r>
-              <a:rPr lang="es-CL" dirty="0"/>
-              <a:t> (Ganado general)</a:t>
-            </a:r>
-          </a:p>
-        </p:txBody>
-      </p:sp>
-      <p:sp>
-        <p:nvSpPr>
-          <p:cNvPr id="8" name="Freeform: Shape 7">
-            <a:extLst>
-              <a:ext uri="{FF2B5EF4-FFF2-40B4-BE49-F238E27FC236}">
-                <a16:creationId xmlns:a16="http://schemas.microsoft.com/office/drawing/2014/main" id="{7CB4857B-ED7C-444D-9F04-2F885114A1C2}"/>
-              </a:ext>
-              <a:ext uri="{C183D7F6-B498-43B3-948B-1728B52AA6E4}">
-                <adec:decorative xmlns:adec="http://schemas.microsoft.com/office/drawing/2017/decorative" val="1"/>
-              </a:ext>
-            </a:extLst>
-          </p:cNvPr>
-          <p:cNvSpPr>
-            <a:spLocks noGrp="1" noRot="1" noChangeAspect="1" noMove="1" noResize="1" noEditPoints="1" noAdjustHandles="1" noChangeArrowheads="1" noChangeShapeType="1" noTextEdit="1"/>
-          </p:cNvSpPr>
-          <p:nvPr>
-            <p:extLst>
-              <p:ext uri="{386F3935-93C4-4BCD-93E2-E3B085C9AB24}">
-                <p16:designElem xmlns:p16="http://schemas.microsoft.com/office/powerpoint/2015/main" val="1"/>
-              </p:ext>
-            </p:extLst>
-          </p:nvPr>
-        </p:nvSpPr>
-        <p:spPr>
-          <a:xfrm>
-            <a:off x="1" y="0"/>
-            <a:ext cx="1764099" cy="1558212"/>
-          </a:xfrm>
-          <a:custGeom>
-            <a:avLst/>
-            <a:gdLst>
-              <a:gd name="connsiteX0" fmla="*/ 0 w 1764099"/>
-              <a:gd name="connsiteY0" fmla="*/ 0 h 1558212"/>
-              <a:gd name="connsiteX1" fmla="*/ 1764099 w 1764099"/>
-              <a:gd name="connsiteY1" fmla="*/ 0 h 1558212"/>
-              <a:gd name="connsiteX2" fmla="*/ 1042087 w 1764099"/>
-              <a:gd name="connsiteY2" fmla="*/ 1558212 h 1558212"/>
-              <a:gd name="connsiteX3" fmla="*/ 0 w 1764099"/>
-              <a:gd name="connsiteY3" fmla="*/ 1558212 h 1558212"/>
-            </a:gdLst>
-            <a:ahLst/>
-            <a:cxnLst>
-              <a:cxn ang="0">
-                <a:pos x="connsiteX0" y="connsiteY0"/>
-              </a:cxn>
-              <a:cxn ang="0">
-                <a:pos x="connsiteX1" y="connsiteY1"/>
-              </a:cxn>
-              <a:cxn ang="0">
-                <a:pos x="connsiteX2" y="connsiteY2"/>
-              </a:cxn>
-              <a:cxn ang="0">
-                <a:pos x="connsiteX3" y="connsiteY3"/>
-              </a:cxn>
-            </a:cxnLst>
-            <a:rect l="l" t="t" r="r" b="b"/>
-            <a:pathLst>
-              <a:path w="1764099" h="1558212">
-                <a:moveTo>
-                  <a:pt x="0" y="0"/>
-                </a:moveTo>
-                <a:lnTo>
-                  <a:pt x="1764099" y="0"/>
-                </a:lnTo>
-                <a:lnTo>
-                  <a:pt x="1042087" y="1558212"/>
-                </a:lnTo>
-                <a:lnTo>
-                  <a:pt x="0" y="1558212"/>
-                </a:lnTo>
-                <a:close/>
-              </a:path>
-            </a:pathLst>
-          </a:custGeom>
-          <a:solidFill>
-            <a:schemeClr val="accent4"/>
-          </a:solidFill>
-          <a:ln>
-            <a:noFill/>
-          </a:ln>
-        </p:spPr>
-        <p:style>
-          <a:lnRef idx="2">
-            <a:schemeClr val="accent1">
-              <a:shade val="50000"/>
-            </a:schemeClr>
-          </a:lnRef>
-          <a:fillRef idx="1">
-            <a:schemeClr val="accent1"/>
-          </a:fillRef>
-          <a:effectRef idx="0">
-            <a:schemeClr val="accent1"/>
-          </a:effectRef>
-          <a:fontRef idx="minor">
-            <a:schemeClr val="lt1"/>
-          </a:fontRef>
-        </p:style>
-        <p:txBody>
-          <a:bodyPr wrap="square" rtlCol="0" anchor="ctr">
-            <a:noAutofit/>
-          </a:bodyPr>
-          <a:lstStyle/>
-          <a:p>
-            <a:pPr algn="ctr"/>
-            <a:endParaRPr lang="en-US"/>
-          </a:p>
-        </p:txBody>
-      </p:sp>
-      <p:sp>
-        <p:nvSpPr>
-          <p:cNvPr id="10" name="Freeform: Shape 9">
-            <a:extLst>
-              <a:ext uri="{FF2B5EF4-FFF2-40B4-BE49-F238E27FC236}">
-                <a16:creationId xmlns:a16="http://schemas.microsoft.com/office/drawing/2014/main" id="{D18046FB-44EA-4FD8-A585-EA09A319B2D0}"/>
-              </a:ext>
-              <a:ext uri="{C183D7F6-B498-43B3-948B-1728B52AA6E4}">
-                <adec:decorative xmlns:adec="http://schemas.microsoft.com/office/drawing/2017/decorative" val="1"/>
-              </a:ext>
-            </a:extLst>
-          </p:cNvPr>
-          <p:cNvSpPr>
-            <a:spLocks noGrp="1" noRot="1" noChangeAspect="1" noMove="1" noResize="1" noEditPoints="1" noAdjustHandles="1" noChangeArrowheads="1" noChangeShapeType="1" noTextEdit="1"/>
-          </p:cNvSpPr>
-          <p:nvPr>
-            <p:extLst>
-              <p:ext uri="{386F3935-93C4-4BCD-93E2-E3B085C9AB24}">
-                <p16:designElem xmlns:p16="http://schemas.microsoft.com/office/powerpoint/2015/main" val="1"/>
-              </p:ext>
-            </p:extLst>
-          </p:nvPr>
-        </p:nvSpPr>
-        <p:spPr>
-          <a:xfrm>
-            <a:off x="1" y="1691640"/>
-            <a:ext cx="12191999" cy="5166360"/>
-          </a:xfrm>
-          <a:custGeom>
-            <a:avLst/>
-            <a:gdLst>
-              <a:gd name="connsiteX0" fmla="*/ 0 w 12191999"/>
-              <a:gd name="connsiteY0" fmla="*/ 0 h 5166360"/>
-              <a:gd name="connsiteX1" fmla="*/ 1822388 w 12191999"/>
-              <a:gd name="connsiteY1" fmla="*/ 0 h 5166360"/>
-              <a:gd name="connsiteX2" fmla="*/ 6468290 w 12191999"/>
-              <a:gd name="connsiteY2" fmla="*/ 0 h 5166360"/>
-              <a:gd name="connsiteX3" fmla="*/ 7796394 w 12191999"/>
-              <a:gd name="connsiteY3" fmla="*/ 0 h 5166360"/>
-              <a:gd name="connsiteX4" fmla="*/ 8376834 w 12191999"/>
-              <a:gd name="connsiteY4" fmla="*/ 0 h 5166360"/>
-              <a:gd name="connsiteX5" fmla="*/ 9704938 w 12191999"/>
-              <a:gd name="connsiteY5" fmla="*/ 0 h 5166360"/>
-              <a:gd name="connsiteX6" fmla="*/ 9704938 w 12191999"/>
-              <a:gd name="connsiteY6" fmla="*/ 2 h 5166360"/>
-              <a:gd name="connsiteX7" fmla="*/ 10283456 w 12191999"/>
-              <a:gd name="connsiteY7" fmla="*/ 2 h 5166360"/>
-              <a:gd name="connsiteX8" fmla="*/ 10863897 w 12191999"/>
-              <a:gd name="connsiteY8" fmla="*/ 2 h 5166360"/>
-              <a:gd name="connsiteX9" fmla="*/ 12191999 w 12191999"/>
-              <a:gd name="connsiteY9" fmla="*/ 2 h 5166360"/>
-              <a:gd name="connsiteX10" fmla="*/ 12191999 w 12191999"/>
-              <a:gd name="connsiteY10" fmla="*/ 5166360 h 5166360"/>
-              <a:gd name="connsiteX11" fmla="*/ 0 w 12191999"/>
-              <a:gd name="connsiteY11" fmla="*/ 5166360 h 5166360"/>
-              <a:gd name="connsiteX12" fmla="*/ 0 w 12191999"/>
-              <a:gd name="connsiteY12" fmla="*/ 2604436 h 5166360"/>
-              <a:gd name="connsiteX13" fmla="*/ 862341 w 12191999"/>
-              <a:gd name="connsiteY13" fmla="*/ 743371 h 5166360"/>
-              <a:gd name="connsiteX14" fmla="*/ 0 w 12191999"/>
-              <a:gd name="connsiteY14" fmla="*/ 743371 h 5166360"/>
-              <a:gd name="connsiteX15" fmla="*/ 0 w 12191999"/>
-              <a:gd name="connsiteY15" fmla="*/ 742508 h 5166360"/>
-              <a:gd name="connsiteX16" fmla="*/ 92826 w 12191999"/>
-              <a:gd name="connsiteY16" fmla="*/ 742508 h 5166360"/>
-              <a:gd name="connsiteX17" fmla="*/ 406486 w 12191999"/>
-              <a:gd name="connsiteY17" fmla="*/ 742508 h 5166360"/>
-              <a:gd name="connsiteX18" fmla="*/ 406486 w 12191999"/>
-              <a:gd name="connsiteY18" fmla="*/ 742507 h 5166360"/>
-              <a:gd name="connsiteX19" fmla="*/ 862741 w 12191999"/>
-              <a:gd name="connsiteY19" fmla="*/ 742507 h 5166360"/>
-              <a:gd name="connsiteX20" fmla="*/ 1206388 w 12191999"/>
-              <a:gd name="connsiteY20" fmla="*/ 864 h 5166360"/>
-              <a:gd name="connsiteX21" fmla="*/ 748500 w 12191999"/>
-              <a:gd name="connsiteY21" fmla="*/ 864 h 5166360"/>
-              <a:gd name="connsiteX22" fmla="*/ 0 w 12191999"/>
-              <a:gd name="connsiteY22" fmla="*/ 864 h 5166360"/>
-            </a:gdLst>
-            <a:ahLst/>
-            <a:cxnLst>
-              <a:cxn ang="0">
-                <a:pos x="connsiteX0" y="connsiteY0"/>
-              </a:cxn>
-              <a:cxn ang="0">
-                <a:pos x="connsiteX1" y="connsiteY1"/>
-              </a:cxn>
-              <a:cxn ang="0">
-                <a:pos x="connsiteX2" y="connsiteY2"/>
-              </a:cxn>
-              <a:cxn ang="0">
-                <a:pos x="connsiteX3" y="connsiteY3"/>
-              </a:cxn>
-              <a:cxn ang="0">
-                <a:pos x="connsiteX4" y="connsiteY4"/>
-              </a:cxn>
-              <a:cxn ang="0">
-                <a:pos x="connsiteX5" y="connsiteY5"/>
-              </a:cxn>
-              <a:cxn ang="0">
-                <a:pos x="connsiteX6" y="connsiteY6"/>
-              </a:cxn>
-              <a:cxn ang="0">
-                <a:pos x="connsiteX7" y="connsiteY7"/>
-              </a:cxn>
-              <a:cxn ang="0">
-                <a:pos x="connsiteX8" y="connsiteY8"/>
-              </a:cxn>
-              <a:cxn ang="0">
-                <a:pos x="connsiteX9" y="connsiteY9"/>
-              </a:cxn>
-              <a:cxn ang="0">
-                <a:pos x="connsiteX10" y="connsiteY10"/>
-              </a:cxn>
-              <a:cxn ang="0">
-                <a:pos x="connsiteX11" y="connsiteY11"/>
-              </a:cxn>
-              <a:cxn ang="0">
-                <a:pos x="connsiteX12" y="connsiteY12"/>
-              </a:cxn>
-              <a:cxn ang="0">
-                <a:pos x="connsiteX13" y="connsiteY13"/>
-              </a:cxn>
-              <a:cxn ang="0">
-                <a:pos x="connsiteX14" y="connsiteY14"/>
-              </a:cxn>
-              <a:cxn ang="0">
-                <a:pos x="connsiteX15" y="connsiteY15"/>
-              </a:cxn>
-              <a:cxn ang="0">
-                <a:pos x="connsiteX16" y="connsiteY16"/>
-              </a:cxn>
-              <a:cxn ang="0">
-                <a:pos x="connsiteX17" y="connsiteY17"/>
-              </a:cxn>
-              <a:cxn ang="0">
-                <a:pos x="connsiteX18" y="connsiteY18"/>
-              </a:cxn>
-              <a:cxn ang="0">
-                <a:pos x="connsiteX19" y="connsiteY19"/>
-              </a:cxn>
-              <a:cxn ang="0">
-                <a:pos x="connsiteX20" y="connsiteY20"/>
-              </a:cxn>
-              <a:cxn ang="0">
-                <a:pos x="connsiteX21" y="connsiteY21"/>
-              </a:cxn>
-              <a:cxn ang="0">
-                <a:pos x="connsiteX22" y="connsiteY22"/>
-              </a:cxn>
-            </a:cxnLst>
-            <a:rect l="l" t="t" r="r" b="b"/>
-            <a:pathLst>
-              <a:path w="12191999" h="5166360">
-                <a:moveTo>
-                  <a:pt x="0" y="0"/>
-                </a:moveTo>
-                <a:lnTo>
-                  <a:pt x="1822388" y="0"/>
-                </a:lnTo>
-                <a:lnTo>
-                  <a:pt x="6468290" y="0"/>
-                </a:lnTo>
-                <a:lnTo>
-                  <a:pt x="7796394" y="0"/>
-                </a:lnTo>
-                <a:lnTo>
-                  <a:pt x="8376834" y="0"/>
-                </a:lnTo>
-                <a:lnTo>
-                  <a:pt x="9704938" y="0"/>
-                </a:lnTo>
-                <a:lnTo>
-                  <a:pt x="9704938" y="2"/>
-                </a:lnTo>
-                <a:lnTo>
-                  <a:pt x="10283456" y="2"/>
-                </a:lnTo>
-                <a:lnTo>
-                  <a:pt x="10863897" y="2"/>
-                </a:lnTo>
-                <a:lnTo>
-                  <a:pt x="12191999" y="2"/>
-                </a:lnTo>
-                <a:lnTo>
-                  <a:pt x="12191999" y="5166360"/>
-                </a:lnTo>
-                <a:lnTo>
-                  <a:pt x="0" y="5166360"/>
-                </a:lnTo>
-                <a:lnTo>
-                  <a:pt x="0" y="2604436"/>
-                </a:lnTo>
-                <a:lnTo>
-                  <a:pt x="862341" y="743371"/>
-                </a:lnTo>
-                <a:lnTo>
-                  <a:pt x="0" y="743371"/>
-                </a:lnTo>
-                <a:lnTo>
-                  <a:pt x="0" y="742508"/>
-                </a:lnTo>
-                <a:lnTo>
-                  <a:pt x="92826" y="742508"/>
-                </a:lnTo>
-                <a:lnTo>
-                  <a:pt x="406486" y="742508"/>
-                </a:lnTo>
-                <a:lnTo>
-                  <a:pt x="406486" y="742507"/>
-                </a:lnTo>
-                <a:lnTo>
-                  <a:pt x="862741" y="742507"/>
-                </a:lnTo>
-                <a:lnTo>
-                  <a:pt x="1206388" y="864"/>
-                </a:lnTo>
-                <a:lnTo>
-                  <a:pt x="748500" y="864"/>
-                </a:lnTo>
-                <a:lnTo>
-                  <a:pt x="0" y="864"/>
-                </a:lnTo>
-                <a:close/>
-              </a:path>
-            </a:pathLst>
-          </a:custGeom>
-          <a:solidFill>
-            <a:srgbClr val="A6A6A6">
-              <a:alpha val="49804"/>
-            </a:srgbClr>
-          </a:solidFill>
-          <a:ln>
-            <a:noFill/>
-          </a:ln>
-        </p:spPr>
-        <p:style>
-          <a:lnRef idx="2">
-            <a:schemeClr val="accent1">
-              <a:shade val="50000"/>
-            </a:schemeClr>
-          </a:lnRef>
-          <a:fillRef idx="1">
-            <a:schemeClr val="accent1"/>
-          </a:fillRef>
-          <a:effectRef idx="0">
-            <a:schemeClr val="accent1"/>
-          </a:effectRef>
-          <a:fontRef idx="minor">
-            <a:schemeClr val="lt1"/>
-          </a:fontRef>
-        </p:style>
-        <p:txBody>
-          <a:bodyPr wrap="square" rtlCol="0" anchor="ctr">
-            <a:noAutofit/>
-          </a:bodyPr>
-          <a:lstStyle/>
-          <a:p>
-            <a:pPr algn="ctr"/>
-            <a:endParaRPr lang="en-US"/>
-          </a:p>
-        </p:txBody>
-      </p:sp>
-      <p:sp>
-        <p:nvSpPr>
-          <p:cNvPr id="12" name="Freeform: Shape 11">
-            <a:extLst>
-              <a:ext uri="{FF2B5EF4-FFF2-40B4-BE49-F238E27FC236}">
-                <a16:creationId xmlns:a16="http://schemas.microsoft.com/office/drawing/2014/main" id="{479F5F2B-8B58-4140-AE6A-51F6C67B18D9}"/>
-              </a:ext>
-              <a:ext uri="{C183D7F6-B498-43B3-948B-1728B52AA6E4}">
-                <adec:decorative xmlns:adec="http://schemas.microsoft.com/office/drawing/2017/decorative" val="1"/>
-              </a:ext>
-            </a:extLst>
-          </p:cNvPr>
-          <p:cNvSpPr>
-            <a:spLocks noGrp="1" noRot="1" noChangeAspect="1" noMove="1" noResize="1" noEditPoints="1" noAdjustHandles="1" noChangeArrowheads="1" noChangeShapeType="1" noTextEdit="1"/>
-          </p:cNvSpPr>
-          <p:nvPr>
-            <p:extLst>
-              <p:ext uri="{386F3935-93C4-4BCD-93E2-E3B085C9AB24}">
-                <p16:designElem xmlns:p16="http://schemas.microsoft.com/office/powerpoint/2015/main" val="1"/>
-              </p:ext>
-            </p:extLst>
-          </p:nvPr>
-        </p:nvSpPr>
-        <p:spPr>
-          <a:xfrm>
-            <a:off x="0" y="1691641"/>
-            <a:ext cx="971654" cy="2096979"/>
-          </a:xfrm>
-          <a:custGeom>
-            <a:avLst/>
-            <a:gdLst>
-              <a:gd name="connsiteX0" fmla="*/ 0 w 971654"/>
-              <a:gd name="connsiteY0" fmla="*/ 0 h 2096979"/>
-              <a:gd name="connsiteX1" fmla="*/ 971654 w 971654"/>
-              <a:gd name="connsiteY1" fmla="*/ 0 h 2096979"/>
-              <a:gd name="connsiteX2" fmla="*/ 0 w 971654"/>
-              <a:gd name="connsiteY2" fmla="*/ 2096979 h 2096979"/>
-            </a:gdLst>
-            <a:ahLst/>
-            <a:cxnLst>
-              <a:cxn ang="0">
-                <a:pos x="connsiteX0" y="connsiteY0"/>
-              </a:cxn>
-              <a:cxn ang="0">
-                <a:pos x="connsiteX1" y="connsiteY1"/>
-              </a:cxn>
-              <a:cxn ang="0">
-                <a:pos x="connsiteX2" y="connsiteY2"/>
-              </a:cxn>
-            </a:cxnLst>
-            <a:rect l="l" t="t" r="r" b="b"/>
-            <a:pathLst>
-              <a:path w="971654" h="2096979">
-                <a:moveTo>
-                  <a:pt x="0" y="0"/>
-                </a:moveTo>
-                <a:lnTo>
-                  <a:pt x="971654" y="0"/>
-                </a:lnTo>
-                <a:lnTo>
-                  <a:pt x="0" y="2096979"/>
-                </a:lnTo>
-                <a:close/>
-              </a:path>
-            </a:pathLst>
-          </a:custGeom>
-          <a:solidFill>
-            <a:srgbClr val="404040"/>
-          </a:solidFill>
-          <a:ln>
-            <a:noFill/>
-          </a:ln>
-        </p:spPr>
-        <p:style>
-          <a:lnRef idx="2">
-            <a:schemeClr val="accent1">
-              <a:shade val="50000"/>
-            </a:schemeClr>
-          </a:lnRef>
-          <a:fillRef idx="1">
-            <a:schemeClr val="accent1"/>
-          </a:fillRef>
-          <a:effectRef idx="0">
-            <a:schemeClr val="accent1"/>
-          </a:effectRef>
-          <a:fontRef idx="minor">
-            <a:schemeClr val="lt1"/>
-          </a:fontRef>
-        </p:style>
-        <p:txBody>
-          <a:bodyPr wrap="square" rtlCol="0" anchor="ctr">
-            <a:noAutofit/>
-          </a:bodyPr>
-          <a:lstStyle/>
-          <a:p>
-            <a:pPr algn="ctr"/>
-            <a:endParaRPr lang="en-US"/>
-          </a:p>
-        </p:txBody>
-      </p:sp>
-      <p:sp>
-        <p:nvSpPr>
-          <p:cNvPr id="3" name="Marcador de contenido 2">
-            <a:extLst>
-              <a:ext uri="{FF2B5EF4-FFF2-40B4-BE49-F238E27FC236}">
-                <a16:creationId xmlns:a16="http://schemas.microsoft.com/office/drawing/2014/main" id="{151E1203-A127-4C71-8092-4E4166B3B2C4}"/>
-              </a:ext>
-            </a:extLst>
-          </p:cNvPr>
-          <p:cNvSpPr>
-            <a:spLocks noGrp="1"/>
-          </p:cNvSpPr>
-          <p:nvPr>
-            <p:ph idx="1"/>
-          </p:nvPr>
-        </p:nvSpPr>
-        <p:spPr>
-          <a:xfrm>
-            <a:off x="1305047" y="1952569"/>
-            <a:ext cx="5031917" cy="2609271"/>
-          </a:xfrm>
-        </p:spPr>
-        <p:txBody>
-          <a:bodyPr anchor="t">
-            <a:normAutofit/>
-          </a:bodyPr>
-          <a:lstStyle/>
-          <a:p>
-            <a:pPr marL="0" indent="0">
-              <a:buNone/>
-            </a:pPr>
-            <a:r>
-              <a:rPr lang="es-CL" sz="1400" dirty="0"/>
-              <a:t>Consolidar todos los boletines en un (1) archivo. Generar Base de Datos.</a:t>
-            </a:r>
-          </a:p>
-          <a:p>
-            <a:pPr marL="0" indent="0">
-              <a:buNone/>
-            </a:pPr>
-            <a:r>
-              <a:rPr lang="es-CL" sz="1400" dirty="0"/>
-              <a:t>Variables: categoría, peso promedio y número de cabezas según categoría</a:t>
-            </a:r>
-          </a:p>
-          <a:p>
-            <a:pPr marL="0" indent="0">
-              <a:buNone/>
-            </a:pPr>
-            <a:r>
-              <a:rPr lang="es-CL" sz="1400" dirty="0"/>
-              <a:t>Agregar columna categoría (ver cuadro abajo): bovino, equino, porcino, etc.</a:t>
-            </a:r>
-          </a:p>
-          <a:p>
-            <a:pPr marL="0" indent="0">
-              <a:buNone/>
-            </a:pPr>
-            <a:r>
-              <a:rPr lang="es-CL" sz="1400" dirty="0"/>
-              <a:t>Agregar columna con código comuna</a:t>
-            </a:r>
-          </a:p>
-          <a:p>
-            <a:pPr marL="0" indent="0">
-              <a:buNone/>
-            </a:pPr>
-            <a:r>
-              <a:rPr lang="es-CL" sz="1400" dirty="0"/>
-              <a:t> Ubicación carpeta: </a:t>
-            </a:r>
-            <a:r>
-              <a:rPr lang="es-CL" sz="1400" dirty="0">
-                <a:hlinkClick r:id="rId2"/>
-              </a:rPr>
-              <a:t>https://www.dropbox.com/sh/c4oyw0pzrkldpis/AAD0M14fAhml6oton-Id3-FAa?dl=0</a:t>
-            </a:r>
-            <a:r>
-              <a:rPr lang="es-CL" sz="1400" dirty="0"/>
-              <a:t> </a:t>
-            </a:r>
-          </a:p>
-          <a:p>
-            <a:pPr marL="0" indent="0">
-              <a:buNone/>
-            </a:pPr>
-            <a:endParaRPr lang="es-CL" sz="1400" dirty="0"/>
-          </a:p>
-        </p:txBody>
-      </p:sp>
-      <p:pic>
-        <p:nvPicPr>
-          <p:cNvPr id="5" name="Imagen 4">
-            <a:extLst>
-              <a:ext uri="{FF2B5EF4-FFF2-40B4-BE49-F238E27FC236}">
-                <a16:creationId xmlns:a16="http://schemas.microsoft.com/office/drawing/2014/main" id="{362D52AA-0843-4EB6-A764-CCE0565B58F6}"/>
-              </a:ext>
-            </a:extLst>
-          </p:cNvPr>
-          <p:cNvPicPr>
-            <a:picLocks noChangeAspect="1"/>
-          </p:cNvPicPr>
-          <p:nvPr/>
-        </p:nvPicPr>
-        <p:blipFill>
-          <a:blip r:embed="rId3"/>
-          <a:stretch>
-            <a:fillRect/>
-          </a:stretch>
-        </p:blipFill>
-        <p:spPr>
-          <a:xfrm>
-            <a:off x="7009854" y="1952569"/>
-            <a:ext cx="4857571" cy="2952862"/>
-          </a:xfrm>
-          <a:prstGeom prst="rect">
-            <a:avLst/>
-          </a:prstGeom>
-        </p:spPr>
-      </p:pic>
-      <p:graphicFrame>
-        <p:nvGraphicFramePr>
-          <p:cNvPr id="6" name="Tabla 6">
-            <a:extLst>
-              <a:ext uri="{FF2B5EF4-FFF2-40B4-BE49-F238E27FC236}">
-                <a16:creationId xmlns:a16="http://schemas.microsoft.com/office/drawing/2014/main" id="{B8881AF6-C249-46D2-AAAD-454EC0831BF9}"/>
-              </a:ext>
-            </a:extLst>
-          </p:cNvPr>
-          <p:cNvGraphicFramePr>
-            <a:graphicFrameLocks noGrp="1"/>
-          </p:cNvGraphicFramePr>
-          <p:nvPr>
-            <p:extLst>
-              <p:ext uri="{D42A27DB-BD31-4B8C-83A1-F6EECF244321}">
-                <p14:modId xmlns:p14="http://schemas.microsoft.com/office/powerpoint/2010/main" val="3329067086"/>
-              </p:ext>
-            </p:extLst>
-          </p:nvPr>
-        </p:nvGraphicFramePr>
-        <p:xfrm>
-          <a:off x="485827" y="4640580"/>
-          <a:ext cx="6847840" cy="2077720"/>
-        </p:xfrm>
-        <a:graphic>
-          <a:graphicData uri="http://schemas.openxmlformats.org/drawingml/2006/table">
-            <a:tbl>
-              <a:tblPr firstRow="1" bandRow="1">
-                <a:tableStyleId>{00A15C55-8517-42AA-B614-E9B94910E393}</a:tableStyleId>
-              </a:tblPr>
-              <a:tblGrid>
-                <a:gridCol w="4346188">
-                  <a:extLst>
-                    <a:ext uri="{9D8B030D-6E8A-4147-A177-3AD203B41FA5}">
-                      <a16:colId xmlns:a16="http://schemas.microsoft.com/office/drawing/2014/main" val="2494819974"/>
-                    </a:ext>
-                  </a:extLst>
-                </a:gridCol>
-                <a:gridCol w="2501652">
-                  <a:extLst>
-                    <a:ext uri="{9D8B030D-6E8A-4147-A177-3AD203B41FA5}">
-                      <a16:colId xmlns:a16="http://schemas.microsoft.com/office/drawing/2014/main" val="3750099391"/>
-                    </a:ext>
-                  </a:extLst>
-                </a:gridCol>
-              </a:tblGrid>
-              <a:tr h="370840">
-                <a:tc>
-                  <a:txBody>
-                    <a:bodyPr/>
-                    <a:lstStyle/>
-                    <a:p>
-                      <a:r>
-                        <a:rPr lang="es-CL" sz="1100" dirty="0"/>
-                        <a:t>Ganado</a:t>
-                      </a:r>
-                    </a:p>
-                  </a:txBody>
-                  <a:tcPr/>
-                </a:tc>
-                <a:tc>
-                  <a:txBody>
-                    <a:bodyPr/>
-                    <a:lstStyle/>
-                    <a:p>
-                      <a:r>
-                        <a:rPr lang="es-CL" sz="1100" dirty="0"/>
-                        <a:t>Categoría ganado</a:t>
-                      </a:r>
-                    </a:p>
-                  </a:txBody>
-                  <a:tcPr/>
-                </a:tc>
-                <a:extLst>
-                  <a:ext uri="{0D108BD9-81ED-4DB2-BD59-A6C34878D82A}">
-                    <a16:rowId xmlns:a16="http://schemas.microsoft.com/office/drawing/2014/main" val="1904272660"/>
-                  </a:ext>
-                </a:extLst>
-              </a:tr>
-              <a:tr h="370840">
-                <a:tc>
-                  <a:txBody>
-                    <a:bodyPr/>
-                    <a:lstStyle/>
-                    <a:p>
-                      <a:r>
-                        <a:rPr lang="es-CL" sz="1100" dirty="0"/>
-                        <a:t>Novillo     Gordo, Novillo Engorda, Vaca Gorda, Vaca Engorda, Vaquilla Gorda, Vaquilla   Engorda, Toros, Terneros	y Terneras</a:t>
-                      </a:r>
-                    </a:p>
-                    <a:p>
-                      <a:endParaRPr lang="es-CL" sz="1100" dirty="0"/>
-                    </a:p>
-                  </a:txBody>
-                  <a:tcPr/>
-                </a:tc>
-                <a:tc>
-                  <a:txBody>
-                    <a:bodyPr/>
-                    <a:lstStyle/>
-                    <a:p>
-                      <a:r>
-                        <a:rPr lang="es-CL" sz="1100" dirty="0"/>
-                        <a:t>Bovino</a:t>
-                      </a:r>
-                    </a:p>
-                  </a:txBody>
-                  <a:tcPr/>
-                </a:tc>
-                <a:extLst>
-                  <a:ext uri="{0D108BD9-81ED-4DB2-BD59-A6C34878D82A}">
-                    <a16:rowId xmlns:a16="http://schemas.microsoft.com/office/drawing/2014/main" val="1433773515"/>
-                  </a:ext>
-                </a:extLst>
-              </a:tr>
-              <a:tr h="370840">
-                <a:tc>
-                  <a:txBody>
-                    <a:bodyPr/>
-                    <a:lstStyle/>
-                    <a:p>
-                      <a:r>
-                        <a:rPr lang="es-CL" sz="1100" dirty="0"/>
-                        <a:t>Cerdos</a:t>
-                      </a:r>
-                    </a:p>
-                  </a:txBody>
-                  <a:tcPr/>
-                </a:tc>
-                <a:tc>
-                  <a:txBody>
-                    <a:bodyPr/>
-                    <a:lstStyle/>
-                    <a:p>
-                      <a:r>
-                        <a:rPr lang="es-CL" sz="1100" dirty="0"/>
-                        <a:t>Porcino</a:t>
-                      </a:r>
-                    </a:p>
-                  </a:txBody>
-                  <a:tcPr/>
-                </a:tc>
-                <a:extLst>
-                  <a:ext uri="{0D108BD9-81ED-4DB2-BD59-A6C34878D82A}">
-                    <a16:rowId xmlns:a16="http://schemas.microsoft.com/office/drawing/2014/main" val="2150099571"/>
-                  </a:ext>
-                </a:extLst>
-              </a:tr>
-              <a:tr h="370840">
-                <a:tc>
-                  <a:txBody>
-                    <a:bodyPr/>
-                    <a:lstStyle/>
-                    <a:p>
-                      <a:r>
-                        <a:rPr lang="es-CL" sz="1100" dirty="0"/>
-                        <a:t>Lanares</a:t>
-                      </a:r>
-                    </a:p>
-                  </a:txBody>
-                  <a:tcPr/>
-                </a:tc>
-                <a:tc>
-                  <a:txBody>
-                    <a:bodyPr/>
-                    <a:lstStyle/>
-                    <a:p>
-                      <a:r>
-                        <a:rPr lang="es-CL" sz="1100" dirty="0"/>
-                        <a:t>Ovino</a:t>
-                      </a:r>
-                    </a:p>
-                  </a:txBody>
-                  <a:tcPr/>
-                </a:tc>
-                <a:extLst>
-                  <a:ext uri="{0D108BD9-81ED-4DB2-BD59-A6C34878D82A}">
-                    <a16:rowId xmlns:a16="http://schemas.microsoft.com/office/drawing/2014/main" val="864127085"/>
-                  </a:ext>
-                </a:extLst>
-              </a:tr>
-              <a:tr h="370840">
-                <a:tc>
-                  <a:txBody>
-                    <a:bodyPr/>
-                    <a:lstStyle/>
-                    <a:p>
-                      <a:r>
-                        <a:rPr lang="es-CL" sz="1100" dirty="0"/>
-                        <a:t>Caballos</a:t>
-                      </a:r>
-                    </a:p>
-                  </a:txBody>
-                  <a:tcPr/>
-                </a:tc>
-                <a:tc>
-                  <a:txBody>
-                    <a:bodyPr/>
-                    <a:lstStyle/>
-                    <a:p>
-                      <a:r>
-                        <a:rPr lang="es-CL" sz="1100" dirty="0"/>
-                        <a:t>Equino </a:t>
-                      </a:r>
-                    </a:p>
-                  </a:txBody>
-                  <a:tcPr/>
-                </a:tc>
-                <a:extLst>
-                  <a:ext uri="{0D108BD9-81ED-4DB2-BD59-A6C34878D82A}">
-                    <a16:rowId xmlns:a16="http://schemas.microsoft.com/office/drawing/2014/main" val="2501971668"/>
-                  </a:ext>
-                </a:extLst>
-              </a:tr>
-            </a:tbl>
-          </a:graphicData>
-        </a:graphic>
-      </p:graphicFrame>
-    </p:spTree>
-    <p:extLst>
-      <p:ext uri="{BB962C8B-B14F-4D97-AF65-F5344CB8AC3E}">
-        <p14:creationId xmlns:p14="http://schemas.microsoft.com/office/powerpoint/2010/main" val="3084842140"/>
-      </p:ext>
-    </p:extLst>
-  </p:cSld>
-  <p:clrMapOvr>
-    <a:masterClrMapping/>
-  </p:clrMapOvr>
-</p:sld>
-</file>
-
-<file path=ppt/slides/slide5.xml><?xml version="1.0" encoding="utf-8"?>
-<p:sld xmlns:a="http://schemas.openxmlformats.org/drawingml/2006/main" xmlns:r="http://schemas.openxmlformats.org/officeDocument/2006/relationships" xmlns:p="http://schemas.openxmlformats.org/presentationml/2006/main">
-  <p:cSld>
-    <p:bg>
-      <p:bgPr>
-        <a:solidFill>
-          <a:schemeClr val="bg2"/>
-        </a:solidFill>
-        <a:effectLst/>
-      </p:bgPr>
-    </p:bg>
-    <p:spTree>
-      <p:nvGrpSpPr>
-        <p:cNvPr id="1" name=""/>
-        <p:cNvGrpSpPr/>
-        <p:nvPr/>
-      </p:nvGrpSpPr>
-      <p:grpSpPr>
-        <a:xfrm>
-          <a:off x="0" y="0"/>
-          <a:ext cx="0" cy="0"/>
-          <a:chOff x="0" y="0"/>
-          <a:chExt cx="0" cy="0"/>
-        </a:xfrm>
-      </p:grpSpPr>
-      <p:sp>
-        <p:nvSpPr>
-          <p:cNvPr id="25" name="Rectangle 16">
-            <a:extLst>
-              <a:ext uri="{FF2B5EF4-FFF2-40B4-BE49-F238E27FC236}">
-                <a16:creationId xmlns:a16="http://schemas.microsoft.com/office/drawing/2014/main" id="{BEE73255-8084-4DF9-BB0B-15EAC92E2CB9}"/>
-              </a:ext>
-              <a:ext uri="{C183D7F6-B498-43B3-948B-1728B52AA6E4}">
-                <adec:decorative xmlns:adec="http://schemas.microsoft.com/office/drawing/2017/decorative" val="1"/>
-              </a:ext>
-            </a:extLst>
-          </p:cNvPr>
-          <p:cNvSpPr>
-            <a:spLocks noGrp="1" noRot="1" noChangeAspect="1" noMove="1" noResize="1" noEditPoints="1" noAdjustHandles="1" noChangeArrowheads="1" noChangeShapeType="1" noTextEdit="1"/>
-          </p:cNvSpPr>
-          <p:nvPr>
-            <p:extLst>
-              <p:ext uri="{386F3935-93C4-4BCD-93E2-E3B085C9AB24}">
-                <p16:designElem xmlns:p16="http://schemas.microsoft.com/office/powerpoint/2015/main" val="1"/>
-              </p:ext>
-            </p:extLst>
-          </p:nvPr>
-        </p:nvSpPr>
-        <p:spPr>
-          <a:xfrm>
-            <a:off x="0" y="0"/>
-            <a:ext cx="12192000" cy="6858000"/>
-          </a:xfrm>
-          <a:prstGeom prst="rect">
-            <a:avLst/>
-          </a:prstGeom>
-          <a:solidFill>
-            <a:srgbClr val="C8CACA"/>
-          </a:solidFill>
-          <a:ln>
-            <a:noFill/>
-          </a:ln>
-        </p:spPr>
-        <p:style>
-          <a:lnRef idx="2">
-            <a:schemeClr val="accent1">
-              <a:shade val="50000"/>
-            </a:schemeClr>
-          </a:lnRef>
-          <a:fillRef idx="1">
-            <a:schemeClr val="accent1"/>
-          </a:fillRef>
-          <a:effectRef idx="0">
-            <a:schemeClr val="accent1"/>
-          </a:effectRef>
-          <a:fontRef idx="minor">
-            <a:schemeClr val="lt1"/>
-          </a:fontRef>
-        </p:style>
-        <p:txBody>
-          <a:bodyPr rtlCol="0" anchor="ctr"/>
-          <a:lstStyle/>
-          <a:p>
-            <a:pPr algn="ctr"/>
-            <a:endParaRPr lang="en-US"/>
-          </a:p>
-        </p:txBody>
-      </p:sp>
-      <p:sp>
-        <p:nvSpPr>
-          <p:cNvPr id="2" name="Título 1">
-            <a:extLst>
-              <a:ext uri="{FF2B5EF4-FFF2-40B4-BE49-F238E27FC236}">
-                <a16:creationId xmlns:a16="http://schemas.microsoft.com/office/drawing/2014/main" id="{FA9B07E9-ECFA-4095-802A-896A4EF35154}"/>
-              </a:ext>
-            </a:extLst>
-          </p:cNvPr>
-          <p:cNvSpPr>
-            <a:spLocks noGrp="1"/>
-          </p:cNvSpPr>
-          <p:nvPr>
-            <p:ph type="title"/>
-          </p:nvPr>
-        </p:nvSpPr>
-        <p:spPr>
-          <a:xfrm>
-            <a:off x="603938" y="640081"/>
-            <a:ext cx="2608655" cy="5257799"/>
-          </a:xfrm>
-        </p:spPr>
-        <p:txBody>
-          <a:bodyPr vert="horz" lIns="91440" tIns="45720" rIns="91440" bIns="45720" rtlCol="0" anchor="ctr">
-            <a:normAutofit/>
-          </a:bodyPr>
-          <a:lstStyle/>
-          <a:p>
-            <a:r>
-              <a:rPr lang="en-US" sz="3600">
-                <a:solidFill>
-                  <a:srgbClr val="2C2C2C"/>
-                </a:solidFill>
-              </a:rPr>
-              <a:t>Ovinos</a:t>
-            </a:r>
-          </a:p>
-        </p:txBody>
-      </p:sp>
-      <p:sp>
-        <p:nvSpPr>
-          <p:cNvPr id="26" name="Rounded Rectangle 9">
-            <a:extLst>
-              <a:ext uri="{FF2B5EF4-FFF2-40B4-BE49-F238E27FC236}">
-                <a16:creationId xmlns:a16="http://schemas.microsoft.com/office/drawing/2014/main" id="{67048353-8981-459A-9BC6-9711CE462E06}"/>
-              </a:ext>
-              <a:ext uri="{C183D7F6-B498-43B3-948B-1728B52AA6E4}">
-                <adec:decorative xmlns:adec="http://schemas.microsoft.com/office/drawing/2017/decorative" val="1"/>
-              </a:ext>
-            </a:extLst>
-          </p:cNvPr>
-          <p:cNvSpPr>
-            <a:spLocks noGrp="1" noRot="1" noChangeAspect="1" noMove="1" noResize="1" noEditPoints="1" noAdjustHandles="1" noChangeArrowheads="1" noChangeShapeType="1" noTextEdit="1"/>
-          </p:cNvSpPr>
-          <p:nvPr>
-            <p:extLst>
-              <p:ext uri="{386F3935-93C4-4BCD-93E2-E3B085C9AB24}">
-                <p16:designElem xmlns:p16="http://schemas.microsoft.com/office/powerpoint/2015/main" val="1"/>
-              </p:ext>
-            </p:extLst>
-          </p:nvPr>
-        </p:nvSpPr>
-        <p:spPr>
-          <a:xfrm>
-            <a:off x="3580067" y="484632"/>
-            <a:ext cx="8129016" cy="5724144"/>
-          </a:xfrm>
-          <a:prstGeom prst="roundRect">
-            <a:avLst>
-              <a:gd name="adj" fmla="val 0"/>
-            </a:avLst>
-          </a:prstGeom>
-          <a:solidFill>
-            <a:srgbClr val="FFFFFF"/>
-          </a:solidFill>
-          <a:ln w="9525">
-            <a:solidFill>
-              <a:srgbClr val="C8CACA"/>
-            </a:solidFill>
-          </a:ln>
-          <a:effectLst>
-            <a:outerShdw blurRad="57150" dist="19050" dir="5400000" algn="t" rotWithShape="0">
-              <a:prstClr val="black">
-                <a:alpha val="63000"/>
-              </a:prstClr>
-            </a:outerShdw>
-          </a:effectLst>
-        </p:spPr>
-        <p:style>
-          <a:lnRef idx="2">
-            <a:schemeClr val="accent1">
-              <a:shade val="50000"/>
-            </a:schemeClr>
-          </a:lnRef>
-          <a:fillRef idx="1">
-            <a:schemeClr val="accent1"/>
-          </a:fillRef>
-          <a:effectRef idx="0">
-            <a:schemeClr val="accent1"/>
-          </a:effectRef>
-          <a:fontRef idx="minor">
-            <a:schemeClr val="lt1"/>
-          </a:fontRef>
-        </p:style>
-        <p:txBody>
-          <a:bodyPr rtlCol="0" anchor="ctr"/>
-          <a:lstStyle/>
-          <a:p>
-            <a:pPr algn="ctr"/>
-            <a:endParaRPr lang="en-US"/>
-          </a:p>
-        </p:txBody>
-      </p:sp>
-      <p:pic>
-        <p:nvPicPr>
-          <p:cNvPr id="5" name="Marcador de contenido 4" descr="Interfaz de usuario gráfica, Aplicación, Correo electrónico&#10;&#10;Descripción generada automáticamente">
-            <a:extLst>
-              <a:ext uri="{FF2B5EF4-FFF2-40B4-BE49-F238E27FC236}">
-                <a16:creationId xmlns:a16="http://schemas.microsoft.com/office/drawing/2014/main" id="{C569F79F-0D41-4DF7-A607-E0AABB89A7A3}"/>
-              </a:ext>
-            </a:extLst>
-          </p:cNvPr>
-          <p:cNvPicPr>
-            <a:picLocks noGrp="1" noChangeAspect="1"/>
-          </p:cNvPicPr>
-          <p:nvPr>
-            <p:ph idx="1"/>
-          </p:nvPr>
-        </p:nvPicPr>
-        <p:blipFill rotWithShape="1">
-          <a:blip r:embed="rId2"/>
-          <a:srcRect r="6147" b="2"/>
-          <a:stretch/>
-        </p:blipFill>
-        <p:spPr>
-          <a:xfrm>
-            <a:off x="3890094" y="1199492"/>
-            <a:ext cx="7163222" cy="4808332"/>
-          </a:xfrm>
-          <a:prstGeom prst="rect">
-            <a:avLst/>
-          </a:prstGeom>
-          <a:effectLst/>
-        </p:spPr>
-      </p:pic>
-      <p:sp>
-        <p:nvSpPr>
-          <p:cNvPr id="15" name="CuadroTexto 14">
-            <a:extLst>
-              <a:ext uri="{FF2B5EF4-FFF2-40B4-BE49-F238E27FC236}">
-                <a16:creationId xmlns:a16="http://schemas.microsoft.com/office/drawing/2014/main" id="{41A71908-FA93-40A2-A0E3-45CA5B9782BB}"/>
-              </a:ext>
-            </a:extLst>
-          </p:cNvPr>
-          <p:cNvSpPr txBox="1"/>
-          <p:nvPr/>
-        </p:nvSpPr>
-        <p:spPr>
-          <a:xfrm>
-            <a:off x="4326238" y="629209"/>
-            <a:ext cx="6097772" cy="369332"/>
-          </a:xfrm>
-          <a:prstGeom prst="rect">
-            <a:avLst/>
-          </a:prstGeom>
-          <a:noFill/>
-        </p:spPr>
-        <p:txBody>
-          <a:bodyPr wrap="square">
-            <a:spAutoFit/>
-          </a:bodyPr>
-          <a:lstStyle/>
-          <a:p>
-            <a:r>
-              <a:rPr lang="es-CL" dirty="0">
-                <a:hlinkClick r:id="rId3"/>
-              </a:rPr>
-              <a:t>https://www.odepa.gob.cl/precios/al-productor</a:t>
-            </a:r>
-            <a:r>
-              <a:rPr lang="es-CL" dirty="0"/>
-              <a:t> </a:t>
-            </a:r>
-          </a:p>
-        </p:txBody>
-      </p:sp>
-      <p:sp>
-        <p:nvSpPr>
-          <p:cNvPr id="7" name="Rectángulo: esquinas redondeadas 6">
-            <a:extLst>
-              <a:ext uri="{FF2B5EF4-FFF2-40B4-BE49-F238E27FC236}">
-                <a16:creationId xmlns:a16="http://schemas.microsoft.com/office/drawing/2014/main" id="{73BF0F83-4C94-46DB-8095-DE2CF569C3B0}"/>
-              </a:ext>
-            </a:extLst>
-          </p:cNvPr>
-          <p:cNvSpPr/>
-          <p:nvPr/>
-        </p:nvSpPr>
-        <p:spPr>
-          <a:xfrm>
-            <a:off x="4480560" y="4470400"/>
-            <a:ext cx="3332480" cy="904240"/>
-          </a:xfrm>
-          <a:prstGeom prst="roundRect">
-            <a:avLst/>
-          </a:prstGeom>
-          <a:noFill/>
-          <a:ln>
-            <a:solidFill>
-              <a:srgbClr val="FF0000"/>
-            </a:solidFill>
-          </a:ln>
-        </p:spPr>
-        <p:style>
-          <a:lnRef idx="2">
-            <a:schemeClr val="accent1">
-              <a:shade val="50000"/>
-            </a:schemeClr>
-          </a:lnRef>
-          <a:fillRef idx="1">
-            <a:schemeClr val="accent1"/>
-          </a:fillRef>
-          <a:effectRef idx="0">
-            <a:schemeClr val="accent1"/>
-          </a:effectRef>
-          <a:fontRef idx="minor">
-            <a:schemeClr val="lt1"/>
-          </a:fontRef>
-        </p:style>
-        <p:txBody>
-          <a:bodyPr rtlCol="0" anchor="ctr"/>
-          <a:lstStyle/>
-          <a:p>
-            <a:pPr algn="ctr"/>
-            <a:endParaRPr lang="es-CL"/>
-          </a:p>
-        </p:txBody>
-      </p:sp>
-      <p:cxnSp>
-        <p:nvCxnSpPr>
-          <p:cNvPr id="9" name="Conector recto de flecha 8">
-            <a:extLst>
-              <a:ext uri="{FF2B5EF4-FFF2-40B4-BE49-F238E27FC236}">
-                <a16:creationId xmlns:a16="http://schemas.microsoft.com/office/drawing/2014/main" id="{AA26DA1D-BFC4-4BCC-84D1-5156FA5BD782}"/>
-              </a:ext>
-            </a:extLst>
-          </p:cNvPr>
-          <p:cNvCxnSpPr/>
-          <p:nvPr/>
-        </p:nvCxnSpPr>
-        <p:spPr>
-          <a:xfrm>
-            <a:off x="2326640" y="4988560"/>
-            <a:ext cx="2153920" cy="0"/>
-          </a:xfrm>
-          <a:prstGeom prst="straightConnector1">
-            <a:avLst/>
-          </a:prstGeom>
-          <a:ln>
-            <a:solidFill>
-              <a:srgbClr val="FF0000"/>
-            </a:solidFill>
-            <a:tailEnd type="triangle"/>
-          </a:ln>
-        </p:spPr>
-        <p:style>
-          <a:lnRef idx="1">
-            <a:schemeClr val="accent1"/>
-          </a:lnRef>
-          <a:fillRef idx="0">
-            <a:schemeClr val="accent1"/>
-          </a:fillRef>
-          <a:effectRef idx="0">
-            <a:schemeClr val="accent1"/>
-          </a:effectRef>
-          <a:fontRef idx="minor">
-            <a:schemeClr val="tx1"/>
-          </a:fontRef>
-        </p:style>
-      </p:cxnSp>
-    </p:spTree>
-    <p:extLst>
-      <p:ext uri="{BB962C8B-B14F-4D97-AF65-F5344CB8AC3E}">
-        <p14:creationId xmlns:p14="http://schemas.microsoft.com/office/powerpoint/2010/main" val="1828010376"/>
-      </p:ext>
-    </p:extLst>
-  </p:cSld>
-  <p:clrMapOvr>
-    <a:masterClrMapping/>
-  </p:clrMapOvr>
-</p:sld>
-</file>
-
-<file path=ppt/slides/slide6.xml><?xml version="1.0" encoding="utf-8"?>
-<p:sld xmlns:a="http://schemas.openxmlformats.org/drawingml/2006/main" xmlns:r="http://schemas.openxmlformats.org/officeDocument/2006/relationships" xmlns:p="http://schemas.openxmlformats.org/presentationml/2006/main">
-  <p:cSld>
-    <p:bg>
-      <p:bgPr>
-        <a:solidFill>
-          <a:schemeClr val="bg2"/>
-        </a:solidFill>
-        <a:effectLst/>
-      </p:bgPr>
-    </p:bg>
-    <p:spTree>
-      <p:nvGrpSpPr>
-        <p:cNvPr id="1" name=""/>
-        <p:cNvGrpSpPr/>
-        <p:nvPr/>
-      </p:nvGrpSpPr>
-      <p:grpSpPr>
-        <a:xfrm>
-          <a:off x="0" y="0"/>
-          <a:ext cx="0" cy="0"/>
-          <a:chOff x="0" y="0"/>
-          <a:chExt cx="0" cy="0"/>
-        </a:xfrm>
-      </p:grpSpPr>
-      <p:sp>
-        <p:nvSpPr>
-          <p:cNvPr id="10" name="Rectangle 9">
-            <a:extLst>
-              <a:ext uri="{FF2B5EF4-FFF2-40B4-BE49-F238E27FC236}">
-                <a16:creationId xmlns:a16="http://schemas.microsoft.com/office/drawing/2014/main" id="{BEE73255-8084-4DF9-BB0B-15EAC92E2CB9}"/>
-              </a:ext>
-              <a:ext uri="{C183D7F6-B498-43B3-948B-1728B52AA6E4}">
-                <adec:decorative xmlns:adec="http://schemas.microsoft.com/office/drawing/2017/decorative" val="1"/>
-              </a:ext>
-            </a:extLst>
-          </p:cNvPr>
-          <p:cNvSpPr>
-            <a:spLocks noGrp="1" noRot="1" noChangeAspect="1" noMove="1" noResize="1" noEditPoints="1" noAdjustHandles="1" noChangeArrowheads="1" noChangeShapeType="1" noTextEdit="1"/>
-          </p:cNvSpPr>
-          <p:nvPr>
-            <p:extLst>
-              <p:ext uri="{386F3935-93C4-4BCD-93E2-E3B085C9AB24}">
-                <p16:designElem xmlns:p16="http://schemas.microsoft.com/office/powerpoint/2015/main" val="1"/>
-              </p:ext>
-            </p:extLst>
-          </p:nvPr>
-        </p:nvSpPr>
-        <p:spPr>
-          <a:xfrm>
-            <a:off x="0" y="0"/>
-            <a:ext cx="12192000" cy="6858000"/>
-          </a:xfrm>
-          <a:prstGeom prst="rect">
-            <a:avLst/>
-          </a:prstGeom>
-          <a:solidFill>
-            <a:srgbClr val="C8CACA"/>
-          </a:solidFill>
-          <a:ln>
-            <a:noFill/>
-          </a:ln>
-        </p:spPr>
-        <p:style>
-          <a:lnRef idx="2">
-            <a:schemeClr val="accent1">
-              <a:shade val="50000"/>
-            </a:schemeClr>
-          </a:lnRef>
-          <a:fillRef idx="1">
-            <a:schemeClr val="accent1"/>
-          </a:fillRef>
-          <a:effectRef idx="0">
-            <a:schemeClr val="accent1"/>
-          </a:effectRef>
-          <a:fontRef idx="minor">
-            <a:schemeClr val="lt1"/>
-          </a:fontRef>
-        </p:style>
-        <p:txBody>
-          <a:bodyPr rtlCol="0" anchor="ctr"/>
-          <a:lstStyle/>
-          <a:p>
-            <a:pPr algn="ctr"/>
-            <a:endParaRPr lang="en-US"/>
-          </a:p>
-        </p:txBody>
-      </p:sp>
-      <p:sp>
-        <p:nvSpPr>
-          <p:cNvPr id="2" name="Título 1">
-            <a:extLst>
-              <a:ext uri="{FF2B5EF4-FFF2-40B4-BE49-F238E27FC236}">
-                <a16:creationId xmlns:a16="http://schemas.microsoft.com/office/drawing/2014/main" id="{7BE3A0A0-0360-4F7D-844E-D4AFF065AEB0}"/>
-              </a:ext>
-            </a:extLst>
-          </p:cNvPr>
-          <p:cNvSpPr>
-            <a:spLocks noGrp="1"/>
-          </p:cNvSpPr>
-          <p:nvPr>
-            <p:ph type="title"/>
-          </p:nvPr>
-        </p:nvSpPr>
-        <p:spPr>
-          <a:xfrm>
-            <a:off x="603938" y="640081"/>
-            <a:ext cx="2608655" cy="5257799"/>
-          </a:xfrm>
-        </p:spPr>
-        <p:txBody>
-          <a:bodyPr vert="horz" lIns="91440" tIns="45720" rIns="91440" bIns="45720" rtlCol="0" anchor="ctr">
-            <a:normAutofit/>
-          </a:bodyPr>
-          <a:lstStyle/>
-          <a:p>
-            <a:r>
-              <a:rPr lang="en-US" sz="2000" dirty="0" err="1">
-                <a:solidFill>
-                  <a:srgbClr val="2C2C2C"/>
-                </a:solidFill>
-              </a:rPr>
-              <a:t>Esta</a:t>
-            </a:r>
-            <a:r>
-              <a:rPr lang="en-US" sz="2000" dirty="0">
-                <a:solidFill>
-                  <a:srgbClr val="2C2C2C"/>
-                </a:solidFill>
-              </a:rPr>
-              <a:t> base de </a:t>
-            </a:r>
-            <a:r>
-              <a:rPr lang="en-US" sz="2000" dirty="0" err="1">
-                <a:solidFill>
-                  <a:srgbClr val="2C2C2C"/>
-                </a:solidFill>
-              </a:rPr>
-              <a:t>datos</a:t>
-            </a:r>
-            <a:r>
-              <a:rPr lang="en-US" sz="2000" dirty="0">
-                <a:solidFill>
-                  <a:srgbClr val="2C2C2C"/>
-                </a:solidFill>
-              </a:rPr>
-              <a:t> el </a:t>
-            </a:r>
-            <a:r>
-              <a:rPr lang="en-US" sz="2000" dirty="0" err="1">
-                <a:solidFill>
-                  <a:srgbClr val="2C2C2C"/>
-                </a:solidFill>
-              </a:rPr>
-              <a:t>útil</a:t>
-            </a:r>
-            <a:r>
-              <a:rPr lang="en-US" sz="2000" dirty="0">
-                <a:solidFill>
-                  <a:srgbClr val="2C2C2C"/>
-                </a:solidFill>
-              </a:rPr>
-              <a:t> para los </a:t>
-            </a:r>
-            <a:r>
-              <a:rPr lang="en-US" sz="2000" dirty="0" err="1">
-                <a:solidFill>
-                  <a:srgbClr val="2C2C2C"/>
-                </a:solidFill>
-              </a:rPr>
-              <a:t>precios</a:t>
-            </a:r>
-            <a:r>
-              <a:rPr lang="en-US" sz="2000" dirty="0">
-                <a:solidFill>
-                  <a:srgbClr val="2C2C2C"/>
-                </a:solidFill>
-              </a:rPr>
-              <a:t> </a:t>
-            </a:r>
-            <a:r>
-              <a:rPr lang="en-US" sz="2000" dirty="0" err="1">
-                <a:solidFill>
-                  <a:srgbClr val="2C2C2C"/>
-                </a:solidFill>
-              </a:rPr>
-              <a:t>anteriores</a:t>
-            </a:r>
-            <a:r>
-              <a:rPr lang="en-US" sz="2000" dirty="0">
-                <a:solidFill>
-                  <a:srgbClr val="2C2C2C"/>
-                </a:solidFill>
-              </a:rPr>
-              <a:t> a </a:t>
-            </a:r>
-            <a:r>
-              <a:rPr lang="en-US" sz="2000" dirty="0" err="1">
-                <a:solidFill>
-                  <a:srgbClr val="2C2C2C"/>
-                </a:solidFill>
-              </a:rPr>
-              <a:t>enero</a:t>
-            </a:r>
-            <a:r>
-              <a:rPr lang="en-US" sz="2000" dirty="0">
-                <a:solidFill>
-                  <a:srgbClr val="2C2C2C"/>
-                </a:solidFill>
-              </a:rPr>
-              <a:t> 2019. La </a:t>
-            </a:r>
-            <a:r>
-              <a:rPr lang="en-US" sz="2000" dirty="0" err="1">
-                <a:solidFill>
-                  <a:srgbClr val="2C2C2C"/>
-                </a:solidFill>
-              </a:rPr>
-              <a:t>actualización</a:t>
-            </a:r>
-            <a:r>
-              <a:rPr lang="en-US" sz="2000" dirty="0">
-                <a:solidFill>
-                  <a:srgbClr val="2C2C2C"/>
-                </a:solidFill>
-              </a:rPr>
-              <a:t> de </a:t>
-            </a:r>
-            <a:r>
-              <a:rPr lang="en-US" sz="2000" dirty="0" err="1">
-                <a:solidFill>
-                  <a:srgbClr val="2C2C2C"/>
-                </a:solidFill>
-              </a:rPr>
-              <a:t>datos</a:t>
-            </a:r>
-            <a:r>
-              <a:rPr lang="en-US" sz="2000" dirty="0">
-                <a:solidFill>
-                  <a:srgbClr val="2C2C2C"/>
-                </a:solidFill>
-              </a:rPr>
-              <a:t> se </a:t>
-            </a:r>
-            <a:r>
-              <a:rPr lang="en-US" sz="2000" dirty="0" err="1">
-                <a:solidFill>
-                  <a:srgbClr val="2C2C2C"/>
-                </a:solidFill>
-              </a:rPr>
-              <a:t>puede</a:t>
-            </a:r>
-            <a:r>
-              <a:rPr lang="en-US" sz="2000" dirty="0">
-                <a:solidFill>
-                  <a:srgbClr val="2C2C2C"/>
-                </a:solidFill>
-              </a:rPr>
-              <a:t> </a:t>
-            </a:r>
-            <a:r>
-              <a:rPr lang="en-US" sz="2000" dirty="0" err="1">
-                <a:solidFill>
-                  <a:srgbClr val="2C2C2C"/>
-                </a:solidFill>
-              </a:rPr>
-              <a:t>realizar</a:t>
-            </a:r>
-            <a:r>
-              <a:rPr lang="en-US" sz="2000" dirty="0">
-                <a:solidFill>
-                  <a:srgbClr val="2C2C2C"/>
-                </a:solidFill>
-              </a:rPr>
-              <a:t> </a:t>
-            </a:r>
-            <a:r>
-              <a:rPr lang="en-US" sz="2000" dirty="0" err="1">
-                <a:solidFill>
-                  <a:srgbClr val="2C2C2C"/>
-                </a:solidFill>
-              </a:rPr>
-              <a:t>mediante</a:t>
-            </a:r>
-            <a:r>
-              <a:rPr lang="en-US" sz="2000" dirty="0">
-                <a:solidFill>
-                  <a:srgbClr val="2C2C2C"/>
-                </a:solidFill>
-              </a:rPr>
-              <a:t> los </a:t>
-            </a:r>
-            <a:r>
-              <a:rPr lang="en-US" sz="2000" dirty="0" err="1">
-                <a:solidFill>
-                  <a:srgbClr val="2C2C2C"/>
-                </a:solidFill>
-              </a:rPr>
-              <a:t>boletines</a:t>
-            </a:r>
-            <a:r>
-              <a:rPr lang="en-US" sz="2000" dirty="0">
-                <a:solidFill>
-                  <a:srgbClr val="2C2C2C"/>
-                </a:solidFill>
-              </a:rPr>
-              <a:t> </a:t>
-            </a:r>
-            <a:r>
-              <a:rPr lang="en-US" sz="2000" dirty="0" err="1">
-                <a:solidFill>
-                  <a:srgbClr val="2C2C2C"/>
-                </a:solidFill>
-              </a:rPr>
-              <a:t>presentados</a:t>
-            </a:r>
-            <a:r>
-              <a:rPr lang="en-US" sz="2000" dirty="0">
-                <a:solidFill>
-                  <a:srgbClr val="2C2C2C"/>
-                </a:solidFill>
-              </a:rPr>
-              <a:t> </a:t>
-            </a:r>
-            <a:r>
-              <a:rPr lang="en-US" sz="2000" dirty="0" err="1">
-                <a:solidFill>
-                  <a:srgbClr val="2C2C2C"/>
-                </a:solidFill>
-              </a:rPr>
-              <a:t>anteriormente</a:t>
-            </a:r>
-            <a:r>
-              <a:rPr lang="en-US" sz="2000" dirty="0">
-                <a:solidFill>
-                  <a:srgbClr val="2C2C2C"/>
-                </a:solidFill>
-              </a:rPr>
-              <a:t>. </a:t>
-            </a:r>
-            <a:br>
-              <a:rPr lang="en-US" sz="2000" dirty="0">
-                <a:solidFill>
-                  <a:srgbClr val="2C2C2C"/>
-                </a:solidFill>
-              </a:rPr>
-            </a:br>
-            <a:r>
-              <a:rPr lang="en-US" sz="2000" dirty="0" err="1">
-                <a:solidFill>
-                  <a:srgbClr val="2C2C2C"/>
-                </a:solidFill>
-              </a:rPr>
-              <a:t>Actualmente</a:t>
-            </a:r>
-            <a:r>
-              <a:rPr lang="en-US" sz="2000" dirty="0">
-                <a:solidFill>
-                  <a:srgbClr val="2C2C2C"/>
-                </a:solidFill>
-              </a:rPr>
-              <a:t> </a:t>
-            </a:r>
-            <a:r>
-              <a:rPr lang="en-US" sz="2000" dirty="0" err="1">
-                <a:solidFill>
-                  <a:srgbClr val="2C2C2C"/>
-                </a:solidFill>
-              </a:rPr>
-              <a:t>está</a:t>
-            </a:r>
-            <a:r>
-              <a:rPr lang="en-US" sz="2000" dirty="0">
-                <a:solidFill>
-                  <a:srgbClr val="2C2C2C"/>
-                </a:solidFill>
-              </a:rPr>
-              <a:t> </a:t>
-            </a:r>
-            <a:r>
-              <a:rPr lang="en-US" sz="2000" dirty="0" err="1">
-                <a:solidFill>
-                  <a:srgbClr val="2C2C2C"/>
-                </a:solidFill>
-              </a:rPr>
-              <a:t>actualizado</a:t>
-            </a:r>
-            <a:r>
-              <a:rPr lang="en-US" sz="2000" dirty="0">
-                <a:solidFill>
-                  <a:srgbClr val="2C2C2C"/>
-                </a:solidFill>
-              </a:rPr>
-              <a:t> hasta </a:t>
-            </a:r>
-            <a:r>
-              <a:rPr lang="en-US" sz="2000" dirty="0" err="1">
-                <a:solidFill>
-                  <a:srgbClr val="2C2C2C"/>
-                </a:solidFill>
-              </a:rPr>
-              <a:t>septiembre</a:t>
-            </a:r>
-            <a:r>
-              <a:rPr lang="en-US" sz="2000" dirty="0">
-                <a:solidFill>
-                  <a:srgbClr val="2C2C2C"/>
-                </a:solidFill>
-              </a:rPr>
-              <a:t>, sin embargo se </a:t>
-            </a:r>
-            <a:r>
-              <a:rPr lang="en-US" sz="2000" dirty="0" err="1">
-                <a:solidFill>
-                  <a:srgbClr val="2C2C2C"/>
-                </a:solidFill>
-              </a:rPr>
-              <a:t>cuenta</a:t>
-            </a:r>
-            <a:r>
-              <a:rPr lang="en-US" sz="2000" dirty="0">
-                <a:solidFill>
-                  <a:srgbClr val="2C2C2C"/>
-                </a:solidFill>
-              </a:rPr>
-              <a:t> con </a:t>
-            </a:r>
-            <a:r>
-              <a:rPr lang="en-US" sz="2000" dirty="0" err="1">
-                <a:solidFill>
-                  <a:srgbClr val="2C2C2C"/>
-                </a:solidFill>
-              </a:rPr>
-              <a:t>boletín</a:t>
-            </a:r>
-            <a:r>
-              <a:rPr lang="en-US" sz="2000" dirty="0">
-                <a:solidFill>
-                  <a:srgbClr val="2C2C2C"/>
-                </a:solidFill>
-              </a:rPr>
-              <a:t> hasta el 3 de </a:t>
-            </a:r>
-            <a:r>
-              <a:rPr lang="en-US" sz="2000" dirty="0" err="1">
-                <a:solidFill>
-                  <a:srgbClr val="2C2C2C"/>
-                </a:solidFill>
-              </a:rPr>
-              <a:t>noviembre</a:t>
-            </a:r>
-            <a:r>
-              <a:rPr lang="en-US" sz="2000" dirty="0">
-                <a:solidFill>
-                  <a:srgbClr val="2C2C2C"/>
-                </a:solidFill>
-              </a:rPr>
-              <a:t>.</a:t>
-            </a:r>
-            <a:br>
-              <a:rPr lang="en-US" sz="2000" dirty="0">
-                <a:solidFill>
-                  <a:srgbClr val="2C2C2C"/>
-                </a:solidFill>
-              </a:rPr>
-            </a:br>
-            <a:endParaRPr lang="en-US" sz="2000" dirty="0">
-              <a:solidFill>
-                <a:srgbClr val="2C2C2C"/>
-              </a:solidFill>
-            </a:endParaRPr>
-          </a:p>
-        </p:txBody>
-      </p:sp>
-      <p:sp>
-        <p:nvSpPr>
-          <p:cNvPr id="12" name="Rounded Rectangle 9">
-            <a:extLst>
-              <a:ext uri="{FF2B5EF4-FFF2-40B4-BE49-F238E27FC236}">
-                <a16:creationId xmlns:a16="http://schemas.microsoft.com/office/drawing/2014/main" id="{67048353-8981-459A-9BC6-9711CE462E06}"/>
-              </a:ext>
-              <a:ext uri="{C183D7F6-B498-43B3-948B-1728B52AA6E4}">
-                <adec:decorative xmlns:adec="http://schemas.microsoft.com/office/drawing/2017/decorative" val="1"/>
-              </a:ext>
-            </a:extLst>
-          </p:cNvPr>
-          <p:cNvSpPr>
-            <a:spLocks noGrp="1" noRot="1" noChangeAspect="1" noMove="1" noResize="1" noEditPoints="1" noAdjustHandles="1" noChangeArrowheads="1" noChangeShapeType="1" noTextEdit="1"/>
-          </p:cNvSpPr>
-          <p:nvPr>
-            <p:extLst>
-              <p:ext uri="{386F3935-93C4-4BCD-93E2-E3B085C9AB24}">
-                <p16:designElem xmlns:p16="http://schemas.microsoft.com/office/powerpoint/2015/main" val="1"/>
-              </p:ext>
-            </p:extLst>
-          </p:nvPr>
-        </p:nvSpPr>
-        <p:spPr>
-          <a:xfrm>
-            <a:off x="3580067" y="484632"/>
-            <a:ext cx="8129016" cy="5724144"/>
-          </a:xfrm>
-          <a:prstGeom prst="roundRect">
-            <a:avLst>
-              <a:gd name="adj" fmla="val 0"/>
-            </a:avLst>
-          </a:prstGeom>
-          <a:solidFill>
-            <a:srgbClr val="FFFFFF"/>
-          </a:solidFill>
-          <a:ln w="9525">
-            <a:solidFill>
-              <a:srgbClr val="C8CACA"/>
-            </a:solidFill>
-          </a:ln>
-          <a:effectLst>
-            <a:outerShdw blurRad="57150" dist="19050" dir="5400000" algn="t" rotWithShape="0">
-              <a:prstClr val="black">
-                <a:alpha val="63000"/>
-              </a:prstClr>
-            </a:outerShdw>
-          </a:effectLst>
-        </p:spPr>
-        <p:style>
-          <a:lnRef idx="2">
-            <a:schemeClr val="accent1">
-              <a:shade val="50000"/>
-            </a:schemeClr>
-          </a:lnRef>
-          <a:fillRef idx="1">
-            <a:schemeClr val="accent1"/>
-          </a:fillRef>
-          <a:effectRef idx="0">
-            <a:schemeClr val="accent1"/>
-          </a:effectRef>
-          <a:fontRef idx="minor">
-            <a:schemeClr val="lt1"/>
-          </a:fontRef>
-        </p:style>
-        <p:txBody>
-          <a:bodyPr rtlCol="0" anchor="ctr"/>
-          <a:lstStyle/>
-          <a:p>
-            <a:pPr algn="ctr"/>
-            <a:endParaRPr lang="en-US"/>
-          </a:p>
-        </p:txBody>
-      </p:sp>
-      <p:pic>
-        <p:nvPicPr>
-          <p:cNvPr id="17" name="Imagen 16">
-            <a:extLst>
-              <a:ext uri="{FF2B5EF4-FFF2-40B4-BE49-F238E27FC236}">
-                <a16:creationId xmlns:a16="http://schemas.microsoft.com/office/drawing/2014/main" id="{A7494017-4CC8-4C2C-B120-791662EFA371}"/>
-              </a:ext>
-            </a:extLst>
-          </p:cNvPr>
-          <p:cNvPicPr>
-            <a:picLocks noChangeAspect="1"/>
-          </p:cNvPicPr>
-          <p:nvPr/>
-        </p:nvPicPr>
-        <p:blipFill>
-          <a:blip r:embed="rId2"/>
-          <a:stretch>
-            <a:fillRect/>
-          </a:stretch>
-        </p:blipFill>
-        <p:spPr>
-          <a:xfrm>
-            <a:off x="3720913" y="640082"/>
-            <a:ext cx="3477330" cy="3861690"/>
-          </a:xfrm>
-          <a:prstGeom prst="rect">
-            <a:avLst/>
-          </a:prstGeom>
-        </p:spPr>
-      </p:pic>
-      <p:pic>
-        <p:nvPicPr>
-          <p:cNvPr id="19" name="Marcador de contenido 4">
-            <a:extLst>
-              <a:ext uri="{FF2B5EF4-FFF2-40B4-BE49-F238E27FC236}">
-                <a16:creationId xmlns:a16="http://schemas.microsoft.com/office/drawing/2014/main" id="{93E12A6B-629A-47D1-B4EF-3F46FDE587B4}"/>
-              </a:ext>
-            </a:extLst>
-          </p:cNvPr>
-          <p:cNvPicPr>
-            <a:picLocks noGrp="1" noChangeAspect="1"/>
-          </p:cNvPicPr>
-          <p:nvPr>
-            <p:ph idx="1"/>
-          </p:nvPr>
-        </p:nvPicPr>
-        <p:blipFill>
-          <a:blip r:embed="rId3"/>
-          <a:stretch>
-            <a:fillRect/>
-          </a:stretch>
-        </p:blipFill>
-        <p:spPr>
-          <a:xfrm>
-            <a:off x="6792660" y="3668232"/>
-            <a:ext cx="4799495" cy="2327977"/>
-          </a:xfrm>
-        </p:spPr>
-      </p:pic>
-      <p:cxnSp>
-        <p:nvCxnSpPr>
-          <p:cNvPr id="23" name="Conector: angular 22">
-            <a:extLst>
-              <a:ext uri="{FF2B5EF4-FFF2-40B4-BE49-F238E27FC236}">
-                <a16:creationId xmlns:a16="http://schemas.microsoft.com/office/drawing/2014/main" id="{12E7E79F-640A-4B1B-B6C0-CC75DA0468BB}"/>
-              </a:ext>
-            </a:extLst>
-          </p:cNvPr>
-          <p:cNvCxnSpPr/>
-          <p:nvPr/>
-        </p:nvCxnSpPr>
-        <p:spPr>
-          <a:xfrm>
-            <a:off x="5242560" y="4501772"/>
-            <a:ext cx="1550100" cy="1025268"/>
-          </a:xfrm>
-          <a:prstGeom prst="bentConnector3">
-            <a:avLst/>
-          </a:prstGeom>
-          <a:ln>
-            <a:solidFill>
-              <a:srgbClr val="FF0000"/>
-            </a:solidFill>
-            <a:tailEnd type="triangle"/>
-          </a:ln>
-        </p:spPr>
-        <p:style>
-          <a:lnRef idx="1">
-            <a:schemeClr val="accent1"/>
-          </a:lnRef>
-          <a:fillRef idx="0">
-            <a:schemeClr val="accent1"/>
-          </a:fillRef>
-          <a:effectRef idx="0">
-            <a:schemeClr val="accent1"/>
-          </a:effectRef>
-          <a:fontRef idx="minor">
-            <a:schemeClr val="tx1"/>
-          </a:fontRef>
-        </p:style>
-      </p:cxnSp>
-      <p:sp>
-        <p:nvSpPr>
-          <p:cNvPr id="24" name="Rectángulo 23">
-            <a:extLst>
-              <a:ext uri="{FF2B5EF4-FFF2-40B4-BE49-F238E27FC236}">
-                <a16:creationId xmlns:a16="http://schemas.microsoft.com/office/drawing/2014/main" id="{AB212EC8-5C9C-457B-9CAB-51F52420016C}"/>
-              </a:ext>
-            </a:extLst>
-          </p:cNvPr>
-          <p:cNvSpPr/>
-          <p:nvPr/>
-        </p:nvSpPr>
-        <p:spPr>
-          <a:xfrm>
-            <a:off x="8280400" y="3586480"/>
-            <a:ext cx="833120" cy="294640"/>
-          </a:xfrm>
-          <a:prstGeom prst="rect">
-            <a:avLst/>
-          </a:prstGeom>
-          <a:noFill/>
-          <a:ln>
-            <a:solidFill>
-              <a:srgbClr val="FF0000"/>
-            </a:solidFill>
-          </a:ln>
-        </p:spPr>
-        <p:style>
-          <a:lnRef idx="2">
-            <a:schemeClr val="accent1">
-              <a:shade val="50000"/>
-            </a:schemeClr>
-          </a:lnRef>
-          <a:fillRef idx="1">
-            <a:schemeClr val="accent1"/>
-          </a:fillRef>
-          <a:effectRef idx="0">
-            <a:schemeClr val="accent1"/>
-          </a:effectRef>
-          <a:fontRef idx="minor">
-            <a:schemeClr val="lt1"/>
-          </a:fontRef>
-        </p:style>
-        <p:txBody>
-          <a:bodyPr rtlCol="0" anchor="ctr"/>
-          <a:lstStyle/>
-          <a:p>
-            <a:pPr algn="ctr"/>
-            <a:endParaRPr lang="es-CL"/>
-          </a:p>
-        </p:txBody>
-      </p:sp>
-    </p:spTree>
-    <p:extLst>
-      <p:ext uri="{BB962C8B-B14F-4D97-AF65-F5344CB8AC3E}">
-        <p14:creationId xmlns:p14="http://schemas.microsoft.com/office/powerpoint/2010/main" val="2553508401"/>
-      </p:ext>
-    </p:extLst>
-  </p:cSld>
-  <p:clrMapOvr>
-    <a:masterClrMapping/>
-  </p:clrMapOvr>
-</p:sld>
-</file>
-
-<file path=ppt/slides/slide7.xml><?xml version="1.0" encoding="utf-8"?>
-<p:sld xmlns:a="http://schemas.openxmlformats.org/drawingml/2006/main" xmlns:r="http://schemas.openxmlformats.org/officeDocument/2006/relationships" xmlns:p="http://schemas.openxmlformats.org/presentationml/2006/main">
-  <p:cSld>
-    <p:bg>
-      <p:bgPr>
-        <a:solidFill>
-          <a:schemeClr val="bg1"/>
-        </a:solidFill>
-        <a:effectLst/>
-      </p:bgPr>
-    </p:bg>
-    <p:spTree>
-      <p:nvGrpSpPr>
-        <p:cNvPr id="1" name=""/>
-        <p:cNvGrpSpPr/>
-        <p:nvPr/>
-      </p:nvGrpSpPr>
-      <p:grpSpPr>
-        <a:xfrm>
-          <a:off x="0" y="0"/>
-          <a:ext cx="0" cy="0"/>
-          <a:chOff x="0" y="0"/>
-          <a:chExt cx="0" cy="0"/>
-        </a:xfrm>
-      </p:grpSpPr>
-      <p:sp>
-        <p:nvSpPr>
-          <p:cNvPr id="17" name="Freeform: Shape 16">
-            <a:extLst>
-              <a:ext uri="{FF2B5EF4-FFF2-40B4-BE49-F238E27FC236}">
-                <a16:creationId xmlns:a16="http://schemas.microsoft.com/office/drawing/2014/main" id="{3D5CAF16-1F3A-4148-87A8-78A710D1EF81}"/>
-              </a:ext>
-              <a:ext uri="{C183D7F6-B498-43B3-948B-1728B52AA6E4}">
-                <adec:decorative xmlns:adec="http://schemas.microsoft.com/office/drawing/2017/decorative" val="1"/>
-              </a:ext>
-            </a:extLst>
-          </p:cNvPr>
-          <p:cNvSpPr>
-            <a:spLocks noGrp="1" noRot="1" noChangeAspect="1" noMove="1" noResize="1" noEditPoints="1" noAdjustHandles="1" noChangeArrowheads="1" noChangeShapeType="1" noTextEdit="1"/>
-          </p:cNvSpPr>
-          <p:nvPr>
-            <p:extLst>
-              <p:ext uri="{386F3935-93C4-4BCD-93E2-E3B085C9AB24}">
-                <p16:designElem xmlns:p16="http://schemas.microsoft.com/office/powerpoint/2015/main" val="1"/>
-              </p:ext>
-            </p:extLst>
-          </p:nvPr>
-        </p:nvSpPr>
-        <p:spPr>
-          <a:xfrm>
-            <a:off x="7814136" y="0"/>
-            <a:ext cx="4377864" cy="1511303"/>
-          </a:xfrm>
-          <a:custGeom>
-            <a:avLst/>
-            <a:gdLst>
-              <a:gd name="connsiteX0" fmla="*/ 2088891 w 4377864"/>
-              <a:gd name="connsiteY0" fmla="*/ 0 h 1511303"/>
-              <a:gd name="connsiteX1" fmla="*/ 2487984 w 4377864"/>
-              <a:gd name="connsiteY1" fmla="*/ 0 h 1511303"/>
-              <a:gd name="connsiteX2" fmla="*/ 2582604 w 4377864"/>
-              <a:gd name="connsiteY2" fmla="*/ 0 h 1511303"/>
-              <a:gd name="connsiteX3" fmla="*/ 4377864 w 4377864"/>
-              <a:gd name="connsiteY3" fmla="*/ 0 h 1511303"/>
-              <a:gd name="connsiteX4" fmla="*/ 4377864 w 4377864"/>
-              <a:gd name="connsiteY4" fmla="*/ 1511301 h 1511303"/>
-              <a:gd name="connsiteX5" fmla="*/ 2986590 w 4377864"/>
-              <a:gd name="connsiteY5" fmla="*/ 1511301 h 1511303"/>
-              <a:gd name="connsiteX6" fmla="*/ 2986590 w 4377864"/>
-              <a:gd name="connsiteY6" fmla="*/ 1511303 h 1511303"/>
-              <a:gd name="connsiteX7" fmla="*/ 1191330 w 4377864"/>
-              <a:gd name="connsiteY7" fmla="*/ 1511303 h 1511303"/>
-              <a:gd name="connsiteX8" fmla="*/ 399093 w 4377864"/>
-              <a:gd name="connsiteY8" fmla="*/ 1511303 h 1511303"/>
-              <a:gd name="connsiteX9" fmla="*/ 0 w 4377864"/>
-              <a:gd name="connsiteY9" fmla="*/ 1511303 h 1511303"/>
-              <a:gd name="connsiteX10" fmla="*/ 697617 w 4377864"/>
-              <a:gd name="connsiteY10" fmla="*/ 2 h 1511303"/>
-              <a:gd name="connsiteX11" fmla="*/ 1096710 w 4377864"/>
-              <a:gd name="connsiteY11" fmla="*/ 2 h 1511303"/>
-              <a:gd name="connsiteX12" fmla="*/ 1191330 w 4377864"/>
-              <a:gd name="connsiteY12" fmla="*/ 2 h 1511303"/>
-              <a:gd name="connsiteX13" fmla="*/ 2088890 w 4377864"/>
-              <a:gd name="connsiteY13" fmla="*/ 2 h 1511303"/>
-            </a:gdLst>
-            <a:ahLst/>
-            <a:cxnLst>
-              <a:cxn ang="0">
-                <a:pos x="connsiteX0" y="connsiteY0"/>
-              </a:cxn>
-              <a:cxn ang="0">
-                <a:pos x="connsiteX1" y="connsiteY1"/>
-              </a:cxn>
-              <a:cxn ang="0">
-                <a:pos x="connsiteX2" y="connsiteY2"/>
-              </a:cxn>
-              <a:cxn ang="0">
-                <a:pos x="connsiteX3" y="connsiteY3"/>
-              </a:cxn>
-              <a:cxn ang="0">
-                <a:pos x="connsiteX4" y="connsiteY4"/>
-              </a:cxn>
-              <a:cxn ang="0">
-                <a:pos x="connsiteX5" y="connsiteY5"/>
-              </a:cxn>
-              <a:cxn ang="0">
-                <a:pos x="connsiteX6" y="connsiteY6"/>
-              </a:cxn>
-              <a:cxn ang="0">
-                <a:pos x="connsiteX7" y="connsiteY7"/>
-              </a:cxn>
-              <a:cxn ang="0">
-                <a:pos x="connsiteX8" y="connsiteY8"/>
-              </a:cxn>
-              <a:cxn ang="0">
-                <a:pos x="connsiteX9" y="connsiteY9"/>
-              </a:cxn>
-              <a:cxn ang="0">
-                <a:pos x="connsiteX10" y="connsiteY10"/>
-              </a:cxn>
-              <a:cxn ang="0">
-                <a:pos x="connsiteX11" y="connsiteY11"/>
-              </a:cxn>
-              <a:cxn ang="0">
-                <a:pos x="connsiteX12" y="connsiteY12"/>
-              </a:cxn>
-              <a:cxn ang="0">
-                <a:pos x="connsiteX13" y="connsiteY13"/>
-              </a:cxn>
-            </a:cxnLst>
-            <a:rect l="l" t="t" r="r" b="b"/>
-            <a:pathLst>
-              <a:path w="4377864" h="1511303">
-                <a:moveTo>
-                  <a:pt x="2088891" y="0"/>
-                </a:moveTo>
-                <a:lnTo>
-                  <a:pt x="2487984" y="0"/>
-                </a:lnTo>
-                <a:lnTo>
-                  <a:pt x="2582604" y="0"/>
-                </a:lnTo>
-                <a:lnTo>
-                  <a:pt x="4377864" y="0"/>
-                </a:lnTo>
-                <a:lnTo>
-                  <a:pt x="4377864" y="1511301"/>
-                </a:lnTo>
-                <a:lnTo>
-                  <a:pt x="2986590" y="1511301"/>
-                </a:lnTo>
-                <a:lnTo>
-                  <a:pt x="2986590" y="1511303"/>
-                </a:lnTo>
-                <a:lnTo>
-                  <a:pt x="1191330" y="1511303"/>
-                </a:lnTo>
-                <a:lnTo>
-                  <a:pt x="399093" y="1511303"/>
-                </a:lnTo>
-                <a:lnTo>
-                  <a:pt x="0" y="1511303"/>
-                </a:lnTo>
-                <a:lnTo>
-                  <a:pt x="697617" y="2"/>
-                </a:lnTo>
-                <a:lnTo>
-                  <a:pt x="1096710" y="2"/>
-                </a:lnTo>
-                <a:lnTo>
-                  <a:pt x="1191330" y="2"/>
-                </a:lnTo>
-                <a:lnTo>
-                  <a:pt x="2088890" y="2"/>
-                </a:lnTo>
-                <a:close/>
-              </a:path>
-            </a:pathLst>
-          </a:custGeom>
-          <a:solidFill>
-            <a:schemeClr val="accent4"/>
-          </a:solidFill>
-          <a:ln>
-            <a:noFill/>
-          </a:ln>
-        </p:spPr>
-        <p:style>
-          <a:lnRef idx="2">
-            <a:schemeClr val="accent1">
-              <a:shade val="50000"/>
-            </a:schemeClr>
-          </a:lnRef>
-          <a:fillRef idx="1">
-            <a:schemeClr val="accent1"/>
-          </a:fillRef>
-          <a:effectRef idx="0">
-            <a:schemeClr val="accent1"/>
-          </a:effectRef>
-          <a:fontRef idx="minor">
-            <a:schemeClr val="lt1"/>
-          </a:fontRef>
-        </p:style>
-        <p:txBody>
-          <a:bodyPr wrap="square" rtlCol="0" anchor="ctr">
-            <a:noAutofit/>
-          </a:bodyPr>
-          <a:lstStyle/>
-          <a:p>
-            <a:pPr algn="ctr"/>
-            <a:endParaRPr lang="en-US"/>
-          </a:p>
-        </p:txBody>
-      </p:sp>
-      <p:sp>
-        <p:nvSpPr>
-          <p:cNvPr id="19" name="Freeform 11">
-            <a:extLst>
-              <a:ext uri="{FF2B5EF4-FFF2-40B4-BE49-F238E27FC236}">
-                <a16:creationId xmlns:a16="http://schemas.microsoft.com/office/drawing/2014/main" id="{A0BF428C-DA8B-4D99-9930-18F7F91D873D}"/>
-              </a:ext>
-              <a:ext uri="{C183D7F6-B498-43B3-948B-1728B52AA6E4}">
-                <adec:decorative xmlns:adec="http://schemas.microsoft.com/office/drawing/2017/decorative" val="1"/>
-              </a:ext>
-            </a:extLst>
-          </p:cNvPr>
-          <p:cNvSpPr>
-            <a:spLocks noGrp="1" noRot="1" noChangeAspect="1" noMove="1" noResize="1" noEditPoints="1" noAdjustHandles="1" noChangeArrowheads="1" noChangeShapeType="1" noTextEdit="1"/>
-          </p:cNvSpPr>
-          <p:nvPr>
-            <p:extLst>
-              <p:ext uri="{386F3935-93C4-4BCD-93E2-E3B085C9AB24}">
-                <p16:designElem xmlns:p16="http://schemas.microsoft.com/office/powerpoint/2015/main" val="1"/>
-              </p:ext>
-            </p:extLst>
-          </p:nvPr>
-        </p:nvSpPr>
-        <p:spPr>
-          <a:xfrm>
-            <a:off x="4876801" y="1690688"/>
-            <a:ext cx="7316944" cy="5167312"/>
-          </a:xfrm>
-          <a:custGeom>
-            <a:avLst/>
-            <a:gdLst>
-              <a:gd name="connsiteX0" fmla="*/ 0 w 7316944"/>
-              <a:gd name="connsiteY0" fmla="*/ 0 h 5167312"/>
-              <a:gd name="connsiteX1" fmla="*/ 7316944 w 7316944"/>
-              <a:gd name="connsiteY1" fmla="*/ 0 h 5167312"/>
-              <a:gd name="connsiteX2" fmla="*/ 7316944 w 7316944"/>
-              <a:gd name="connsiteY2" fmla="*/ 5167312 h 5167312"/>
-              <a:gd name="connsiteX3" fmla="*/ 472697 w 7316944"/>
-              <a:gd name="connsiteY3" fmla="*/ 5167312 h 5167312"/>
-              <a:gd name="connsiteX4" fmla="*/ 2866576 w 7316944"/>
-              <a:gd name="connsiteY4" fmla="*/ 952 h 5167312"/>
-              <a:gd name="connsiteX5" fmla="*/ 0 w 7316944"/>
-              <a:gd name="connsiteY5" fmla="*/ 952 h 5167312"/>
-            </a:gdLst>
-            <a:ahLst/>
-            <a:cxnLst>
-              <a:cxn ang="0">
-                <a:pos x="connsiteX0" y="connsiteY0"/>
-              </a:cxn>
-              <a:cxn ang="0">
-                <a:pos x="connsiteX1" y="connsiteY1"/>
-              </a:cxn>
-              <a:cxn ang="0">
-                <a:pos x="connsiteX2" y="connsiteY2"/>
-              </a:cxn>
-              <a:cxn ang="0">
-                <a:pos x="connsiteX3" y="connsiteY3"/>
-              </a:cxn>
-              <a:cxn ang="0">
-                <a:pos x="connsiteX4" y="connsiteY4"/>
-              </a:cxn>
-              <a:cxn ang="0">
-                <a:pos x="connsiteX5" y="connsiteY5"/>
-              </a:cxn>
-            </a:cxnLst>
-            <a:rect l="l" t="t" r="r" b="b"/>
-            <a:pathLst>
-              <a:path w="7316944" h="5167312">
-                <a:moveTo>
-                  <a:pt x="0" y="0"/>
-                </a:moveTo>
-                <a:lnTo>
-                  <a:pt x="7316944" y="0"/>
-                </a:lnTo>
-                <a:lnTo>
-                  <a:pt x="7316944" y="5167312"/>
-                </a:lnTo>
-                <a:lnTo>
-                  <a:pt x="472697" y="5167312"/>
-                </a:lnTo>
-                <a:lnTo>
-                  <a:pt x="2866576" y="952"/>
-                </a:lnTo>
-                <a:lnTo>
-                  <a:pt x="0" y="952"/>
-                </a:lnTo>
-                <a:close/>
-              </a:path>
-            </a:pathLst>
-          </a:custGeom>
-          <a:solidFill>
-            <a:srgbClr val="A6A6A6">
-              <a:alpha val="70000"/>
-            </a:srgbClr>
-          </a:solidFill>
-          <a:ln>
-            <a:noFill/>
-          </a:ln>
-        </p:spPr>
-        <p:style>
-          <a:lnRef idx="2">
-            <a:schemeClr val="accent1">
-              <a:shade val="50000"/>
-            </a:schemeClr>
-          </a:lnRef>
-          <a:fillRef idx="1">
-            <a:schemeClr val="accent1"/>
-          </a:fillRef>
-          <a:effectRef idx="0">
-            <a:schemeClr val="accent1"/>
-          </a:effectRef>
-          <a:fontRef idx="minor">
-            <a:schemeClr val="lt1"/>
-          </a:fontRef>
-        </p:style>
-        <p:txBody>
-          <a:bodyPr wrap="square" rtlCol="0" anchor="ctr">
-            <a:noAutofit/>
-          </a:bodyPr>
-          <a:lstStyle/>
-          <a:p>
-            <a:pPr algn="ctr"/>
-            <a:endParaRPr lang="en-US"/>
-          </a:p>
-        </p:txBody>
-      </p:sp>
-      <p:sp>
-        <p:nvSpPr>
-          <p:cNvPr id="21" name="Freeform 37">
-            <a:extLst>
-              <a:ext uri="{FF2B5EF4-FFF2-40B4-BE49-F238E27FC236}">
-                <a16:creationId xmlns:a16="http://schemas.microsoft.com/office/drawing/2014/main" id="{A03E2379-8871-408A-95CE-7AAE8FA53AE5}"/>
-              </a:ext>
-              <a:ext uri="{C183D7F6-B498-43B3-948B-1728B52AA6E4}">
-                <adec:decorative xmlns:adec="http://schemas.microsoft.com/office/drawing/2017/decorative" val="1"/>
-              </a:ext>
-            </a:extLst>
-          </p:cNvPr>
-          <p:cNvSpPr>
-            <a:spLocks noGrp="1" noRot="1" noChangeAspect="1" noMove="1" noResize="1" noEditPoints="1" noAdjustHandles="1" noChangeArrowheads="1" noChangeShapeType="1" noTextEdit="1"/>
-          </p:cNvSpPr>
-          <p:nvPr>
-            <p:extLst>
-              <p:ext uri="{386F3935-93C4-4BCD-93E2-E3B085C9AB24}">
-                <p16:designElem xmlns:p16="http://schemas.microsoft.com/office/powerpoint/2015/main" val="1"/>
-              </p:ext>
-            </p:extLst>
-          </p:nvPr>
-        </p:nvSpPr>
-        <p:spPr>
-          <a:xfrm flipV="1">
-            <a:off x="-1746" y="1691164"/>
-            <a:ext cx="7571262" cy="5166360"/>
-          </a:xfrm>
-          <a:custGeom>
-            <a:avLst/>
-            <a:gdLst>
-              <a:gd name="connsiteX0" fmla="*/ 0 w 7571262"/>
-              <a:gd name="connsiteY0" fmla="*/ 5166360 h 5166360"/>
-              <a:gd name="connsiteX1" fmla="*/ 7571262 w 7571262"/>
-              <a:gd name="connsiteY1" fmla="*/ 5166360 h 5166360"/>
-              <a:gd name="connsiteX2" fmla="*/ 5177382 w 7571262"/>
-              <a:gd name="connsiteY2" fmla="*/ 0 h 5166360"/>
-              <a:gd name="connsiteX3" fmla="*/ 5171159 w 7571262"/>
-              <a:gd name="connsiteY3" fmla="*/ 0 h 5166360"/>
-              <a:gd name="connsiteX4" fmla="*/ 3981368 w 7571262"/>
-              <a:gd name="connsiteY4" fmla="*/ 0 h 5166360"/>
-              <a:gd name="connsiteX5" fmla="*/ 2331323 w 7571262"/>
-              <a:gd name="connsiteY5" fmla="*/ 0 h 5166360"/>
-              <a:gd name="connsiteX6" fmla="*/ 0 w 7571262"/>
-              <a:gd name="connsiteY6" fmla="*/ 0 h 5166360"/>
-            </a:gdLst>
-            <a:ahLst/>
-            <a:cxnLst>
-              <a:cxn ang="0">
-                <a:pos x="connsiteX0" y="connsiteY0"/>
-              </a:cxn>
-              <a:cxn ang="0">
-                <a:pos x="connsiteX1" y="connsiteY1"/>
-              </a:cxn>
-              <a:cxn ang="0">
-                <a:pos x="connsiteX2" y="connsiteY2"/>
-              </a:cxn>
-              <a:cxn ang="0">
-                <a:pos x="connsiteX3" y="connsiteY3"/>
-              </a:cxn>
-              <a:cxn ang="0">
-                <a:pos x="connsiteX4" y="connsiteY4"/>
-              </a:cxn>
-              <a:cxn ang="0">
-                <a:pos x="connsiteX5" y="connsiteY5"/>
-              </a:cxn>
-              <a:cxn ang="0">
-                <a:pos x="connsiteX6" y="connsiteY6"/>
-              </a:cxn>
-            </a:cxnLst>
-            <a:rect l="l" t="t" r="r" b="b"/>
-            <a:pathLst>
-              <a:path w="7571262" h="5166360">
-                <a:moveTo>
-                  <a:pt x="0" y="5166360"/>
-                </a:moveTo>
-                <a:lnTo>
-                  <a:pt x="7571262" y="5166360"/>
-                </a:lnTo>
-                <a:lnTo>
-                  <a:pt x="5177382" y="0"/>
-                </a:lnTo>
-                <a:lnTo>
-                  <a:pt x="5171159" y="0"/>
-                </a:lnTo>
-                <a:lnTo>
-                  <a:pt x="3981368" y="0"/>
-                </a:lnTo>
-                <a:lnTo>
-                  <a:pt x="2331323" y="0"/>
-                </a:lnTo>
-                <a:lnTo>
-                  <a:pt x="0" y="0"/>
-                </a:lnTo>
-                <a:close/>
-              </a:path>
-            </a:pathLst>
-          </a:custGeom>
-          <a:solidFill>
-            <a:srgbClr val="303030"/>
-          </a:solidFill>
-          <a:ln>
-            <a:noFill/>
-          </a:ln>
-        </p:spPr>
-        <p:style>
-          <a:lnRef idx="2">
-            <a:schemeClr val="accent1">
-              <a:shade val="50000"/>
-            </a:schemeClr>
-          </a:lnRef>
-          <a:fillRef idx="1">
-            <a:schemeClr val="accent1"/>
-          </a:fillRef>
-          <a:effectRef idx="0">
-            <a:schemeClr val="accent1"/>
-          </a:effectRef>
-          <a:fontRef idx="minor">
-            <a:schemeClr val="lt1"/>
-          </a:fontRef>
-        </p:style>
-        <p:txBody>
-          <a:bodyPr wrap="square" rtlCol="0" anchor="ctr">
-            <a:noAutofit/>
-          </a:bodyPr>
-          <a:lstStyle/>
-          <a:p>
-            <a:pPr algn="ctr"/>
-            <a:endParaRPr lang="en-US"/>
-          </a:p>
-        </p:txBody>
-      </p:sp>
-      <p:sp>
-        <p:nvSpPr>
-          <p:cNvPr id="2" name="Título 1">
-            <a:extLst>
-              <a:ext uri="{FF2B5EF4-FFF2-40B4-BE49-F238E27FC236}">
-                <a16:creationId xmlns:a16="http://schemas.microsoft.com/office/drawing/2014/main" id="{1F2506B3-544E-4EA4-95E3-B7BCD1160F14}"/>
-              </a:ext>
-            </a:extLst>
-          </p:cNvPr>
-          <p:cNvSpPr>
-            <a:spLocks noGrp="1"/>
-          </p:cNvSpPr>
-          <p:nvPr>
-            <p:ph type="title"/>
-          </p:nvPr>
-        </p:nvSpPr>
-        <p:spPr>
-          <a:xfrm>
-            <a:off x="838200" y="365125"/>
-            <a:ext cx="6903720" cy="1325563"/>
-          </a:xfrm>
-        </p:spPr>
-        <p:txBody>
-          <a:bodyPr>
-            <a:normAutofit/>
-          </a:bodyPr>
-          <a:lstStyle/>
-          <a:p>
-            <a:r>
-              <a:rPr lang="es-CL" dirty="0"/>
-              <a:t>Para </a:t>
-            </a:r>
-            <a:r>
-              <a:rPr lang="es-CL" dirty="0" err="1"/>
-              <a:t>power</a:t>
-            </a:r>
-            <a:r>
-              <a:rPr lang="es-CL" dirty="0"/>
-              <a:t> </a:t>
-            </a:r>
-            <a:r>
-              <a:rPr lang="es-CL" dirty="0" err="1"/>
-              <a:t>bi</a:t>
-            </a:r>
-            <a:r>
-              <a:rPr lang="es-CL" dirty="0"/>
-              <a:t> Ovinos</a:t>
-            </a:r>
-          </a:p>
-        </p:txBody>
-      </p:sp>
-      <p:sp>
-        <p:nvSpPr>
-          <p:cNvPr id="3" name="Marcador de contenido 2">
-            <a:extLst>
-              <a:ext uri="{FF2B5EF4-FFF2-40B4-BE49-F238E27FC236}">
-                <a16:creationId xmlns:a16="http://schemas.microsoft.com/office/drawing/2014/main" id="{10EFC7CE-52E8-4120-BE5E-687386B58461}"/>
-              </a:ext>
-            </a:extLst>
-          </p:cNvPr>
-          <p:cNvSpPr>
-            <a:spLocks noGrp="1"/>
-          </p:cNvSpPr>
-          <p:nvPr>
-            <p:ph idx="1"/>
-          </p:nvPr>
-        </p:nvSpPr>
-        <p:spPr>
-          <a:xfrm>
-            <a:off x="304595" y="4432024"/>
-            <a:ext cx="4900749" cy="1170169"/>
-          </a:xfrm>
-        </p:spPr>
-        <p:txBody>
-          <a:bodyPr anchor="t">
-            <a:normAutofit fontScale="92500"/>
-          </a:bodyPr>
-          <a:lstStyle/>
-          <a:p>
-            <a:pPr marL="0" indent="0">
-              <a:buNone/>
-            </a:pPr>
-            <a:r>
-              <a:rPr lang="es-CL" sz="2000" dirty="0">
-                <a:solidFill>
-                  <a:srgbClr val="FFFFFF"/>
-                </a:solidFill>
-              </a:rPr>
-              <a:t>Consolidar estadísticas regionales en 1 archivo.</a:t>
-            </a:r>
-          </a:p>
-          <a:p>
-            <a:pPr marL="0" indent="0">
-              <a:buNone/>
-            </a:pPr>
-            <a:r>
-              <a:rPr lang="es-CL" sz="2000" dirty="0">
-                <a:solidFill>
-                  <a:srgbClr val="FFFFFF"/>
-                </a:solidFill>
-              </a:rPr>
-              <a:t>Comparar cantidades con los reportado en los boletines a partir de enero 2020.</a:t>
-            </a:r>
-          </a:p>
-          <a:p>
-            <a:pPr marL="0" indent="0">
-              <a:buNone/>
-            </a:pPr>
-            <a:endParaRPr lang="es-CL" sz="2000" dirty="0">
-              <a:solidFill>
-                <a:srgbClr val="FFFFFF"/>
-              </a:solidFill>
-            </a:endParaRPr>
-          </a:p>
-        </p:txBody>
-      </p:sp>
-      <p:pic>
-        <p:nvPicPr>
-          <p:cNvPr id="6" name="Imagen 5">
-            <a:extLst>
-              <a:ext uri="{FF2B5EF4-FFF2-40B4-BE49-F238E27FC236}">
-                <a16:creationId xmlns:a16="http://schemas.microsoft.com/office/drawing/2014/main" id="{D74EF130-1688-4543-A63F-C3E00EA9A175}"/>
-              </a:ext>
-            </a:extLst>
-          </p:cNvPr>
-          <p:cNvPicPr>
-            <a:picLocks noChangeAspect="1"/>
-          </p:cNvPicPr>
-          <p:nvPr/>
-        </p:nvPicPr>
-        <p:blipFill>
-          <a:blip r:embed="rId2"/>
-          <a:stretch>
-            <a:fillRect/>
-          </a:stretch>
-        </p:blipFill>
-        <p:spPr>
-          <a:xfrm>
-            <a:off x="7930966" y="1857605"/>
-            <a:ext cx="4151018" cy="4612243"/>
-          </a:xfrm>
-          <a:custGeom>
-            <a:avLst/>
-            <a:gdLst/>
-            <a:ahLst/>
-            <a:cxnLst/>
-            <a:rect l="l" t="t" r="r" b="b"/>
-            <a:pathLst>
-              <a:path w="4636009" h="5032375">
-                <a:moveTo>
-                  <a:pt x="0" y="0"/>
-                </a:moveTo>
-                <a:lnTo>
-                  <a:pt x="4636009" y="0"/>
-                </a:lnTo>
-                <a:lnTo>
-                  <a:pt x="4636009" y="5032375"/>
-                </a:lnTo>
-                <a:lnTo>
-                  <a:pt x="0" y="5032375"/>
-                </a:lnTo>
-                <a:close/>
-              </a:path>
-            </a:pathLst>
-          </a:custGeom>
-        </p:spPr>
-      </p:pic>
-      <p:pic>
-        <p:nvPicPr>
-          <p:cNvPr id="5" name="Imagen 4">
-            <a:extLst>
-              <a:ext uri="{FF2B5EF4-FFF2-40B4-BE49-F238E27FC236}">
-                <a16:creationId xmlns:a16="http://schemas.microsoft.com/office/drawing/2014/main" id="{6F1E7D7D-6DEF-4FE3-B911-0AB29DA299E3}"/>
-              </a:ext>
-            </a:extLst>
-          </p:cNvPr>
-          <p:cNvPicPr>
-            <a:picLocks noChangeAspect="1"/>
-          </p:cNvPicPr>
-          <p:nvPr/>
-        </p:nvPicPr>
-        <p:blipFill>
-          <a:blip r:embed="rId3"/>
-          <a:stretch>
-            <a:fillRect/>
-          </a:stretch>
-        </p:blipFill>
-        <p:spPr>
-          <a:xfrm>
-            <a:off x="285307" y="1959462"/>
-            <a:ext cx="6039081" cy="2204264"/>
-          </a:xfrm>
-          <a:custGeom>
-            <a:avLst/>
-            <a:gdLst/>
-            <a:ahLst/>
-            <a:cxnLst/>
-            <a:rect l="l" t="t" r="r" b="b"/>
-            <a:pathLst>
-              <a:path w="4636009" h="5032375">
-                <a:moveTo>
-                  <a:pt x="0" y="0"/>
-                </a:moveTo>
-                <a:lnTo>
-                  <a:pt x="4636009" y="0"/>
-                </a:lnTo>
-                <a:lnTo>
-                  <a:pt x="4636009" y="5032375"/>
-                </a:lnTo>
-                <a:lnTo>
-                  <a:pt x="0" y="5032375"/>
-                </a:lnTo>
-                <a:close/>
-              </a:path>
-            </a:pathLst>
-          </a:custGeom>
-        </p:spPr>
-      </p:pic>
-    </p:spTree>
-    <p:extLst>
-      <p:ext uri="{BB962C8B-B14F-4D97-AF65-F5344CB8AC3E}">
-        <p14:creationId xmlns:p14="http://schemas.microsoft.com/office/powerpoint/2010/main" val="2315695476"/>
-      </p:ext>
-    </p:extLst>
-  </p:cSld>
-  <p:clrMapOvr>
-    <a:masterClrMapping/>
-  </p:clrMapOvr>
-</p:sld>
-</file>
-
-<file path=ppt/slides/slide8.xml><?xml version="1.0" encoding="utf-8"?>
-<p:sld xmlns:a="http://schemas.openxmlformats.org/drawingml/2006/main" xmlns:r="http://schemas.openxmlformats.org/officeDocument/2006/relationships" xmlns:p="http://schemas.openxmlformats.org/presentationml/2006/main">
-  <p:cSld>
-    <p:bg>
-      <p:bgPr>
-        <a:solidFill>
-          <a:schemeClr val="bg1"/>
-        </a:solidFill>
-        <a:effectLst/>
-      </p:bgPr>
-    </p:bg>
-    <p:spTree>
-      <p:nvGrpSpPr>
-        <p:cNvPr id="1" name=""/>
-        <p:cNvGrpSpPr/>
-        <p:nvPr/>
-      </p:nvGrpSpPr>
-      <p:grpSpPr>
-        <a:xfrm>
-          <a:off x="0" y="0"/>
-          <a:ext cx="0" cy="0"/>
-          <a:chOff x="0" y="0"/>
-          <a:chExt cx="0" cy="0"/>
-        </a:xfrm>
-      </p:grpSpPr>
-      <p:sp>
-        <p:nvSpPr>
-          <p:cNvPr id="17" name="Freeform: Shape 16">
-            <a:extLst>
-              <a:ext uri="{FF2B5EF4-FFF2-40B4-BE49-F238E27FC236}">
-                <a16:creationId xmlns:a16="http://schemas.microsoft.com/office/drawing/2014/main" id="{3D5CAF16-1F3A-4148-87A8-78A710D1EF81}"/>
-              </a:ext>
-              <a:ext uri="{C183D7F6-B498-43B3-948B-1728B52AA6E4}">
-                <adec:decorative xmlns:adec="http://schemas.microsoft.com/office/drawing/2017/decorative" val="1"/>
-              </a:ext>
-            </a:extLst>
-          </p:cNvPr>
-          <p:cNvSpPr>
-            <a:spLocks noGrp="1" noRot="1" noChangeAspect="1" noMove="1" noResize="1" noEditPoints="1" noAdjustHandles="1" noChangeArrowheads="1" noChangeShapeType="1" noTextEdit="1"/>
-          </p:cNvSpPr>
-          <p:nvPr>
-            <p:extLst>
-              <p:ext uri="{386F3935-93C4-4BCD-93E2-E3B085C9AB24}">
-                <p16:designElem xmlns:p16="http://schemas.microsoft.com/office/powerpoint/2015/main" val="1"/>
-              </p:ext>
-            </p:extLst>
-          </p:nvPr>
-        </p:nvSpPr>
-        <p:spPr>
-          <a:xfrm>
-            <a:off x="7814136" y="0"/>
-            <a:ext cx="4377864" cy="1511303"/>
-          </a:xfrm>
-          <a:custGeom>
-            <a:avLst/>
-            <a:gdLst>
-              <a:gd name="connsiteX0" fmla="*/ 2088891 w 4377864"/>
-              <a:gd name="connsiteY0" fmla="*/ 0 h 1511303"/>
-              <a:gd name="connsiteX1" fmla="*/ 2487984 w 4377864"/>
-              <a:gd name="connsiteY1" fmla="*/ 0 h 1511303"/>
-              <a:gd name="connsiteX2" fmla="*/ 2582604 w 4377864"/>
-              <a:gd name="connsiteY2" fmla="*/ 0 h 1511303"/>
-              <a:gd name="connsiteX3" fmla="*/ 4377864 w 4377864"/>
-              <a:gd name="connsiteY3" fmla="*/ 0 h 1511303"/>
-              <a:gd name="connsiteX4" fmla="*/ 4377864 w 4377864"/>
-              <a:gd name="connsiteY4" fmla="*/ 1511301 h 1511303"/>
-              <a:gd name="connsiteX5" fmla="*/ 2986590 w 4377864"/>
-              <a:gd name="connsiteY5" fmla="*/ 1511301 h 1511303"/>
-              <a:gd name="connsiteX6" fmla="*/ 2986590 w 4377864"/>
-              <a:gd name="connsiteY6" fmla="*/ 1511303 h 1511303"/>
-              <a:gd name="connsiteX7" fmla="*/ 1191330 w 4377864"/>
-              <a:gd name="connsiteY7" fmla="*/ 1511303 h 1511303"/>
-              <a:gd name="connsiteX8" fmla="*/ 399093 w 4377864"/>
-              <a:gd name="connsiteY8" fmla="*/ 1511303 h 1511303"/>
-              <a:gd name="connsiteX9" fmla="*/ 0 w 4377864"/>
-              <a:gd name="connsiteY9" fmla="*/ 1511303 h 1511303"/>
-              <a:gd name="connsiteX10" fmla="*/ 697617 w 4377864"/>
-              <a:gd name="connsiteY10" fmla="*/ 2 h 1511303"/>
-              <a:gd name="connsiteX11" fmla="*/ 1096710 w 4377864"/>
-              <a:gd name="connsiteY11" fmla="*/ 2 h 1511303"/>
-              <a:gd name="connsiteX12" fmla="*/ 1191330 w 4377864"/>
-              <a:gd name="connsiteY12" fmla="*/ 2 h 1511303"/>
-              <a:gd name="connsiteX13" fmla="*/ 2088890 w 4377864"/>
-              <a:gd name="connsiteY13" fmla="*/ 2 h 1511303"/>
-            </a:gdLst>
-            <a:ahLst/>
-            <a:cxnLst>
-              <a:cxn ang="0">
-                <a:pos x="connsiteX0" y="connsiteY0"/>
-              </a:cxn>
-              <a:cxn ang="0">
-                <a:pos x="connsiteX1" y="connsiteY1"/>
-              </a:cxn>
-              <a:cxn ang="0">
-                <a:pos x="connsiteX2" y="connsiteY2"/>
-              </a:cxn>
-              <a:cxn ang="0">
-                <a:pos x="connsiteX3" y="connsiteY3"/>
-              </a:cxn>
-              <a:cxn ang="0">
-                <a:pos x="connsiteX4" y="connsiteY4"/>
-              </a:cxn>
-              <a:cxn ang="0">
-                <a:pos x="connsiteX5" y="connsiteY5"/>
-              </a:cxn>
-              <a:cxn ang="0">
-                <a:pos x="connsiteX6" y="connsiteY6"/>
-              </a:cxn>
-              <a:cxn ang="0">
-                <a:pos x="connsiteX7" y="connsiteY7"/>
-              </a:cxn>
-              <a:cxn ang="0">
-                <a:pos x="connsiteX8" y="connsiteY8"/>
-              </a:cxn>
-              <a:cxn ang="0">
-                <a:pos x="connsiteX9" y="connsiteY9"/>
-              </a:cxn>
-              <a:cxn ang="0">
-                <a:pos x="connsiteX10" y="connsiteY10"/>
-              </a:cxn>
-              <a:cxn ang="0">
-                <a:pos x="connsiteX11" y="connsiteY11"/>
-              </a:cxn>
-              <a:cxn ang="0">
-                <a:pos x="connsiteX12" y="connsiteY12"/>
-              </a:cxn>
-              <a:cxn ang="0">
-                <a:pos x="connsiteX13" y="connsiteY13"/>
-              </a:cxn>
-            </a:cxnLst>
-            <a:rect l="l" t="t" r="r" b="b"/>
-            <a:pathLst>
-              <a:path w="4377864" h="1511303">
-                <a:moveTo>
-                  <a:pt x="2088891" y="0"/>
-                </a:moveTo>
-                <a:lnTo>
-                  <a:pt x="2487984" y="0"/>
-                </a:lnTo>
-                <a:lnTo>
-                  <a:pt x="2582604" y="0"/>
-                </a:lnTo>
-                <a:lnTo>
-                  <a:pt x="4377864" y="0"/>
-                </a:lnTo>
-                <a:lnTo>
-                  <a:pt x="4377864" y="1511301"/>
-                </a:lnTo>
-                <a:lnTo>
-                  <a:pt x="2986590" y="1511301"/>
-                </a:lnTo>
-                <a:lnTo>
-                  <a:pt x="2986590" y="1511303"/>
-                </a:lnTo>
-                <a:lnTo>
-                  <a:pt x="1191330" y="1511303"/>
-                </a:lnTo>
-                <a:lnTo>
-                  <a:pt x="399093" y="1511303"/>
-                </a:lnTo>
-                <a:lnTo>
-                  <a:pt x="0" y="1511303"/>
-                </a:lnTo>
-                <a:lnTo>
-                  <a:pt x="697617" y="2"/>
-                </a:lnTo>
-                <a:lnTo>
-                  <a:pt x="1096710" y="2"/>
-                </a:lnTo>
-                <a:lnTo>
-                  <a:pt x="1191330" y="2"/>
-                </a:lnTo>
-                <a:lnTo>
-                  <a:pt x="2088890" y="2"/>
-                </a:lnTo>
-                <a:close/>
-              </a:path>
-            </a:pathLst>
-          </a:custGeom>
-          <a:solidFill>
-            <a:schemeClr val="accent4"/>
-          </a:solidFill>
-          <a:ln>
-            <a:noFill/>
-          </a:ln>
-        </p:spPr>
-        <p:style>
-          <a:lnRef idx="2">
-            <a:schemeClr val="accent1">
-              <a:shade val="50000"/>
-            </a:schemeClr>
-          </a:lnRef>
-          <a:fillRef idx="1">
-            <a:schemeClr val="accent1"/>
-          </a:fillRef>
-          <a:effectRef idx="0">
-            <a:schemeClr val="accent1"/>
-          </a:effectRef>
-          <a:fontRef idx="minor">
-            <a:schemeClr val="lt1"/>
-          </a:fontRef>
-        </p:style>
-        <p:txBody>
-          <a:bodyPr wrap="square" rtlCol="0" anchor="ctr">
-            <a:noAutofit/>
-          </a:bodyPr>
-          <a:lstStyle/>
-          <a:p>
-            <a:pPr algn="ctr"/>
-            <a:endParaRPr lang="en-US"/>
-          </a:p>
-        </p:txBody>
-      </p:sp>
-      <p:sp>
-        <p:nvSpPr>
-          <p:cNvPr id="19" name="Freeform 11">
-            <a:extLst>
-              <a:ext uri="{FF2B5EF4-FFF2-40B4-BE49-F238E27FC236}">
-                <a16:creationId xmlns:a16="http://schemas.microsoft.com/office/drawing/2014/main" id="{A0BF428C-DA8B-4D99-9930-18F7F91D873D}"/>
-              </a:ext>
-              <a:ext uri="{C183D7F6-B498-43B3-948B-1728B52AA6E4}">
-                <adec:decorative xmlns:adec="http://schemas.microsoft.com/office/drawing/2017/decorative" val="1"/>
-              </a:ext>
-            </a:extLst>
-          </p:cNvPr>
-          <p:cNvSpPr>
-            <a:spLocks noGrp="1" noRot="1" noChangeAspect="1" noMove="1" noResize="1" noEditPoints="1" noAdjustHandles="1" noChangeArrowheads="1" noChangeShapeType="1" noTextEdit="1"/>
-          </p:cNvSpPr>
-          <p:nvPr>
-            <p:extLst>
-              <p:ext uri="{386F3935-93C4-4BCD-93E2-E3B085C9AB24}">
-                <p16:designElem xmlns:p16="http://schemas.microsoft.com/office/powerpoint/2015/main" val="1"/>
-              </p:ext>
-            </p:extLst>
-          </p:nvPr>
-        </p:nvSpPr>
-        <p:spPr>
-          <a:xfrm>
-            <a:off x="4876801" y="1690688"/>
-            <a:ext cx="7316944" cy="5167312"/>
-          </a:xfrm>
-          <a:custGeom>
-            <a:avLst/>
-            <a:gdLst>
-              <a:gd name="connsiteX0" fmla="*/ 0 w 7316944"/>
-              <a:gd name="connsiteY0" fmla="*/ 0 h 5167312"/>
-              <a:gd name="connsiteX1" fmla="*/ 7316944 w 7316944"/>
-              <a:gd name="connsiteY1" fmla="*/ 0 h 5167312"/>
-              <a:gd name="connsiteX2" fmla="*/ 7316944 w 7316944"/>
-              <a:gd name="connsiteY2" fmla="*/ 5167312 h 5167312"/>
-              <a:gd name="connsiteX3" fmla="*/ 472697 w 7316944"/>
-              <a:gd name="connsiteY3" fmla="*/ 5167312 h 5167312"/>
-              <a:gd name="connsiteX4" fmla="*/ 2866576 w 7316944"/>
-              <a:gd name="connsiteY4" fmla="*/ 952 h 5167312"/>
-              <a:gd name="connsiteX5" fmla="*/ 0 w 7316944"/>
-              <a:gd name="connsiteY5" fmla="*/ 952 h 5167312"/>
-            </a:gdLst>
-            <a:ahLst/>
-            <a:cxnLst>
-              <a:cxn ang="0">
-                <a:pos x="connsiteX0" y="connsiteY0"/>
-              </a:cxn>
-              <a:cxn ang="0">
-                <a:pos x="connsiteX1" y="connsiteY1"/>
-              </a:cxn>
-              <a:cxn ang="0">
-                <a:pos x="connsiteX2" y="connsiteY2"/>
-              </a:cxn>
-              <a:cxn ang="0">
-                <a:pos x="connsiteX3" y="connsiteY3"/>
-              </a:cxn>
-              <a:cxn ang="0">
-                <a:pos x="connsiteX4" y="connsiteY4"/>
-              </a:cxn>
-              <a:cxn ang="0">
-                <a:pos x="connsiteX5" y="connsiteY5"/>
-              </a:cxn>
-            </a:cxnLst>
-            <a:rect l="l" t="t" r="r" b="b"/>
-            <a:pathLst>
-              <a:path w="7316944" h="5167312">
-                <a:moveTo>
-                  <a:pt x="0" y="0"/>
-                </a:moveTo>
-                <a:lnTo>
-                  <a:pt x="7316944" y="0"/>
-                </a:lnTo>
-                <a:lnTo>
-                  <a:pt x="7316944" y="5167312"/>
-                </a:lnTo>
-                <a:lnTo>
-                  <a:pt x="472697" y="5167312"/>
-                </a:lnTo>
-                <a:lnTo>
-                  <a:pt x="2866576" y="952"/>
-                </a:lnTo>
-                <a:lnTo>
-                  <a:pt x="0" y="952"/>
-                </a:lnTo>
-                <a:close/>
-              </a:path>
-            </a:pathLst>
-          </a:custGeom>
-          <a:solidFill>
-            <a:srgbClr val="A6A6A6">
-              <a:alpha val="70000"/>
-            </a:srgbClr>
-          </a:solidFill>
-          <a:ln>
-            <a:noFill/>
-          </a:ln>
-        </p:spPr>
-        <p:style>
-          <a:lnRef idx="2">
-            <a:schemeClr val="accent1">
-              <a:shade val="50000"/>
-            </a:schemeClr>
-          </a:lnRef>
-          <a:fillRef idx="1">
-            <a:schemeClr val="accent1"/>
-          </a:fillRef>
-          <a:effectRef idx="0">
-            <a:schemeClr val="accent1"/>
-          </a:effectRef>
-          <a:fontRef idx="minor">
-            <a:schemeClr val="lt1"/>
-          </a:fontRef>
-        </p:style>
-        <p:txBody>
-          <a:bodyPr wrap="square" rtlCol="0" anchor="ctr">
-            <a:noAutofit/>
-          </a:bodyPr>
-          <a:lstStyle/>
-          <a:p>
-            <a:pPr algn="ctr"/>
-            <a:endParaRPr lang="en-US"/>
-          </a:p>
-        </p:txBody>
-      </p:sp>
-      <p:sp>
-        <p:nvSpPr>
-          <p:cNvPr id="21" name="Freeform 37">
-            <a:extLst>
-              <a:ext uri="{FF2B5EF4-FFF2-40B4-BE49-F238E27FC236}">
-                <a16:creationId xmlns:a16="http://schemas.microsoft.com/office/drawing/2014/main" id="{A03E2379-8871-408A-95CE-7AAE8FA53AE5}"/>
-              </a:ext>
-              <a:ext uri="{C183D7F6-B498-43B3-948B-1728B52AA6E4}">
-                <adec:decorative xmlns:adec="http://schemas.microsoft.com/office/drawing/2017/decorative" val="1"/>
-              </a:ext>
-            </a:extLst>
-          </p:cNvPr>
-          <p:cNvSpPr>
-            <a:spLocks noGrp="1" noRot="1" noChangeAspect="1" noMove="1" noResize="1" noEditPoints="1" noAdjustHandles="1" noChangeArrowheads="1" noChangeShapeType="1" noTextEdit="1"/>
-          </p:cNvSpPr>
-          <p:nvPr>
-            <p:extLst>
-              <p:ext uri="{386F3935-93C4-4BCD-93E2-E3B085C9AB24}">
-                <p16:designElem xmlns:p16="http://schemas.microsoft.com/office/powerpoint/2015/main" val="1"/>
-              </p:ext>
-            </p:extLst>
-          </p:nvPr>
-        </p:nvSpPr>
-        <p:spPr>
-          <a:xfrm flipV="1">
-            <a:off x="-1746" y="1691164"/>
-            <a:ext cx="7571262" cy="5166360"/>
-          </a:xfrm>
-          <a:custGeom>
-            <a:avLst/>
-            <a:gdLst>
-              <a:gd name="connsiteX0" fmla="*/ 0 w 7571262"/>
-              <a:gd name="connsiteY0" fmla="*/ 5166360 h 5166360"/>
-              <a:gd name="connsiteX1" fmla="*/ 7571262 w 7571262"/>
-              <a:gd name="connsiteY1" fmla="*/ 5166360 h 5166360"/>
-              <a:gd name="connsiteX2" fmla="*/ 5177382 w 7571262"/>
-              <a:gd name="connsiteY2" fmla="*/ 0 h 5166360"/>
-              <a:gd name="connsiteX3" fmla="*/ 5171159 w 7571262"/>
-              <a:gd name="connsiteY3" fmla="*/ 0 h 5166360"/>
-              <a:gd name="connsiteX4" fmla="*/ 3981368 w 7571262"/>
-              <a:gd name="connsiteY4" fmla="*/ 0 h 5166360"/>
-              <a:gd name="connsiteX5" fmla="*/ 2331323 w 7571262"/>
-              <a:gd name="connsiteY5" fmla="*/ 0 h 5166360"/>
-              <a:gd name="connsiteX6" fmla="*/ 0 w 7571262"/>
-              <a:gd name="connsiteY6" fmla="*/ 0 h 5166360"/>
-            </a:gdLst>
-            <a:ahLst/>
-            <a:cxnLst>
-              <a:cxn ang="0">
-                <a:pos x="connsiteX0" y="connsiteY0"/>
-              </a:cxn>
-              <a:cxn ang="0">
-                <a:pos x="connsiteX1" y="connsiteY1"/>
-              </a:cxn>
-              <a:cxn ang="0">
-                <a:pos x="connsiteX2" y="connsiteY2"/>
-              </a:cxn>
-              <a:cxn ang="0">
-                <a:pos x="connsiteX3" y="connsiteY3"/>
-              </a:cxn>
-              <a:cxn ang="0">
-                <a:pos x="connsiteX4" y="connsiteY4"/>
-              </a:cxn>
-              <a:cxn ang="0">
-                <a:pos x="connsiteX5" y="connsiteY5"/>
-              </a:cxn>
-              <a:cxn ang="0">
-                <a:pos x="connsiteX6" y="connsiteY6"/>
-              </a:cxn>
-            </a:cxnLst>
-            <a:rect l="l" t="t" r="r" b="b"/>
-            <a:pathLst>
-              <a:path w="7571262" h="5166360">
-                <a:moveTo>
-                  <a:pt x="0" y="5166360"/>
-                </a:moveTo>
-                <a:lnTo>
-                  <a:pt x="7571262" y="5166360"/>
-                </a:lnTo>
-                <a:lnTo>
-                  <a:pt x="5177382" y="0"/>
-                </a:lnTo>
-                <a:lnTo>
-                  <a:pt x="5171159" y="0"/>
-                </a:lnTo>
-                <a:lnTo>
-                  <a:pt x="3981368" y="0"/>
-                </a:lnTo>
-                <a:lnTo>
-                  <a:pt x="2331323" y="0"/>
-                </a:lnTo>
-                <a:lnTo>
-                  <a:pt x="0" y="0"/>
-                </a:lnTo>
-                <a:close/>
-              </a:path>
-            </a:pathLst>
-          </a:custGeom>
-          <a:solidFill>
-            <a:srgbClr val="303030"/>
-          </a:solidFill>
-          <a:ln>
-            <a:noFill/>
-          </a:ln>
-        </p:spPr>
-        <p:style>
-          <a:lnRef idx="2">
-            <a:schemeClr val="accent1">
-              <a:shade val="50000"/>
-            </a:schemeClr>
-          </a:lnRef>
-          <a:fillRef idx="1">
-            <a:schemeClr val="accent1"/>
-          </a:fillRef>
-          <a:effectRef idx="0">
-            <a:schemeClr val="accent1"/>
-          </a:effectRef>
-          <a:fontRef idx="minor">
-            <a:schemeClr val="lt1"/>
-          </a:fontRef>
-        </p:style>
-        <p:txBody>
-          <a:bodyPr wrap="square" rtlCol="0" anchor="ctr">
-            <a:noAutofit/>
-          </a:bodyPr>
-          <a:lstStyle/>
-          <a:p>
-            <a:pPr algn="ctr"/>
-            <a:endParaRPr lang="en-US"/>
-          </a:p>
-        </p:txBody>
-      </p:sp>
-      <p:sp>
-        <p:nvSpPr>
-          <p:cNvPr id="2" name="Título 1">
-            <a:extLst>
-              <a:ext uri="{FF2B5EF4-FFF2-40B4-BE49-F238E27FC236}">
-                <a16:creationId xmlns:a16="http://schemas.microsoft.com/office/drawing/2014/main" id="{1F2506B3-544E-4EA4-95E3-B7BCD1160F14}"/>
-              </a:ext>
-            </a:extLst>
-          </p:cNvPr>
-          <p:cNvSpPr>
-            <a:spLocks noGrp="1"/>
-          </p:cNvSpPr>
-          <p:nvPr>
-            <p:ph type="title"/>
-          </p:nvPr>
-        </p:nvSpPr>
-        <p:spPr>
-          <a:xfrm>
-            <a:off x="838200" y="365125"/>
-            <a:ext cx="6903720" cy="1325563"/>
-          </a:xfrm>
-        </p:spPr>
-        <p:txBody>
-          <a:bodyPr>
-            <a:normAutofit/>
-          </a:bodyPr>
-          <a:lstStyle/>
-          <a:p>
-            <a:r>
-              <a:rPr lang="es-CL" dirty="0"/>
-              <a:t>Para </a:t>
-            </a:r>
-            <a:r>
-              <a:rPr lang="es-CL" dirty="0" err="1"/>
-              <a:t>power</a:t>
-            </a:r>
-            <a:r>
-              <a:rPr lang="es-CL" dirty="0"/>
-              <a:t> </a:t>
-            </a:r>
-            <a:r>
-              <a:rPr lang="es-CL" dirty="0" err="1"/>
-              <a:t>bi</a:t>
-            </a:r>
-            <a:r>
-              <a:rPr lang="es-CL" dirty="0"/>
-              <a:t> Porcinos</a:t>
-            </a:r>
-          </a:p>
-        </p:txBody>
-      </p:sp>
-      <p:sp>
-        <p:nvSpPr>
-          <p:cNvPr id="3" name="Marcador de contenido 2">
-            <a:extLst>
-              <a:ext uri="{FF2B5EF4-FFF2-40B4-BE49-F238E27FC236}">
-                <a16:creationId xmlns:a16="http://schemas.microsoft.com/office/drawing/2014/main" id="{10EFC7CE-52E8-4120-BE5E-687386B58461}"/>
-              </a:ext>
-            </a:extLst>
-          </p:cNvPr>
-          <p:cNvSpPr>
-            <a:spLocks noGrp="1"/>
-          </p:cNvSpPr>
-          <p:nvPr>
-            <p:ph idx="1"/>
-          </p:nvPr>
-        </p:nvSpPr>
-        <p:spPr>
-          <a:xfrm>
-            <a:off x="304595" y="4432024"/>
-            <a:ext cx="4900749" cy="1170169"/>
-          </a:xfrm>
-        </p:spPr>
-        <p:txBody>
-          <a:bodyPr anchor="t">
-            <a:normAutofit fontScale="92500"/>
-          </a:bodyPr>
-          <a:lstStyle/>
-          <a:p>
-            <a:pPr marL="0" indent="0">
-              <a:buNone/>
-            </a:pPr>
-            <a:r>
-              <a:rPr lang="es-CL" sz="2000" dirty="0">
-                <a:solidFill>
-                  <a:srgbClr val="FFFFFF"/>
-                </a:solidFill>
-              </a:rPr>
-              <a:t>Consolidar estadísticas regionales en 1 archivo.</a:t>
-            </a:r>
-          </a:p>
-          <a:p>
-            <a:pPr marL="0" indent="0">
-              <a:buNone/>
-            </a:pPr>
-            <a:r>
-              <a:rPr lang="es-CL" sz="2000" dirty="0">
-                <a:solidFill>
-                  <a:srgbClr val="FFFFFF"/>
-                </a:solidFill>
-              </a:rPr>
-              <a:t>Comparar cantidades con los reportado en los boletines a partir de enero 2020.</a:t>
-            </a:r>
-          </a:p>
-          <a:p>
-            <a:pPr marL="0" indent="0">
-              <a:buNone/>
-            </a:pPr>
-            <a:endParaRPr lang="es-CL" sz="2000" dirty="0">
-              <a:solidFill>
-                <a:srgbClr val="FFFFFF"/>
-              </a:solidFill>
-            </a:endParaRPr>
-          </a:p>
-        </p:txBody>
-      </p:sp>
-    </p:spTree>
-    <p:extLst>
-      <p:ext uri="{BB962C8B-B14F-4D97-AF65-F5344CB8AC3E}">
-        <p14:creationId xmlns:p14="http://schemas.microsoft.com/office/powerpoint/2010/main" val="2244961559"/>
-      </p:ext>
-    </p:extLst>
-  </p:cSld>
-  <p:clrMapOvr>
-    <a:masterClrMapping/>
-  </p:clrMapOvr>
-</p:sld>
-</file>
-
-<file path=ppt/slides/slide9.xml><?xml version="1.0" encoding="utf-8"?>
-<p:sld xmlns:a="http://schemas.openxmlformats.org/drawingml/2006/main" xmlns:r="http://schemas.openxmlformats.org/officeDocument/2006/relationships" xmlns:p="http://schemas.openxmlformats.org/presentationml/2006/main">
-  <p:cSld>
-    <p:bg>
-      <p:bgPr>
-        <a:solidFill>
-          <a:schemeClr val="bg1"/>
-        </a:solidFill>
-        <a:effectLst/>
-      </p:bgPr>
-    </p:bg>
-    <p:spTree>
-      <p:nvGrpSpPr>
-        <p:cNvPr id="1" name=""/>
-        <p:cNvGrpSpPr/>
-        <p:nvPr/>
-      </p:nvGrpSpPr>
-      <p:grpSpPr>
-        <a:xfrm>
-          <a:off x="0" y="0"/>
-          <a:ext cx="0" cy="0"/>
-          <a:chOff x="0" y="0"/>
-          <a:chExt cx="0" cy="0"/>
-        </a:xfrm>
-      </p:grpSpPr>
-      <p:sp>
-        <p:nvSpPr>
-          <p:cNvPr id="2" name="Título 1">
-            <a:extLst>
-              <a:ext uri="{FF2B5EF4-FFF2-40B4-BE49-F238E27FC236}">
-                <a16:creationId xmlns:a16="http://schemas.microsoft.com/office/drawing/2014/main" id="{29B87598-C449-411D-82D2-295D55231ED2}"/>
-              </a:ext>
-            </a:extLst>
-          </p:cNvPr>
-          <p:cNvSpPr>
-            <a:spLocks noGrp="1"/>
-          </p:cNvSpPr>
-          <p:nvPr>
-            <p:ph type="title"/>
-          </p:nvPr>
-        </p:nvSpPr>
-        <p:spPr>
-          <a:xfrm>
-            <a:off x="841249" y="365760"/>
-            <a:ext cx="9912072" cy="1188404"/>
-          </a:xfrm>
-        </p:spPr>
-        <p:txBody>
-          <a:bodyPr>
-            <a:normAutofit/>
-          </a:bodyPr>
-          <a:lstStyle/>
-          <a:p>
-            <a:r>
-              <a:rPr lang="es-CL" dirty="0"/>
-              <a:t>Pendiente</a:t>
-            </a:r>
-          </a:p>
-        </p:txBody>
-      </p:sp>
-      <p:sp>
-        <p:nvSpPr>
-          <p:cNvPr id="8" name="Freeform: Shape 7">
-            <a:extLst>
-              <a:ext uri="{FF2B5EF4-FFF2-40B4-BE49-F238E27FC236}">
-                <a16:creationId xmlns:a16="http://schemas.microsoft.com/office/drawing/2014/main" id="{F0BC1D9E-4401-4EC0-88FD-ED103CB570EA}"/>
-              </a:ext>
-              <a:ext uri="{C183D7F6-B498-43B3-948B-1728B52AA6E4}">
-                <adec:decorative xmlns:adec="http://schemas.microsoft.com/office/drawing/2017/decorative" val="1"/>
-              </a:ext>
-            </a:extLst>
-          </p:cNvPr>
-          <p:cNvSpPr>
-            <a:spLocks noGrp="1" noRot="1" noChangeAspect="1" noMove="1" noResize="1" noEditPoints="1" noAdjustHandles="1" noChangeArrowheads="1" noChangeShapeType="1" noTextEdit="1"/>
-          </p:cNvSpPr>
-          <p:nvPr>
-            <p:extLst>
-              <p:ext uri="{386F3935-93C4-4BCD-93E2-E3B085C9AB24}">
-                <p16:designElem xmlns:p16="http://schemas.microsoft.com/office/powerpoint/2015/main" val="1"/>
-              </p:ext>
-            </p:extLst>
-          </p:nvPr>
-        </p:nvSpPr>
-        <p:spPr>
-          <a:xfrm>
-            <a:off x="11000670" y="2"/>
-            <a:ext cx="1191330" cy="1511301"/>
-          </a:xfrm>
-          <a:custGeom>
-            <a:avLst/>
-            <a:gdLst>
-              <a:gd name="connsiteX0" fmla="*/ 697617 w 1191330"/>
-              <a:gd name="connsiteY0" fmla="*/ 0 h 1511301"/>
-              <a:gd name="connsiteX1" fmla="*/ 1191330 w 1191330"/>
-              <a:gd name="connsiteY1" fmla="*/ 0 h 1511301"/>
-              <a:gd name="connsiteX2" fmla="*/ 1191330 w 1191330"/>
-              <a:gd name="connsiteY2" fmla="*/ 1511301 h 1511301"/>
-              <a:gd name="connsiteX3" fmla="*/ 0 w 1191330"/>
-              <a:gd name="connsiteY3" fmla="*/ 1511301 h 1511301"/>
-            </a:gdLst>
-            <a:ahLst/>
-            <a:cxnLst>
-              <a:cxn ang="0">
-                <a:pos x="connsiteX0" y="connsiteY0"/>
-              </a:cxn>
-              <a:cxn ang="0">
-                <a:pos x="connsiteX1" y="connsiteY1"/>
-              </a:cxn>
-              <a:cxn ang="0">
-                <a:pos x="connsiteX2" y="connsiteY2"/>
-              </a:cxn>
-              <a:cxn ang="0">
-                <a:pos x="connsiteX3" y="connsiteY3"/>
-              </a:cxn>
-            </a:cxnLst>
-            <a:rect l="l" t="t" r="r" b="b"/>
-            <a:pathLst>
-              <a:path w="1191330" h="1511301">
-                <a:moveTo>
-                  <a:pt x="697617" y="0"/>
-                </a:moveTo>
-                <a:lnTo>
-                  <a:pt x="1191330" y="0"/>
-                </a:lnTo>
-                <a:lnTo>
-                  <a:pt x="1191330" y="1511301"/>
-                </a:lnTo>
-                <a:lnTo>
-                  <a:pt x="0" y="1511301"/>
-                </a:lnTo>
-                <a:close/>
-              </a:path>
-            </a:pathLst>
-          </a:custGeom>
-          <a:solidFill>
-            <a:schemeClr val="accent4"/>
-          </a:solidFill>
-          <a:ln>
-            <a:noFill/>
-          </a:ln>
-        </p:spPr>
-        <p:style>
-          <a:lnRef idx="2">
-            <a:schemeClr val="accent1">
-              <a:shade val="50000"/>
-            </a:schemeClr>
-          </a:lnRef>
-          <a:fillRef idx="1">
-            <a:schemeClr val="accent1"/>
-          </a:fillRef>
-          <a:effectRef idx="0">
-            <a:schemeClr val="accent1"/>
-          </a:effectRef>
-          <a:fontRef idx="minor">
-            <a:schemeClr val="lt1"/>
-          </a:fontRef>
-        </p:style>
-        <p:txBody>
-          <a:bodyPr wrap="square" rtlCol="0" anchor="ctr">
-            <a:noAutofit/>
-          </a:bodyPr>
-          <a:lstStyle/>
-          <a:p>
-            <a:pPr algn="ctr"/>
-            <a:endParaRPr lang="en-US"/>
-          </a:p>
-        </p:txBody>
-      </p:sp>
-      <p:sp>
-        <p:nvSpPr>
-          <p:cNvPr id="10" name="Freeform: Shape 9">
-            <a:extLst>
-              <a:ext uri="{FF2B5EF4-FFF2-40B4-BE49-F238E27FC236}">
-                <a16:creationId xmlns:a16="http://schemas.microsoft.com/office/drawing/2014/main" id="{6200B311-3585-4069-AAC6-CD443FA5B8AD}"/>
-              </a:ext>
-              <a:ext uri="{C183D7F6-B498-43B3-948B-1728B52AA6E4}">
-                <adec:decorative xmlns:adec="http://schemas.microsoft.com/office/drawing/2017/decorative" val="1"/>
-              </a:ext>
-            </a:extLst>
-          </p:cNvPr>
-          <p:cNvSpPr>
-            <a:spLocks noGrp="1" noRot="1" noChangeAspect="1" noMove="1" noResize="1" noEditPoints="1" noAdjustHandles="1" noChangeArrowheads="1" noChangeShapeType="1" noTextEdit="1"/>
-          </p:cNvSpPr>
-          <p:nvPr>
-            <p:extLst>
-              <p:ext uri="{386F3935-93C4-4BCD-93E2-E3B085C9AB24}">
-                <p16:designElem xmlns:p16="http://schemas.microsoft.com/office/powerpoint/2015/main" val="1"/>
-              </p:ext>
-            </p:extLst>
-          </p:nvPr>
-        </p:nvSpPr>
-        <p:spPr>
-          <a:xfrm>
-            <a:off x="8523986" y="1690688"/>
-            <a:ext cx="3668014" cy="5167312"/>
-          </a:xfrm>
-          <a:custGeom>
-            <a:avLst/>
-            <a:gdLst>
-              <a:gd name="connsiteX0" fmla="*/ 2391664 w 3668014"/>
-              <a:gd name="connsiteY0" fmla="*/ 0 h 5167312"/>
-              <a:gd name="connsiteX1" fmla="*/ 3668014 w 3668014"/>
-              <a:gd name="connsiteY1" fmla="*/ 0 h 5167312"/>
-              <a:gd name="connsiteX2" fmla="*/ 3668014 w 3668014"/>
-              <a:gd name="connsiteY2" fmla="*/ 5167312 h 5167312"/>
-              <a:gd name="connsiteX3" fmla="*/ 0 w 3668014"/>
-              <a:gd name="connsiteY3" fmla="*/ 5167312 h 5167312"/>
-              <a:gd name="connsiteX4" fmla="*/ 2393879 w 3668014"/>
-              <a:gd name="connsiteY4" fmla="*/ 952 h 5167312"/>
-              <a:gd name="connsiteX5" fmla="*/ 2391664 w 3668014"/>
-              <a:gd name="connsiteY5" fmla="*/ 952 h 5167312"/>
-            </a:gdLst>
-            <a:ahLst/>
-            <a:cxnLst>
-              <a:cxn ang="0">
-                <a:pos x="connsiteX0" y="connsiteY0"/>
-              </a:cxn>
-              <a:cxn ang="0">
-                <a:pos x="connsiteX1" y="connsiteY1"/>
-              </a:cxn>
-              <a:cxn ang="0">
-                <a:pos x="connsiteX2" y="connsiteY2"/>
-              </a:cxn>
-              <a:cxn ang="0">
-                <a:pos x="connsiteX3" y="connsiteY3"/>
-              </a:cxn>
-              <a:cxn ang="0">
-                <a:pos x="connsiteX4" y="connsiteY4"/>
-              </a:cxn>
-              <a:cxn ang="0">
-                <a:pos x="connsiteX5" y="connsiteY5"/>
-              </a:cxn>
-            </a:cxnLst>
-            <a:rect l="l" t="t" r="r" b="b"/>
-            <a:pathLst>
-              <a:path w="3668014" h="5167312">
-                <a:moveTo>
-                  <a:pt x="2391664" y="0"/>
-                </a:moveTo>
-                <a:lnTo>
-                  <a:pt x="3668014" y="0"/>
-                </a:lnTo>
-                <a:lnTo>
-                  <a:pt x="3668014" y="5167312"/>
-                </a:lnTo>
-                <a:lnTo>
-                  <a:pt x="0" y="5167312"/>
-                </a:lnTo>
-                <a:lnTo>
-                  <a:pt x="2393879" y="952"/>
-                </a:lnTo>
-                <a:lnTo>
-                  <a:pt x="2391664" y="952"/>
-                </a:lnTo>
-                <a:close/>
-              </a:path>
-            </a:pathLst>
-          </a:custGeom>
-          <a:solidFill>
-            <a:srgbClr val="A6A6A6">
-              <a:alpha val="49804"/>
-            </a:srgbClr>
-          </a:solidFill>
-          <a:ln>
-            <a:noFill/>
-          </a:ln>
-        </p:spPr>
-        <p:style>
-          <a:lnRef idx="2">
-            <a:schemeClr val="accent1">
-              <a:shade val="50000"/>
-            </a:schemeClr>
-          </a:lnRef>
-          <a:fillRef idx="1">
-            <a:schemeClr val="accent1"/>
-          </a:fillRef>
-          <a:effectRef idx="0">
-            <a:schemeClr val="accent1"/>
-          </a:effectRef>
-          <a:fontRef idx="minor">
-            <a:schemeClr val="lt1"/>
-          </a:fontRef>
-        </p:style>
-        <p:txBody>
-          <a:bodyPr wrap="square" rtlCol="0" anchor="ctr">
-            <a:noAutofit/>
-          </a:bodyPr>
-          <a:lstStyle/>
-          <a:p>
-            <a:pPr algn="ctr"/>
-            <a:endParaRPr lang="en-US"/>
-          </a:p>
-        </p:txBody>
-      </p:sp>
-      <p:sp>
-        <p:nvSpPr>
-          <p:cNvPr id="12" name="Freeform: Shape 11">
-            <a:extLst>
-              <a:ext uri="{FF2B5EF4-FFF2-40B4-BE49-F238E27FC236}">
-                <a16:creationId xmlns:a16="http://schemas.microsoft.com/office/drawing/2014/main" id="{B0AAF7C9-094E-400C-A428-F6C2262F6527}"/>
-              </a:ext>
-              <a:ext uri="{C183D7F6-B498-43B3-948B-1728B52AA6E4}">
-                <adec:decorative xmlns:adec="http://schemas.microsoft.com/office/drawing/2017/decorative" val="1"/>
-              </a:ext>
-            </a:extLst>
-          </p:cNvPr>
-          <p:cNvSpPr>
-            <a:spLocks noGrp="1" noRot="1" noChangeAspect="1" noMove="1" noResize="1" noEditPoints="1" noAdjustHandles="1" noChangeArrowheads="1" noChangeShapeType="1" noTextEdit="1"/>
-          </p:cNvSpPr>
-          <p:nvPr>
-            <p:extLst>
-              <p:ext uri="{386F3935-93C4-4BCD-93E2-E3B085C9AB24}">
-                <p16:designElem xmlns:p16="http://schemas.microsoft.com/office/powerpoint/2015/main" val="1"/>
-              </p:ext>
-            </p:extLst>
-          </p:nvPr>
-        </p:nvSpPr>
-        <p:spPr>
-          <a:xfrm>
-            <a:off x="0" y="1690688"/>
-            <a:ext cx="10753320" cy="5167312"/>
-          </a:xfrm>
-          <a:custGeom>
-            <a:avLst/>
-            <a:gdLst>
-              <a:gd name="connsiteX0" fmla="*/ 0 w 10753320"/>
-              <a:gd name="connsiteY0" fmla="*/ 0 h 5167312"/>
-              <a:gd name="connsiteX1" fmla="*/ 9680943 w 10753320"/>
-              <a:gd name="connsiteY1" fmla="*/ 0 h 5167312"/>
-              <a:gd name="connsiteX2" fmla="*/ 9680223 w 10753320"/>
-              <a:gd name="connsiteY2" fmla="*/ 952 h 5167312"/>
-              <a:gd name="connsiteX3" fmla="*/ 10753320 w 10753320"/>
-              <a:gd name="connsiteY3" fmla="*/ 952 h 5167312"/>
-              <a:gd name="connsiteX4" fmla="*/ 8359441 w 10753320"/>
-              <a:gd name="connsiteY4" fmla="*/ 5167312 h 5167312"/>
-              <a:gd name="connsiteX5" fmla="*/ 4821866 w 10753320"/>
-              <a:gd name="connsiteY5" fmla="*/ 5167312 h 5167312"/>
-              <a:gd name="connsiteX6" fmla="*/ 4821866 w 10753320"/>
-              <a:gd name="connsiteY6" fmla="*/ 5166360 h 5167312"/>
-              <a:gd name="connsiteX7" fmla="*/ 0 w 10753320"/>
-              <a:gd name="connsiteY7" fmla="*/ 5166360 h 5167312"/>
-            </a:gdLst>
-            <a:ahLst/>
-            <a:cxnLst>
-              <a:cxn ang="0">
-                <a:pos x="connsiteX0" y="connsiteY0"/>
-              </a:cxn>
-              <a:cxn ang="0">
-                <a:pos x="connsiteX1" y="connsiteY1"/>
-              </a:cxn>
-              <a:cxn ang="0">
-                <a:pos x="connsiteX2" y="connsiteY2"/>
-              </a:cxn>
-              <a:cxn ang="0">
-                <a:pos x="connsiteX3" y="connsiteY3"/>
-              </a:cxn>
-              <a:cxn ang="0">
-                <a:pos x="connsiteX4" y="connsiteY4"/>
-              </a:cxn>
-              <a:cxn ang="0">
-                <a:pos x="connsiteX5" y="connsiteY5"/>
-              </a:cxn>
-              <a:cxn ang="0">
-                <a:pos x="connsiteX6" y="connsiteY6"/>
-              </a:cxn>
-              <a:cxn ang="0">
-                <a:pos x="connsiteX7" y="connsiteY7"/>
-              </a:cxn>
-            </a:cxnLst>
-            <a:rect l="l" t="t" r="r" b="b"/>
-            <a:pathLst>
-              <a:path w="10753320" h="5167312">
-                <a:moveTo>
-                  <a:pt x="0" y="0"/>
-                </a:moveTo>
-                <a:lnTo>
-                  <a:pt x="9680943" y="0"/>
-                </a:lnTo>
-                <a:lnTo>
-                  <a:pt x="9680223" y="952"/>
-                </a:lnTo>
-                <a:lnTo>
-                  <a:pt x="10753320" y="952"/>
-                </a:lnTo>
-                <a:lnTo>
-                  <a:pt x="8359441" y="5167312"/>
-                </a:lnTo>
-                <a:lnTo>
-                  <a:pt x="4821866" y="5167312"/>
-                </a:lnTo>
-                <a:lnTo>
-                  <a:pt x="4821866" y="5166360"/>
-                </a:lnTo>
-                <a:lnTo>
-                  <a:pt x="0" y="5166360"/>
-                </a:lnTo>
-                <a:close/>
-              </a:path>
-            </a:pathLst>
-          </a:custGeom>
-          <a:solidFill>
-            <a:srgbClr val="303030"/>
-          </a:solidFill>
-          <a:ln>
-            <a:noFill/>
-          </a:ln>
-        </p:spPr>
-        <p:style>
-          <a:lnRef idx="2">
-            <a:schemeClr val="accent1">
-              <a:shade val="50000"/>
-            </a:schemeClr>
-          </a:lnRef>
-          <a:fillRef idx="1">
-            <a:schemeClr val="accent1"/>
-          </a:fillRef>
-          <a:effectRef idx="0">
-            <a:schemeClr val="accent1"/>
-          </a:effectRef>
-          <a:fontRef idx="minor">
-            <a:schemeClr val="lt1"/>
-          </a:fontRef>
-        </p:style>
-        <p:txBody>
-          <a:bodyPr wrap="square" rtlCol="0" anchor="ctr">
-            <a:noAutofit/>
-          </a:bodyPr>
-          <a:lstStyle/>
-          <a:p>
-            <a:pPr algn="ctr"/>
-            <a:endParaRPr lang="en-US"/>
-          </a:p>
-        </p:txBody>
-      </p:sp>
-      <p:sp>
-        <p:nvSpPr>
-          <p:cNvPr id="3" name="Marcador de contenido 2">
-            <a:extLst>
-              <a:ext uri="{FF2B5EF4-FFF2-40B4-BE49-F238E27FC236}">
-                <a16:creationId xmlns:a16="http://schemas.microsoft.com/office/drawing/2014/main" id="{4E7FA971-7E34-4F3F-8C7B-A5E5CB6BBA52}"/>
-              </a:ext>
-            </a:extLst>
-          </p:cNvPr>
-          <p:cNvSpPr>
-            <a:spLocks noGrp="1"/>
-          </p:cNvSpPr>
-          <p:nvPr>
-            <p:ph idx="1"/>
-          </p:nvPr>
-        </p:nvSpPr>
-        <p:spPr>
-          <a:xfrm>
-            <a:off x="4751619" y="2620925"/>
-            <a:ext cx="3668014" cy="2471736"/>
-          </a:xfrm>
-        </p:spPr>
-        <p:txBody>
-          <a:bodyPr anchor="t">
-            <a:normAutofit fontScale="92500" lnSpcReduction="10000"/>
-          </a:bodyPr>
-          <a:lstStyle/>
-          <a:p>
-            <a:pPr marL="0" indent="0">
-              <a:buNone/>
-            </a:pPr>
-            <a:r>
-              <a:rPr lang="es-CL" sz="2400" dirty="0">
-                <a:solidFill>
-                  <a:schemeClr val="bg1"/>
-                </a:solidFill>
-              </a:rPr>
-              <a:t>Descarga de datos para resto de tipo de animales.</a:t>
-            </a:r>
-          </a:p>
-          <a:p>
-            <a:pPr marL="0" indent="0">
-              <a:buNone/>
-            </a:pPr>
-            <a:r>
-              <a:rPr lang="es-CL" sz="2400" dirty="0">
-                <a:solidFill>
-                  <a:schemeClr val="bg1"/>
-                </a:solidFill>
-              </a:rPr>
-              <a:t>Consolidar todas las regiones en 1 archivo.</a:t>
-            </a:r>
-          </a:p>
-          <a:p>
-            <a:pPr marL="0" indent="0">
-              <a:buNone/>
-            </a:pPr>
-            <a:r>
-              <a:rPr lang="es-CL" sz="2400" dirty="0">
-                <a:solidFill>
-                  <a:schemeClr val="bg1"/>
-                </a:solidFill>
-              </a:rPr>
-              <a:t>Comparar </a:t>
-            </a:r>
-            <a:r>
-              <a:rPr lang="es-CL" sz="2400" dirty="0" err="1">
-                <a:solidFill>
-                  <a:schemeClr val="bg1"/>
-                </a:solidFill>
-              </a:rPr>
-              <a:t>info</a:t>
-            </a:r>
-            <a:r>
-              <a:rPr lang="es-CL" sz="2400" dirty="0">
-                <a:solidFill>
-                  <a:schemeClr val="bg1"/>
-                </a:solidFill>
-              </a:rPr>
-              <a:t> con boletines.</a:t>
-            </a:r>
-          </a:p>
-          <a:p>
-            <a:pPr marL="0" indent="0">
-              <a:buNone/>
-            </a:pPr>
-            <a:r>
-              <a:rPr lang="es-CL" sz="2400" dirty="0">
-                <a:solidFill>
-                  <a:schemeClr val="bg1"/>
-                </a:solidFill>
-              </a:rPr>
-              <a:t>Cruzar información con encuestas ganaderas</a:t>
-            </a:r>
-          </a:p>
-        </p:txBody>
-      </p:sp>
-      <p:pic>
-        <p:nvPicPr>
-          <p:cNvPr id="4" name="Imagen 3">
-            <a:extLst>
-              <a:ext uri="{FF2B5EF4-FFF2-40B4-BE49-F238E27FC236}">
-                <a16:creationId xmlns:a16="http://schemas.microsoft.com/office/drawing/2014/main" id="{F9BE9374-A09A-46CC-95A0-304B82FD680A}"/>
-              </a:ext>
-            </a:extLst>
-          </p:cNvPr>
-          <p:cNvPicPr>
-            <a:picLocks noChangeAspect="1"/>
-          </p:cNvPicPr>
-          <p:nvPr/>
-        </p:nvPicPr>
-        <p:blipFill>
-          <a:blip r:embed="rId2"/>
-          <a:stretch>
-            <a:fillRect/>
-          </a:stretch>
-        </p:blipFill>
-        <p:spPr>
-          <a:xfrm>
-            <a:off x="117637" y="1828688"/>
-            <a:ext cx="4289380" cy="4763498"/>
-          </a:xfrm>
-          <a:prstGeom prst="rect">
-            <a:avLst/>
-          </a:prstGeom>
-        </p:spPr>
-      </p:pic>
-    </p:spTree>
-    <p:extLst>
-      <p:ext uri="{BB962C8B-B14F-4D97-AF65-F5344CB8AC3E}">
-        <p14:creationId xmlns:p14="http://schemas.microsoft.com/office/powerpoint/2010/main" val="612112094"/>
       </p:ext>
     </p:extLst>
   </p:cSld>

--- a/Repositorio Agricultura/Chile/Estadísticas económicas/Precios anuales y frutas/Indicaciones_BD_anuales_frutas.pptx
+++ b/Repositorio Agricultura/Chile/Estadísticas económicas/Precios anuales y frutas/Indicaciones_BD_anuales_frutas.pptx
@@ -7,7 +7,8 @@
   <p:sldIdLst>
     <p:sldId id="256" r:id="rId2"/>
     <p:sldId id="257" r:id="rId3"/>
-    <p:sldId id="264" r:id="rId4"/>
+    <p:sldId id="268" r:id="rId4"/>
+    <p:sldId id="265" r:id="rId5"/>
   </p:sldIdLst>
   <p:sldSz cx="12192000" cy="6858000"/>
   <p:notesSz cx="6858000" cy="9144000"/>
@@ -106,6 +107,11 @@
       </a:defRPr>
     </a:lvl9pPr>
   </p:defaultTextStyle>
+  <p:extLst>
+    <p:ext uri="{EFAFB233-063F-42B5-8137-9DF3F51BA10A}">
+      <p15:sldGuideLst xmlns:p15="http://schemas.microsoft.com/office/powerpoint/2012/main"/>
+    </p:ext>
+  </p:extLst>
 </p:presentation>
 </file>
 
@@ -258,7 +264,7 @@
           <a:p>
             <a:fld id="{F8F163EA-289A-4E02-A13A-18956741386B}" type="datetimeFigureOut">
               <a:rPr lang="es-CL" smtClean="0"/>
-              <a:t>11-11-2020</a:t>
+              <a:t>12-11-2020</a:t>
             </a:fld>
             <a:endParaRPr lang="es-CL"/>
           </a:p>
@@ -458,7 +464,7 @@
           <a:p>
             <a:fld id="{F8F163EA-289A-4E02-A13A-18956741386B}" type="datetimeFigureOut">
               <a:rPr lang="es-CL" smtClean="0"/>
-              <a:t>11-11-2020</a:t>
+              <a:t>12-11-2020</a:t>
             </a:fld>
             <a:endParaRPr lang="es-CL"/>
           </a:p>
@@ -668,7 +674,7 @@
           <a:p>
             <a:fld id="{F8F163EA-289A-4E02-A13A-18956741386B}" type="datetimeFigureOut">
               <a:rPr lang="es-CL" smtClean="0"/>
-              <a:t>11-11-2020</a:t>
+              <a:t>12-11-2020</a:t>
             </a:fld>
             <a:endParaRPr lang="es-CL"/>
           </a:p>
@@ -868,7 +874,7 @@
           <a:p>
             <a:fld id="{F8F163EA-289A-4E02-A13A-18956741386B}" type="datetimeFigureOut">
               <a:rPr lang="es-CL" smtClean="0"/>
-              <a:t>11-11-2020</a:t>
+              <a:t>12-11-2020</a:t>
             </a:fld>
             <a:endParaRPr lang="es-CL"/>
           </a:p>
@@ -1144,7 +1150,7 @@
           <a:p>
             <a:fld id="{F8F163EA-289A-4E02-A13A-18956741386B}" type="datetimeFigureOut">
               <a:rPr lang="es-CL" smtClean="0"/>
-              <a:t>11-11-2020</a:t>
+              <a:t>12-11-2020</a:t>
             </a:fld>
             <a:endParaRPr lang="es-CL"/>
           </a:p>
@@ -1412,7 +1418,7 @@
           <a:p>
             <a:fld id="{F8F163EA-289A-4E02-A13A-18956741386B}" type="datetimeFigureOut">
               <a:rPr lang="es-CL" smtClean="0"/>
-              <a:t>11-11-2020</a:t>
+              <a:t>12-11-2020</a:t>
             </a:fld>
             <a:endParaRPr lang="es-CL"/>
           </a:p>
@@ -1827,7 +1833,7 @@
           <a:p>
             <a:fld id="{F8F163EA-289A-4E02-A13A-18956741386B}" type="datetimeFigureOut">
               <a:rPr lang="es-CL" smtClean="0"/>
-              <a:t>11-11-2020</a:t>
+              <a:t>12-11-2020</a:t>
             </a:fld>
             <a:endParaRPr lang="es-CL"/>
           </a:p>
@@ -1969,7 +1975,7 @@
           <a:p>
             <a:fld id="{F8F163EA-289A-4E02-A13A-18956741386B}" type="datetimeFigureOut">
               <a:rPr lang="es-CL" smtClean="0"/>
-              <a:t>11-11-2020</a:t>
+              <a:t>12-11-2020</a:t>
             </a:fld>
             <a:endParaRPr lang="es-CL"/>
           </a:p>
@@ -2082,7 +2088,7 @@
           <a:p>
             <a:fld id="{F8F163EA-289A-4E02-A13A-18956741386B}" type="datetimeFigureOut">
               <a:rPr lang="es-CL" smtClean="0"/>
-              <a:t>11-11-2020</a:t>
+              <a:t>12-11-2020</a:t>
             </a:fld>
             <a:endParaRPr lang="es-CL"/>
           </a:p>
@@ -2395,7 +2401,7 @@
           <a:p>
             <a:fld id="{F8F163EA-289A-4E02-A13A-18956741386B}" type="datetimeFigureOut">
               <a:rPr lang="es-CL" smtClean="0"/>
-              <a:t>11-11-2020</a:t>
+              <a:t>12-11-2020</a:t>
             </a:fld>
             <a:endParaRPr lang="es-CL"/>
           </a:p>
@@ -2684,7 +2690,7 @@
           <a:p>
             <a:fld id="{F8F163EA-289A-4E02-A13A-18956741386B}" type="datetimeFigureOut">
               <a:rPr lang="es-CL" smtClean="0"/>
-              <a:t>11-11-2020</a:t>
+              <a:t>12-11-2020</a:t>
             </a:fld>
             <a:endParaRPr lang="es-CL"/>
           </a:p>
@@ -2927,7 +2933,7 @@
           <a:p>
             <a:fld id="{F8F163EA-289A-4E02-A13A-18956741386B}" type="datetimeFigureOut">
               <a:rPr lang="es-CL" smtClean="0"/>
-              <a:t>11-11-2020</a:t>
+              <a:t>12-11-2020</a:t>
             </a:fld>
             <a:endParaRPr lang="es-CL"/>
           </a:p>
@@ -4542,7 +4548,7 @@
           <a:p>
             <a:r>
               <a:rPr lang="es-CL" dirty="0"/>
-              <a:t>Pendiente: Automatizar bajada de datos (boletines diarios). No existe base de datos de boletines anteriores!!</a:t>
+              <a:t>Pendiente: Automatizar bajada de datos (boletines diarios). No existe base de datos de boletines anteriores!!.</a:t>
             </a:r>
           </a:p>
         </p:txBody>
@@ -4577,7 +4583,7 @@
           <a:p>
             <a:r>
               <a:rPr lang="es-CL" dirty="0"/>
-              <a:t>Boletines de precio semanales (disponibles de enero 2019 a 3 noviembre 2020)</a:t>
+              <a:t>Boletines de precio diarios </a:t>
             </a:r>
           </a:p>
         </p:txBody>
@@ -4702,44 +4708,42 @@
           <a:chExt cx="0" cy="0"/>
         </a:xfrm>
       </p:grpSpPr>
-      <p:sp>
-        <p:nvSpPr>
-          <p:cNvPr id="2" name="Título 1">
-            <a:extLst>
-              <a:ext uri="{FF2B5EF4-FFF2-40B4-BE49-F238E27FC236}">
-                <a16:creationId xmlns:a16="http://schemas.microsoft.com/office/drawing/2014/main" id="{4DD04E3A-1598-4640-B664-9C03D857753C}"/>
-              </a:ext>
-            </a:extLst>
-          </p:cNvPr>
-          <p:cNvSpPr>
-            <a:spLocks noGrp="1"/>
-          </p:cNvSpPr>
-          <p:nvPr>
-            <p:ph type="title"/>
-          </p:nvPr>
-        </p:nvSpPr>
+      <p:pic>
+        <p:nvPicPr>
+          <p:cNvPr id="4" name="Imagen 3">
+            <a:extLst>
+              <a:ext uri="{FF2B5EF4-FFF2-40B4-BE49-F238E27FC236}">
+                <a16:creationId xmlns:a16="http://schemas.microsoft.com/office/drawing/2014/main" id="{7F398FEF-0860-4164-BEF1-47B54388A177}"/>
+              </a:ext>
+            </a:extLst>
+          </p:cNvPr>
+          <p:cNvPicPr>
+            <a:picLocks noChangeAspect="1"/>
+          </p:cNvPicPr>
+          <p:nvPr/>
+        </p:nvPicPr>
+        <p:blipFill>
+          <a:blip r:embed="rId2"/>
+          <a:stretch>
+            <a:fillRect/>
+          </a:stretch>
+        </p:blipFill>
         <p:spPr>
           <a:xfrm>
-            <a:off x="1653363" y="365760"/>
-            <a:ext cx="9367203" cy="1188720"/>
+            <a:off x="649244" y="1074549"/>
+            <a:ext cx="5896240" cy="3107901"/>
           </a:xfrm>
+          <a:prstGeom prst="rect">
+            <a:avLst/>
+          </a:prstGeom>
         </p:spPr>
-        <p:txBody>
-          <a:bodyPr>
-            <a:normAutofit/>
-          </a:bodyPr>
-          <a:lstStyle/>
-          <a:p>
-            <a:endParaRPr lang="es-CL"/>
-          </a:p>
-        </p:txBody>
-      </p:sp>
-      <p:sp>
-        <p:nvSpPr>
-          <p:cNvPr id="8" name="Freeform: Shape 7">
-            <a:extLst>
-              <a:ext uri="{FF2B5EF4-FFF2-40B4-BE49-F238E27FC236}">
-                <a16:creationId xmlns:a16="http://schemas.microsoft.com/office/drawing/2014/main" id="{7CB4857B-ED7C-444D-9F04-2F885114A1C2}"/>
+      </p:pic>
+      <p:sp>
+        <p:nvSpPr>
+          <p:cNvPr id="24" name="Freeform: Shape 23">
+            <a:extLst>
+              <a:ext uri="{FF2B5EF4-FFF2-40B4-BE49-F238E27FC236}">
+                <a16:creationId xmlns:a16="http://schemas.microsoft.com/office/drawing/2014/main" id="{F60FCA6E-0894-46CD-BD49-5955A51E0084}"/>
               </a:ext>
               <a:ext uri="{C183D7F6-B498-43B3-948B-1728B52AA6E4}">
                 <adec:decorative xmlns:adec="http://schemas.microsoft.com/office/drawing/2017/decorative" val="1"/>
@@ -4759,20 +4763,32 @@
         </p:nvSpPr>
         <p:spPr>
           <a:xfrm>
-            <a:off x="1" y="0"/>
-            <a:ext cx="1764099" cy="1558212"/>
+            <a:off x="6831955" y="5346696"/>
+            <a:ext cx="5360045" cy="1511304"/>
           </a:xfrm>
           <a:custGeom>
             <a:avLst/>
             <a:gdLst>
-              <a:gd name="connsiteX0" fmla="*/ 0 w 1764099"/>
-              <a:gd name="connsiteY0" fmla="*/ 0 h 1558212"/>
-              <a:gd name="connsiteX1" fmla="*/ 1764099 w 1764099"/>
-              <a:gd name="connsiteY1" fmla="*/ 0 h 1558212"/>
-              <a:gd name="connsiteX2" fmla="*/ 1042087 w 1764099"/>
-              <a:gd name="connsiteY2" fmla="*/ 1558212 h 1558212"/>
-              <a:gd name="connsiteX3" fmla="*/ 0 w 1764099"/>
-              <a:gd name="connsiteY3" fmla="*/ 1558212 h 1558212"/>
+              <a:gd name="connsiteX0" fmla="*/ 4545473 w 5360045"/>
+              <a:gd name="connsiteY0" fmla="*/ 0 h 1511304"/>
+              <a:gd name="connsiteX1" fmla="*/ 5360045 w 5360045"/>
+              <a:gd name="connsiteY1" fmla="*/ 0 h 1511304"/>
+              <a:gd name="connsiteX2" fmla="*/ 5360045 w 5360045"/>
+              <a:gd name="connsiteY2" fmla="*/ 1046730 h 1511304"/>
+              <a:gd name="connsiteX3" fmla="*/ 5360045 w 5360045"/>
+              <a:gd name="connsiteY3" fmla="*/ 1508760 h 1511304"/>
+              <a:gd name="connsiteX4" fmla="*/ 5360045 w 5360045"/>
+              <a:gd name="connsiteY4" fmla="*/ 1511304 h 1511304"/>
+              <a:gd name="connsiteX5" fmla="*/ 4545474 w 5360045"/>
+              <a:gd name="connsiteY5" fmla="*/ 1511304 h 1511304"/>
+              <a:gd name="connsiteX6" fmla="*/ 2525897 w 5360045"/>
+              <a:gd name="connsiteY6" fmla="*/ 1511304 h 1511304"/>
+              <a:gd name="connsiteX7" fmla="*/ 0 w 5360045"/>
+              <a:gd name="connsiteY7" fmla="*/ 1511304 h 1511304"/>
+              <a:gd name="connsiteX8" fmla="*/ 697617 w 5360045"/>
+              <a:gd name="connsiteY8" fmla="*/ 3 h 1511304"/>
+              <a:gd name="connsiteX9" fmla="*/ 4545473 w 5360045"/>
+              <a:gd name="connsiteY9" fmla="*/ 3 h 1511304"/>
             </a:gdLst>
             <a:ahLst/>
             <a:cxnLst>
@@ -4788,289 +4804,65 @@
               <a:cxn ang="0">
                 <a:pos x="connsiteX3" y="connsiteY3"/>
               </a:cxn>
+              <a:cxn ang="0">
+                <a:pos x="connsiteX4" y="connsiteY4"/>
+              </a:cxn>
+              <a:cxn ang="0">
+                <a:pos x="connsiteX5" y="connsiteY5"/>
+              </a:cxn>
+              <a:cxn ang="0">
+                <a:pos x="connsiteX6" y="connsiteY6"/>
+              </a:cxn>
+              <a:cxn ang="0">
+                <a:pos x="connsiteX7" y="connsiteY7"/>
+              </a:cxn>
+              <a:cxn ang="0">
+                <a:pos x="connsiteX8" y="connsiteY8"/>
+              </a:cxn>
+              <a:cxn ang="0">
+                <a:pos x="connsiteX9" y="connsiteY9"/>
+              </a:cxn>
             </a:cxnLst>
             <a:rect l="l" t="t" r="r" b="b"/>
             <a:pathLst>
-              <a:path w="1764099" h="1558212">
+              <a:path w="5360045" h="1511304">
                 <a:moveTo>
-                  <a:pt x="0" y="0"/>
+                  <a:pt x="4545473" y="0"/>
                 </a:moveTo>
                 <a:lnTo>
-                  <a:pt x="1764099" y="0"/>
-                </a:lnTo>
-                <a:lnTo>
-                  <a:pt x="1042087" y="1558212"/>
-                </a:lnTo>
-                <a:lnTo>
-                  <a:pt x="0" y="1558212"/>
+                  <a:pt x="5360045" y="0"/>
+                </a:lnTo>
+                <a:lnTo>
+                  <a:pt x="5360045" y="1046730"/>
+                </a:lnTo>
+                <a:lnTo>
+                  <a:pt x="5360045" y="1508760"/>
+                </a:lnTo>
+                <a:lnTo>
+                  <a:pt x="5360045" y="1511304"/>
+                </a:lnTo>
+                <a:lnTo>
+                  <a:pt x="4545474" y="1511304"/>
+                </a:lnTo>
+                <a:lnTo>
+                  <a:pt x="2525897" y="1511304"/>
+                </a:lnTo>
+                <a:lnTo>
+                  <a:pt x="0" y="1511304"/>
+                </a:lnTo>
+                <a:lnTo>
+                  <a:pt x="697617" y="3"/>
+                </a:lnTo>
+                <a:lnTo>
+                  <a:pt x="4545473" y="3"/>
                 </a:lnTo>
                 <a:close/>
               </a:path>
             </a:pathLst>
           </a:custGeom>
           <a:solidFill>
-            <a:schemeClr val="accent4"/>
-          </a:solidFill>
-          <a:ln>
-            <a:noFill/>
-          </a:ln>
-        </p:spPr>
-        <p:style>
-          <a:lnRef idx="2">
-            <a:schemeClr val="accent1">
-              <a:shade val="50000"/>
-            </a:schemeClr>
-          </a:lnRef>
-          <a:fillRef idx="1">
-            <a:schemeClr val="accent1"/>
-          </a:fillRef>
-          <a:effectRef idx="0">
-            <a:schemeClr val="accent1"/>
-          </a:effectRef>
-          <a:fontRef idx="minor">
-            <a:schemeClr val="lt1"/>
-          </a:fontRef>
-        </p:style>
-        <p:txBody>
-          <a:bodyPr wrap="square" rtlCol="0" anchor="ctr">
-            <a:noAutofit/>
-          </a:bodyPr>
-          <a:lstStyle/>
-          <a:p>
-            <a:pPr algn="ctr"/>
-            <a:endParaRPr lang="en-US"/>
-          </a:p>
-        </p:txBody>
-      </p:sp>
-      <p:sp>
-        <p:nvSpPr>
-          <p:cNvPr id="10" name="Freeform: Shape 9">
-            <a:extLst>
-              <a:ext uri="{FF2B5EF4-FFF2-40B4-BE49-F238E27FC236}">
-                <a16:creationId xmlns:a16="http://schemas.microsoft.com/office/drawing/2014/main" id="{D18046FB-44EA-4FD8-A585-EA09A319B2D0}"/>
-              </a:ext>
-              <a:ext uri="{C183D7F6-B498-43B3-948B-1728B52AA6E4}">
-                <adec:decorative xmlns:adec="http://schemas.microsoft.com/office/drawing/2017/decorative" val="1"/>
-              </a:ext>
-            </a:extLst>
-          </p:cNvPr>
-          <p:cNvSpPr>
-            <a:spLocks noGrp="1" noRot="1" noChangeAspect="1" noMove="1" noResize="1" noEditPoints="1" noAdjustHandles="1" noChangeArrowheads="1" noChangeShapeType="1" noTextEdit="1"/>
-          </p:cNvSpPr>
-          <p:nvPr>
-            <p:extLst>
-              <p:ext uri="{386F3935-93C4-4BCD-93E2-E3B085C9AB24}">
-                <p16:designElem xmlns:p16="http://schemas.microsoft.com/office/powerpoint/2015/main" val="1"/>
-              </p:ext>
-            </p:extLst>
-          </p:nvPr>
-        </p:nvSpPr>
-        <p:spPr>
-          <a:xfrm>
-            <a:off x="1" y="1691640"/>
-            <a:ext cx="12191999" cy="5166360"/>
-          </a:xfrm>
-          <a:custGeom>
-            <a:avLst/>
-            <a:gdLst>
-              <a:gd name="connsiteX0" fmla="*/ 0 w 12191999"/>
-              <a:gd name="connsiteY0" fmla="*/ 0 h 5166360"/>
-              <a:gd name="connsiteX1" fmla="*/ 1822388 w 12191999"/>
-              <a:gd name="connsiteY1" fmla="*/ 0 h 5166360"/>
-              <a:gd name="connsiteX2" fmla="*/ 6468290 w 12191999"/>
-              <a:gd name="connsiteY2" fmla="*/ 0 h 5166360"/>
-              <a:gd name="connsiteX3" fmla="*/ 7796394 w 12191999"/>
-              <a:gd name="connsiteY3" fmla="*/ 0 h 5166360"/>
-              <a:gd name="connsiteX4" fmla="*/ 8376834 w 12191999"/>
-              <a:gd name="connsiteY4" fmla="*/ 0 h 5166360"/>
-              <a:gd name="connsiteX5" fmla="*/ 9704938 w 12191999"/>
-              <a:gd name="connsiteY5" fmla="*/ 0 h 5166360"/>
-              <a:gd name="connsiteX6" fmla="*/ 9704938 w 12191999"/>
-              <a:gd name="connsiteY6" fmla="*/ 2 h 5166360"/>
-              <a:gd name="connsiteX7" fmla="*/ 10283456 w 12191999"/>
-              <a:gd name="connsiteY7" fmla="*/ 2 h 5166360"/>
-              <a:gd name="connsiteX8" fmla="*/ 10863897 w 12191999"/>
-              <a:gd name="connsiteY8" fmla="*/ 2 h 5166360"/>
-              <a:gd name="connsiteX9" fmla="*/ 12191999 w 12191999"/>
-              <a:gd name="connsiteY9" fmla="*/ 2 h 5166360"/>
-              <a:gd name="connsiteX10" fmla="*/ 12191999 w 12191999"/>
-              <a:gd name="connsiteY10" fmla="*/ 5166360 h 5166360"/>
-              <a:gd name="connsiteX11" fmla="*/ 0 w 12191999"/>
-              <a:gd name="connsiteY11" fmla="*/ 5166360 h 5166360"/>
-              <a:gd name="connsiteX12" fmla="*/ 0 w 12191999"/>
-              <a:gd name="connsiteY12" fmla="*/ 2604436 h 5166360"/>
-              <a:gd name="connsiteX13" fmla="*/ 862341 w 12191999"/>
-              <a:gd name="connsiteY13" fmla="*/ 743371 h 5166360"/>
-              <a:gd name="connsiteX14" fmla="*/ 0 w 12191999"/>
-              <a:gd name="connsiteY14" fmla="*/ 743371 h 5166360"/>
-              <a:gd name="connsiteX15" fmla="*/ 0 w 12191999"/>
-              <a:gd name="connsiteY15" fmla="*/ 742508 h 5166360"/>
-              <a:gd name="connsiteX16" fmla="*/ 92826 w 12191999"/>
-              <a:gd name="connsiteY16" fmla="*/ 742508 h 5166360"/>
-              <a:gd name="connsiteX17" fmla="*/ 406486 w 12191999"/>
-              <a:gd name="connsiteY17" fmla="*/ 742508 h 5166360"/>
-              <a:gd name="connsiteX18" fmla="*/ 406486 w 12191999"/>
-              <a:gd name="connsiteY18" fmla="*/ 742507 h 5166360"/>
-              <a:gd name="connsiteX19" fmla="*/ 862741 w 12191999"/>
-              <a:gd name="connsiteY19" fmla="*/ 742507 h 5166360"/>
-              <a:gd name="connsiteX20" fmla="*/ 1206388 w 12191999"/>
-              <a:gd name="connsiteY20" fmla="*/ 864 h 5166360"/>
-              <a:gd name="connsiteX21" fmla="*/ 748500 w 12191999"/>
-              <a:gd name="connsiteY21" fmla="*/ 864 h 5166360"/>
-              <a:gd name="connsiteX22" fmla="*/ 0 w 12191999"/>
-              <a:gd name="connsiteY22" fmla="*/ 864 h 5166360"/>
-            </a:gdLst>
-            <a:ahLst/>
-            <a:cxnLst>
-              <a:cxn ang="0">
-                <a:pos x="connsiteX0" y="connsiteY0"/>
-              </a:cxn>
-              <a:cxn ang="0">
-                <a:pos x="connsiteX1" y="connsiteY1"/>
-              </a:cxn>
-              <a:cxn ang="0">
-                <a:pos x="connsiteX2" y="connsiteY2"/>
-              </a:cxn>
-              <a:cxn ang="0">
-                <a:pos x="connsiteX3" y="connsiteY3"/>
-              </a:cxn>
-              <a:cxn ang="0">
-                <a:pos x="connsiteX4" y="connsiteY4"/>
-              </a:cxn>
-              <a:cxn ang="0">
-                <a:pos x="connsiteX5" y="connsiteY5"/>
-              </a:cxn>
-              <a:cxn ang="0">
-                <a:pos x="connsiteX6" y="connsiteY6"/>
-              </a:cxn>
-              <a:cxn ang="0">
-                <a:pos x="connsiteX7" y="connsiteY7"/>
-              </a:cxn>
-              <a:cxn ang="0">
-                <a:pos x="connsiteX8" y="connsiteY8"/>
-              </a:cxn>
-              <a:cxn ang="0">
-                <a:pos x="connsiteX9" y="connsiteY9"/>
-              </a:cxn>
-              <a:cxn ang="0">
-                <a:pos x="connsiteX10" y="connsiteY10"/>
-              </a:cxn>
-              <a:cxn ang="0">
-                <a:pos x="connsiteX11" y="connsiteY11"/>
-              </a:cxn>
-              <a:cxn ang="0">
-                <a:pos x="connsiteX12" y="connsiteY12"/>
-              </a:cxn>
-              <a:cxn ang="0">
-                <a:pos x="connsiteX13" y="connsiteY13"/>
-              </a:cxn>
-              <a:cxn ang="0">
-                <a:pos x="connsiteX14" y="connsiteY14"/>
-              </a:cxn>
-              <a:cxn ang="0">
-                <a:pos x="connsiteX15" y="connsiteY15"/>
-              </a:cxn>
-              <a:cxn ang="0">
-                <a:pos x="connsiteX16" y="connsiteY16"/>
-              </a:cxn>
-              <a:cxn ang="0">
-                <a:pos x="connsiteX17" y="connsiteY17"/>
-              </a:cxn>
-              <a:cxn ang="0">
-                <a:pos x="connsiteX18" y="connsiteY18"/>
-              </a:cxn>
-              <a:cxn ang="0">
-                <a:pos x="connsiteX19" y="connsiteY19"/>
-              </a:cxn>
-              <a:cxn ang="0">
-                <a:pos x="connsiteX20" y="connsiteY20"/>
-              </a:cxn>
-              <a:cxn ang="0">
-                <a:pos x="connsiteX21" y="connsiteY21"/>
-              </a:cxn>
-              <a:cxn ang="0">
-                <a:pos x="connsiteX22" y="connsiteY22"/>
-              </a:cxn>
-            </a:cxnLst>
-            <a:rect l="l" t="t" r="r" b="b"/>
-            <a:pathLst>
-              <a:path w="12191999" h="5166360">
-                <a:moveTo>
-                  <a:pt x="0" y="0"/>
-                </a:moveTo>
-                <a:lnTo>
-                  <a:pt x="1822388" y="0"/>
-                </a:lnTo>
-                <a:lnTo>
-                  <a:pt x="6468290" y="0"/>
-                </a:lnTo>
-                <a:lnTo>
-                  <a:pt x="7796394" y="0"/>
-                </a:lnTo>
-                <a:lnTo>
-                  <a:pt x="8376834" y="0"/>
-                </a:lnTo>
-                <a:lnTo>
-                  <a:pt x="9704938" y="0"/>
-                </a:lnTo>
-                <a:lnTo>
-                  <a:pt x="9704938" y="2"/>
-                </a:lnTo>
-                <a:lnTo>
-                  <a:pt x="10283456" y="2"/>
-                </a:lnTo>
-                <a:lnTo>
-                  <a:pt x="10863897" y="2"/>
-                </a:lnTo>
-                <a:lnTo>
-                  <a:pt x="12191999" y="2"/>
-                </a:lnTo>
-                <a:lnTo>
-                  <a:pt x="12191999" y="5166360"/>
-                </a:lnTo>
-                <a:lnTo>
-                  <a:pt x="0" y="5166360"/>
-                </a:lnTo>
-                <a:lnTo>
-                  <a:pt x="0" y="2604436"/>
-                </a:lnTo>
-                <a:lnTo>
-                  <a:pt x="862341" y="743371"/>
-                </a:lnTo>
-                <a:lnTo>
-                  <a:pt x="0" y="743371"/>
-                </a:lnTo>
-                <a:lnTo>
-                  <a:pt x="0" y="742508"/>
-                </a:lnTo>
-                <a:lnTo>
-                  <a:pt x="92826" y="742508"/>
-                </a:lnTo>
-                <a:lnTo>
-                  <a:pt x="406486" y="742508"/>
-                </a:lnTo>
-                <a:lnTo>
-                  <a:pt x="406486" y="742507"/>
-                </a:lnTo>
-                <a:lnTo>
-                  <a:pt x="862741" y="742507"/>
-                </a:lnTo>
-                <a:lnTo>
-                  <a:pt x="1206388" y="864"/>
-                </a:lnTo>
-                <a:lnTo>
-                  <a:pt x="748500" y="864"/>
-                </a:lnTo>
-                <a:lnTo>
-                  <a:pt x="0" y="864"/>
-                </a:lnTo>
-                <a:close/>
-              </a:path>
-            </a:pathLst>
-          </a:custGeom>
-          <a:solidFill>
-            <a:srgbClr val="A6A6A6">
-              <a:alpha val="49804"/>
+            <a:srgbClr val="404040">
+              <a:alpha val="84706"/>
             </a:srgbClr>
           </a:solidFill>
           <a:ln>
@@ -5106,10 +4898,10 @@
       </p:sp>
       <p:sp>
         <p:nvSpPr>
-          <p:cNvPr id="12" name="Freeform: Shape 11">
-            <a:extLst>
-              <a:ext uri="{FF2B5EF4-FFF2-40B4-BE49-F238E27FC236}">
-                <a16:creationId xmlns:a16="http://schemas.microsoft.com/office/drawing/2014/main" id="{479F5F2B-8B58-4140-AE6A-51F6C67B18D9}"/>
+          <p:cNvPr id="26" name="Freeform: Shape 25">
+            <a:extLst>
+              <a:ext uri="{FF2B5EF4-FFF2-40B4-BE49-F238E27FC236}">
+                <a16:creationId xmlns:a16="http://schemas.microsoft.com/office/drawing/2014/main" id="{E78C6E4B-A1F1-4B6C-97EC-BE997495D6AC}"/>
               </a:ext>
               <a:ext uri="{C183D7F6-B498-43B3-948B-1728B52AA6E4}">
                 <adec:decorative xmlns:adec="http://schemas.microsoft.com/office/drawing/2017/decorative" val="1"/>
@@ -5129,18 +4921,48 @@
         </p:nvSpPr>
         <p:spPr>
           <a:xfrm>
-            <a:off x="0" y="1691641"/>
-            <a:ext cx="971654" cy="2096979"/>
+            <a:off x="0" y="5346694"/>
+            <a:ext cx="7346605" cy="1511306"/>
           </a:xfrm>
           <a:custGeom>
             <a:avLst/>
             <a:gdLst>
-              <a:gd name="connsiteX0" fmla="*/ 0 w 971654"/>
-              <a:gd name="connsiteY0" fmla="*/ 0 h 2096979"/>
-              <a:gd name="connsiteX1" fmla="*/ 971654 w 971654"/>
-              <a:gd name="connsiteY1" fmla="*/ 0 h 2096979"/>
-              <a:gd name="connsiteX2" fmla="*/ 0 w 971654"/>
-              <a:gd name="connsiteY2" fmla="*/ 2096979 h 2096979"/>
+              <a:gd name="connsiteX0" fmla="*/ 0 w 7346605"/>
+              <a:gd name="connsiteY0" fmla="*/ 0 h 1511306"/>
+              <a:gd name="connsiteX1" fmla="*/ 239486 w 7346605"/>
+              <a:gd name="connsiteY1" fmla="*/ 0 h 1511306"/>
+              <a:gd name="connsiteX2" fmla="*/ 1209568 w 7346605"/>
+              <a:gd name="connsiteY2" fmla="*/ 0 h 1511306"/>
+              <a:gd name="connsiteX3" fmla="*/ 2405743 w 7346605"/>
+              <a:gd name="connsiteY3" fmla="*/ 0 h 1511306"/>
+              <a:gd name="connsiteX4" fmla="*/ 2405743 w 7346605"/>
+              <a:gd name="connsiteY4" fmla="*/ 2544 h 1511306"/>
+              <a:gd name="connsiteX5" fmla="*/ 2801131 w 7346605"/>
+              <a:gd name="connsiteY5" fmla="*/ 2544 h 1511306"/>
+              <a:gd name="connsiteX6" fmla="*/ 2801131 w 7346605"/>
+              <a:gd name="connsiteY6" fmla="*/ 0 h 1511306"/>
+              <a:gd name="connsiteX7" fmla="*/ 7346605 w 7346605"/>
+              <a:gd name="connsiteY7" fmla="*/ 0 h 1511306"/>
+              <a:gd name="connsiteX8" fmla="*/ 6648988 w 7346605"/>
+              <a:gd name="connsiteY8" fmla="*/ 1511301 h 1511306"/>
+              <a:gd name="connsiteX9" fmla="*/ 2801132 w 7346605"/>
+              <a:gd name="connsiteY9" fmla="*/ 1511301 h 1511306"/>
+              <a:gd name="connsiteX10" fmla="*/ 2801132 w 7346605"/>
+              <a:gd name="connsiteY10" fmla="*/ 1511304 h 1511306"/>
+              <a:gd name="connsiteX11" fmla="*/ 2405743 w 7346605"/>
+              <a:gd name="connsiteY11" fmla="*/ 1511304 h 1511306"/>
+              <a:gd name="connsiteX12" fmla="*/ 2405743 w 7346605"/>
+              <a:gd name="connsiteY12" fmla="*/ 1511306 h 1511306"/>
+              <a:gd name="connsiteX13" fmla="*/ 1333411 w 7346605"/>
+              <a:gd name="connsiteY13" fmla="*/ 1511306 h 1511306"/>
+              <a:gd name="connsiteX14" fmla="*/ 1219208 w 7346605"/>
+              <a:gd name="connsiteY14" fmla="*/ 1511306 h 1511306"/>
+              <a:gd name="connsiteX15" fmla="*/ 1209568 w 7346605"/>
+              <a:gd name="connsiteY15" fmla="*/ 1511306 h 1511306"/>
+              <a:gd name="connsiteX16" fmla="*/ 239486 w 7346605"/>
+              <a:gd name="connsiteY16" fmla="*/ 1511306 h 1511306"/>
+              <a:gd name="connsiteX17" fmla="*/ 0 w 7346605"/>
+              <a:gd name="connsiteY17" fmla="*/ 1511306 h 1511306"/>
             </a:gdLst>
             <a:ahLst/>
             <a:cxnLst>
@@ -5153,25 +4975,115 @@
               <a:cxn ang="0">
                 <a:pos x="connsiteX2" y="connsiteY2"/>
               </a:cxn>
+              <a:cxn ang="0">
+                <a:pos x="connsiteX3" y="connsiteY3"/>
+              </a:cxn>
+              <a:cxn ang="0">
+                <a:pos x="connsiteX4" y="connsiteY4"/>
+              </a:cxn>
+              <a:cxn ang="0">
+                <a:pos x="connsiteX5" y="connsiteY5"/>
+              </a:cxn>
+              <a:cxn ang="0">
+                <a:pos x="connsiteX6" y="connsiteY6"/>
+              </a:cxn>
+              <a:cxn ang="0">
+                <a:pos x="connsiteX7" y="connsiteY7"/>
+              </a:cxn>
+              <a:cxn ang="0">
+                <a:pos x="connsiteX8" y="connsiteY8"/>
+              </a:cxn>
+              <a:cxn ang="0">
+                <a:pos x="connsiteX9" y="connsiteY9"/>
+              </a:cxn>
+              <a:cxn ang="0">
+                <a:pos x="connsiteX10" y="connsiteY10"/>
+              </a:cxn>
+              <a:cxn ang="0">
+                <a:pos x="connsiteX11" y="connsiteY11"/>
+              </a:cxn>
+              <a:cxn ang="0">
+                <a:pos x="connsiteX12" y="connsiteY12"/>
+              </a:cxn>
+              <a:cxn ang="0">
+                <a:pos x="connsiteX13" y="connsiteY13"/>
+              </a:cxn>
+              <a:cxn ang="0">
+                <a:pos x="connsiteX14" y="connsiteY14"/>
+              </a:cxn>
+              <a:cxn ang="0">
+                <a:pos x="connsiteX15" y="connsiteY15"/>
+              </a:cxn>
+              <a:cxn ang="0">
+                <a:pos x="connsiteX16" y="connsiteY16"/>
+              </a:cxn>
+              <a:cxn ang="0">
+                <a:pos x="connsiteX17" y="connsiteY17"/>
+              </a:cxn>
             </a:cxnLst>
             <a:rect l="l" t="t" r="r" b="b"/>
             <a:pathLst>
-              <a:path w="971654" h="2096979">
+              <a:path w="7346605" h="1511306">
                 <a:moveTo>
                   <a:pt x="0" y="0"/>
                 </a:moveTo>
                 <a:lnTo>
-                  <a:pt x="971654" y="0"/>
-                </a:lnTo>
-                <a:lnTo>
-                  <a:pt x="0" y="2096979"/>
+                  <a:pt x="239486" y="0"/>
+                </a:lnTo>
+                <a:lnTo>
+                  <a:pt x="1209568" y="0"/>
+                </a:lnTo>
+                <a:lnTo>
+                  <a:pt x="2405743" y="0"/>
+                </a:lnTo>
+                <a:lnTo>
+                  <a:pt x="2405743" y="2544"/>
+                </a:lnTo>
+                <a:lnTo>
+                  <a:pt x="2801131" y="2544"/>
+                </a:lnTo>
+                <a:lnTo>
+                  <a:pt x="2801131" y="0"/>
+                </a:lnTo>
+                <a:lnTo>
+                  <a:pt x="7346605" y="0"/>
+                </a:lnTo>
+                <a:lnTo>
+                  <a:pt x="6648988" y="1511301"/>
+                </a:lnTo>
+                <a:lnTo>
+                  <a:pt x="2801132" y="1511301"/>
+                </a:lnTo>
+                <a:lnTo>
+                  <a:pt x="2801132" y="1511304"/>
+                </a:lnTo>
+                <a:lnTo>
+                  <a:pt x="2405743" y="1511304"/>
+                </a:lnTo>
+                <a:lnTo>
+                  <a:pt x="2405743" y="1511306"/>
+                </a:lnTo>
+                <a:lnTo>
+                  <a:pt x="1333411" y="1511306"/>
+                </a:lnTo>
+                <a:lnTo>
+                  <a:pt x="1219208" y="1511306"/>
+                </a:lnTo>
+                <a:lnTo>
+                  <a:pt x="1209568" y="1511306"/>
+                </a:lnTo>
+                <a:lnTo>
+                  <a:pt x="239486" y="1511306"/>
+                </a:lnTo>
+                <a:lnTo>
+                  <a:pt x="0" y="1511306"/>
                 </a:lnTo>
                 <a:close/>
               </a:path>
             </a:pathLst>
           </a:custGeom>
           <a:solidFill>
-            <a:srgbClr val="404040"/>
+            <a:srgbClr val="D0CECE"/>
           </a:solidFill>
           <a:ln>
             <a:noFill/>
@@ -5194,13 +5106,17 @@
           </a:fontRef>
         </p:style>
         <p:txBody>
-          <a:bodyPr wrap="square" rtlCol="0" anchor="ctr">
-            <a:noAutofit/>
-          </a:bodyPr>
+          <a:bodyPr rtlCol="0" anchor="ctr"/>
           <a:lstStyle/>
           <a:p>
             <a:pPr algn="ctr"/>
-            <a:endParaRPr lang="en-US"/>
+            <a:endParaRPr lang="en-US">
+              <a:solidFill>
+                <a:schemeClr val="bg1">
+                  <a:lumMod val="95000"/>
+                </a:schemeClr>
+              </a:solidFill>
+            </a:endParaRPr>
           </a:p>
         </p:txBody>
       </p:sp>
@@ -5209,7 +5125,7 @@
           <p:cNvPr id="3" name="Marcador de contenido 2">
             <a:extLst>
               <a:ext uri="{FF2B5EF4-FFF2-40B4-BE49-F238E27FC236}">
-                <a16:creationId xmlns:a16="http://schemas.microsoft.com/office/drawing/2014/main" id="{99092B10-45EB-4B62-A453-BEDCFB53228C}"/>
+                <a16:creationId xmlns:a16="http://schemas.microsoft.com/office/drawing/2014/main" id="{220536A0-E89C-434A-8CF8-34DC49031D81}"/>
               </a:ext>
             </a:extLst>
           </p:cNvPr>
@@ -5222,19 +5138,226 @@
         </p:nvSpPr>
         <p:spPr>
           <a:xfrm>
-            <a:off x="1653363" y="2176272"/>
-            <a:ext cx="9367204" cy="4041648"/>
+            <a:off x="7534655" y="601315"/>
+            <a:ext cx="4008101" cy="4384342"/>
           </a:xfrm>
         </p:spPr>
         <p:txBody>
-          <a:bodyPr anchor="t">
+          <a:bodyPr anchor="ctr">
             <a:normAutofit/>
           </a:bodyPr>
           <a:lstStyle/>
           <a:p>
-            <a:r>
-              <a:rPr lang="es-CL" sz="2400" dirty="0"/>
-              <a:t>Se debe ir </a:t>
+            <a:pPr marL="0" indent="0">
+              <a:buNone/>
+            </a:pPr>
+            <a:r>
+              <a:rPr lang="es-CL" sz="2000" dirty="0">
+                <a:hlinkClick r:id="rId3"/>
+              </a:rPr>
+              <a:t>https://www.odepa.gob.cl/publicaciones/boletines/boletin-diario-de-precios-y-volumenes-de-frutas-en-mercados-mayoristas</a:t>
+            </a:r>
+            <a:r>
+              <a:rPr lang="es-CL" sz="2000" dirty="0"/>
+              <a:t> </a:t>
+            </a:r>
+          </a:p>
+        </p:txBody>
+      </p:sp>
+      <p:sp>
+        <p:nvSpPr>
+          <p:cNvPr id="6" name="CuadroTexto 5">
+            <a:extLst>
+              <a:ext uri="{FF2B5EF4-FFF2-40B4-BE49-F238E27FC236}">
+                <a16:creationId xmlns:a16="http://schemas.microsoft.com/office/drawing/2014/main" id="{6A7678C0-B7EA-481A-BECB-49BE176B2BE7}"/>
+              </a:ext>
+            </a:extLst>
+          </p:cNvPr>
+          <p:cNvSpPr txBox="1"/>
+          <p:nvPr/>
+        </p:nvSpPr>
+        <p:spPr>
+          <a:xfrm>
+            <a:off x="7534655" y="3616772"/>
+            <a:ext cx="3643311" cy="1200329"/>
+          </a:xfrm>
+          <a:prstGeom prst="rect">
+            <a:avLst/>
+          </a:prstGeom>
+          <a:solidFill>
+            <a:srgbClr val="FFC000"/>
+          </a:solidFill>
+        </p:spPr>
+        <p:txBody>
+          <a:bodyPr wrap="square" rtlCol="0">
+            <a:spAutoFit/>
+          </a:bodyPr>
+          <a:lstStyle/>
+          <a:p>
+            <a:r>
+              <a:rPr lang="es-CL" dirty="0"/>
+              <a:t>Pendiente: Automatizar bajada de datos (boletines diarios). No existe base de datos de boletines anteriores!!.</a:t>
+            </a:r>
+          </a:p>
+        </p:txBody>
+      </p:sp>
+      <p:sp>
+        <p:nvSpPr>
+          <p:cNvPr id="7" name="CuadroTexto 6">
+            <a:extLst>
+              <a:ext uri="{FF2B5EF4-FFF2-40B4-BE49-F238E27FC236}">
+                <a16:creationId xmlns:a16="http://schemas.microsoft.com/office/drawing/2014/main" id="{C4FF407A-37F0-4E82-8D48-20EB4408C53A}"/>
+              </a:ext>
+            </a:extLst>
+          </p:cNvPr>
+          <p:cNvSpPr txBox="1"/>
+          <p:nvPr/>
+        </p:nvSpPr>
+        <p:spPr>
+          <a:xfrm>
+            <a:off x="649244" y="323850"/>
+            <a:ext cx="10114006" cy="369332"/>
+          </a:xfrm>
+          <a:prstGeom prst="rect">
+            <a:avLst/>
+          </a:prstGeom>
+          <a:noFill/>
+        </p:spPr>
+        <p:txBody>
+          <a:bodyPr wrap="square" rtlCol="0">
+            <a:spAutoFit/>
+          </a:bodyPr>
+          <a:lstStyle/>
+          <a:p>
+            <a:r>
+              <a:rPr lang="es-CL" dirty="0"/>
+              <a:t>Boletines de precio semanales (disponibles de enero 2019 a 3 noviembre 2020)</a:t>
+            </a:r>
+          </a:p>
+        </p:txBody>
+      </p:sp>
+      <p:sp>
+        <p:nvSpPr>
+          <p:cNvPr id="11" name="Rectángulo: esquinas redondeadas 10">
+            <a:extLst>
+              <a:ext uri="{FF2B5EF4-FFF2-40B4-BE49-F238E27FC236}">
+                <a16:creationId xmlns:a16="http://schemas.microsoft.com/office/drawing/2014/main" id="{20D03036-DE13-49E5-AF0B-079DE46EE42B}"/>
+              </a:ext>
+            </a:extLst>
+          </p:cNvPr>
+          <p:cNvSpPr/>
+          <p:nvPr/>
+        </p:nvSpPr>
+        <p:spPr>
+          <a:xfrm>
+            <a:off x="775467" y="2793486"/>
+            <a:ext cx="2628133" cy="417074"/>
+          </a:xfrm>
+          <a:prstGeom prst="roundRect">
+            <a:avLst/>
+          </a:prstGeom>
+          <a:noFill/>
+          <a:ln>
+            <a:solidFill>
+              <a:srgbClr val="FF0000"/>
+            </a:solidFill>
+          </a:ln>
+        </p:spPr>
+        <p:style>
+          <a:lnRef idx="2">
+            <a:schemeClr val="accent1">
+              <a:shade val="50000"/>
+            </a:schemeClr>
+          </a:lnRef>
+          <a:fillRef idx="1">
+            <a:schemeClr val="accent1"/>
+          </a:fillRef>
+          <a:effectRef idx="0">
+            <a:schemeClr val="accent1"/>
+          </a:effectRef>
+          <a:fontRef idx="minor">
+            <a:schemeClr val="lt1"/>
+          </a:fontRef>
+        </p:style>
+        <p:txBody>
+          <a:bodyPr rtlCol="0" anchor="ctr"/>
+          <a:lstStyle/>
+          <a:p>
+            <a:pPr algn="ctr"/>
+            <a:endParaRPr lang="es-CL"/>
+          </a:p>
+        </p:txBody>
+      </p:sp>
+      <p:cxnSp>
+        <p:nvCxnSpPr>
+          <p:cNvPr id="8" name="Conector recto de flecha 7">
+            <a:extLst>
+              <a:ext uri="{FF2B5EF4-FFF2-40B4-BE49-F238E27FC236}">
+                <a16:creationId xmlns:a16="http://schemas.microsoft.com/office/drawing/2014/main" id="{9AE89101-7676-4F7C-BD20-66D0C44BA92B}"/>
+              </a:ext>
+            </a:extLst>
+          </p:cNvPr>
+          <p:cNvCxnSpPr/>
+          <p:nvPr/>
+        </p:nvCxnSpPr>
+        <p:spPr>
+          <a:xfrm>
+            <a:off x="2397760" y="3200400"/>
+            <a:ext cx="0" cy="1219200"/>
+          </a:xfrm>
+          <a:prstGeom prst="straightConnector1">
+            <a:avLst/>
+          </a:prstGeom>
+          <a:ln>
+            <a:tailEnd type="triangle"/>
+          </a:ln>
+        </p:spPr>
+        <p:style>
+          <a:lnRef idx="1">
+            <a:schemeClr val="accent1"/>
+          </a:lnRef>
+          <a:fillRef idx="0">
+            <a:schemeClr val="accent1"/>
+          </a:fillRef>
+          <a:effectRef idx="0">
+            <a:schemeClr val="accent1"/>
+          </a:effectRef>
+          <a:fontRef idx="minor">
+            <a:schemeClr val="tx1"/>
+          </a:fontRef>
+        </p:style>
+      </p:cxnSp>
+      <p:sp>
+        <p:nvSpPr>
+          <p:cNvPr id="9" name="CuadroTexto 8">
+            <a:extLst>
+              <a:ext uri="{FF2B5EF4-FFF2-40B4-BE49-F238E27FC236}">
+                <a16:creationId xmlns:a16="http://schemas.microsoft.com/office/drawing/2014/main" id="{88BBC928-3F97-43A8-AB9E-25735ECA6129}"/>
+              </a:ext>
+            </a:extLst>
+          </p:cNvPr>
+          <p:cNvSpPr txBox="1"/>
+          <p:nvPr/>
+        </p:nvSpPr>
+        <p:spPr>
+          <a:xfrm>
+            <a:off x="985520" y="4389120"/>
+            <a:ext cx="4389120" cy="369332"/>
+          </a:xfrm>
+          <a:prstGeom prst="rect">
+            <a:avLst/>
+          </a:prstGeom>
+          <a:noFill/>
+        </p:spPr>
+        <p:txBody>
+          <a:bodyPr wrap="square" rtlCol="0">
+            <a:spAutoFit/>
+          </a:bodyPr>
+          <a:lstStyle/>
+          <a:p>
+            <a:r>
+              <a:rPr lang="es-CL" dirty="0"/>
+              <a:t>Consolidar en estos archivos (formato)</a:t>
             </a:r>
           </a:p>
         </p:txBody>
@@ -5242,7 +5365,688 @@
     </p:spTree>
     <p:extLst>
       <p:ext uri="{BB962C8B-B14F-4D97-AF65-F5344CB8AC3E}">
-        <p14:creationId xmlns:p14="http://schemas.microsoft.com/office/powerpoint/2010/main" val="923774869"/>
+        <p14:creationId xmlns:p14="http://schemas.microsoft.com/office/powerpoint/2010/main" val="4151876839"/>
+      </p:ext>
+    </p:extLst>
+  </p:cSld>
+  <p:clrMapOvr>
+    <a:masterClrMapping/>
+  </p:clrMapOvr>
+</p:sld>
+</file>
+
+<file path=ppt/slides/slide4.xml><?xml version="1.0" encoding="utf-8"?>
+<p:sld xmlns:a="http://schemas.openxmlformats.org/drawingml/2006/main" xmlns:r="http://schemas.openxmlformats.org/officeDocument/2006/relationships" xmlns:p="http://schemas.openxmlformats.org/presentationml/2006/main">
+  <p:cSld>
+    <p:bg>
+      <p:bgPr>
+        <a:solidFill>
+          <a:schemeClr val="bg1"/>
+        </a:solidFill>
+        <a:effectLst/>
+      </p:bgPr>
+    </p:bg>
+    <p:spTree>
+      <p:nvGrpSpPr>
+        <p:cNvPr id="1" name=""/>
+        <p:cNvGrpSpPr/>
+        <p:nvPr/>
+      </p:nvGrpSpPr>
+      <p:grpSpPr>
+        <a:xfrm>
+          <a:off x="0" y="0"/>
+          <a:ext cx="0" cy="0"/>
+          <a:chOff x="0" y="0"/>
+          <a:chExt cx="0" cy="0"/>
+        </a:xfrm>
+      </p:grpSpPr>
+      <p:sp>
+        <p:nvSpPr>
+          <p:cNvPr id="2" name="Título 1">
+            <a:extLst>
+              <a:ext uri="{FF2B5EF4-FFF2-40B4-BE49-F238E27FC236}">
+                <a16:creationId xmlns:a16="http://schemas.microsoft.com/office/drawing/2014/main" id="{7CCD8E8B-A0A8-4601-BB33-94A8F560921F}"/>
+              </a:ext>
+            </a:extLst>
+          </p:cNvPr>
+          <p:cNvSpPr>
+            <a:spLocks noGrp="1"/>
+          </p:cNvSpPr>
+          <p:nvPr>
+            <p:ph type="title"/>
+          </p:nvPr>
+        </p:nvSpPr>
+        <p:spPr>
+          <a:xfrm>
+            <a:off x="732595" y="821830"/>
+            <a:ext cx="5102351" cy="527505"/>
+          </a:xfrm>
+        </p:spPr>
+        <p:txBody>
+          <a:bodyPr vert="horz" lIns="91440" tIns="45720" rIns="91440" bIns="45720" rtlCol="0" anchor="ctr">
+            <a:normAutofit/>
+          </a:bodyPr>
+          <a:lstStyle/>
+          <a:p>
+            <a:r>
+              <a:rPr lang="en-US" sz="2800" dirty="0" err="1"/>
+              <a:t>Automatizar</a:t>
+            </a:r>
+            <a:r>
+              <a:rPr lang="en-US" sz="2800" dirty="0"/>
+              <a:t> </a:t>
+            </a:r>
+            <a:r>
+              <a:rPr lang="en-US" sz="2800" dirty="0" err="1"/>
+              <a:t>descarga</a:t>
+            </a:r>
+            <a:r>
+              <a:rPr lang="en-US" sz="2800" dirty="0"/>
+              <a:t> de </a:t>
+            </a:r>
+            <a:r>
+              <a:rPr lang="en-US" sz="2800" dirty="0" err="1"/>
+              <a:t>datos</a:t>
+            </a:r>
+            <a:endParaRPr lang="en-US" sz="2800" dirty="0"/>
+          </a:p>
+        </p:txBody>
+      </p:sp>
+      <p:sp>
+        <p:nvSpPr>
+          <p:cNvPr id="6" name="CuadroTexto 5">
+            <a:extLst>
+              <a:ext uri="{FF2B5EF4-FFF2-40B4-BE49-F238E27FC236}">
+                <a16:creationId xmlns:a16="http://schemas.microsoft.com/office/drawing/2014/main" id="{C6827415-2B84-4C5E-A387-B108F73FA1CA}"/>
+              </a:ext>
+            </a:extLst>
+          </p:cNvPr>
+          <p:cNvSpPr txBox="1"/>
+          <p:nvPr/>
+        </p:nvSpPr>
+        <p:spPr>
+          <a:xfrm>
+            <a:off x="615696" y="1471255"/>
+            <a:ext cx="5102351" cy="527505"/>
+          </a:xfrm>
+          <a:prstGeom prst="rect">
+            <a:avLst/>
+          </a:prstGeom>
+        </p:spPr>
+        <p:txBody>
+          <a:bodyPr vert="horz" lIns="91440" tIns="45720" rIns="91440" bIns="45720" rtlCol="0">
+            <a:normAutofit/>
+          </a:bodyPr>
+          <a:lstStyle/>
+          <a:p>
+            <a:pPr>
+              <a:lnSpc>
+                <a:spcPct val="90000"/>
+              </a:lnSpc>
+              <a:spcAft>
+                <a:spcPts val="600"/>
+              </a:spcAft>
+            </a:pPr>
+            <a:r>
+              <a:rPr lang="en-US" sz="1400" dirty="0">
+                <a:hlinkClick r:id="rId2"/>
+              </a:rPr>
+              <a:t>https://www.sbif.cl/sbifweb/servlet/InfoFinanciera?indice=4.1&amp;idCategoria=564&amp;tipocont=0</a:t>
+            </a:r>
+            <a:r>
+              <a:rPr lang="en-US" sz="1400" dirty="0"/>
+              <a:t> </a:t>
+            </a:r>
+          </a:p>
+        </p:txBody>
+      </p:sp>
+      <p:sp>
+        <p:nvSpPr>
+          <p:cNvPr id="13" name="Rectangle 12">
+            <a:extLst>
+              <a:ext uri="{FF2B5EF4-FFF2-40B4-BE49-F238E27FC236}">
+                <a16:creationId xmlns:a16="http://schemas.microsoft.com/office/drawing/2014/main" id="{C95B82D5-A8BB-45BF-BED8-C7B206892100}"/>
+              </a:ext>
+              <a:ext uri="{C183D7F6-B498-43B3-948B-1728B52AA6E4}">
+                <adec:decorative xmlns:adec="http://schemas.microsoft.com/office/drawing/2017/decorative" val="1"/>
+              </a:ext>
+            </a:extLst>
+          </p:cNvPr>
+          <p:cNvSpPr>
+            <a:spLocks noGrp="1" noRot="1" noChangeAspect="1" noMove="1" noResize="1" noEditPoints="1" noAdjustHandles="1" noChangeArrowheads="1" noChangeShapeType="1" noTextEdit="1"/>
+          </p:cNvSpPr>
+          <p:nvPr>
+            <p:extLst>
+              <p:ext uri="{386F3935-93C4-4BCD-93E2-E3B085C9AB24}">
+                <p16:designElem xmlns:p16="http://schemas.microsoft.com/office/powerpoint/2015/main" val="1"/>
+              </p:ext>
+            </p:extLst>
+          </p:nvPr>
+        </p:nvSpPr>
+        <p:spPr>
+          <a:xfrm>
+            <a:off x="6230112" y="0"/>
+            <a:ext cx="5961888" cy="6858000"/>
+          </a:xfrm>
+          <a:prstGeom prst="rect">
+            <a:avLst/>
+          </a:prstGeom>
+          <a:solidFill>
+            <a:srgbClr val="6B5A46"/>
+          </a:solidFill>
+          <a:ln>
+            <a:noFill/>
+          </a:ln>
+        </p:spPr>
+        <p:style>
+          <a:lnRef idx="2">
+            <a:schemeClr val="accent1">
+              <a:shade val="50000"/>
+            </a:schemeClr>
+          </a:lnRef>
+          <a:fillRef idx="1">
+            <a:schemeClr val="accent1"/>
+          </a:fillRef>
+          <a:effectRef idx="0">
+            <a:schemeClr val="accent1"/>
+          </a:effectRef>
+          <a:fontRef idx="minor">
+            <a:schemeClr val="lt1"/>
+          </a:fontRef>
+        </p:style>
+        <p:txBody>
+          <a:bodyPr rtlCol="0" anchor="ctr"/>
+          <a:lstStyle/>
+          <a:p>
+            <a:pPr algn="ctr"/>
+            <a:endParaRPr lang="en-US"/>
+          </a:p>
+        </p:txBody>
+      </p:sp>
+      <p:sp>
+        <p:nvSpPr>
+          <p:cNvPr id="15" name="Rounded Rectangle 9">
+            <a:extLst>
+              <a:ext uri="{FF2B5EF4-FFF2-40B4-BE49-F238E27FC236}">
+                <a16:creationId xmlns:a16="http://schemas.microsoft.com/office/drawing/2014/main" id="{296C61EC-FBF4-4216-BE67-6C864D30A01C}"/>
+              </a:ext>
+              <a:ext uri="{C183D7F6-B498-43B3-948B-1728B52AA6E4}">
+                <adec:decorative xmlns:adec="http://schemas.microsoft.com/office/drawing/2017/decorative" val="1"/>
+              </a:ext>
+            </a:extLst>
+          </p:cNvPr>
+          <p:cNvSpPr>
+            <a:spLocks noGrp="1" noRot="1" noChangeAspect="1" noMove="1" noResize="1" noEditPoints="1" noAdjustHandles="1" noChangeArrowheads="1" noChangeShapeType="1" noTextEdit="1"/>
+          </p:cNvSpPr>
+          <p:nvPr>
+            <p:extLst>
+              <p:ext uri="{386F3935-93C4-4BCD-93E2-E3B085C9AB24}">
+                <p16:designElem xmlns:p16="http://schemas.microsoft.com/office/powerpoint/2015/main" val="1"/>
+              </p:ext>
+            </p:extLst>
+          </p:nvPr>
+        </p:nvSpPr>
+        <p:spPr>
+          <a:xfrm>
+            <a:off x="6729984" y="484633"/>
+            <a:ext cx="4846320" cy="2743200"/>
+          </a:xfrm>
+          <a:prstGeom prst="roundRect">
+            <a:avLst>
+              <a:gd name="adj" fmla="val 0"/>
+            </a:avLst>
+          </a:prstGeom>
+          <a:solidFill>
+            <a:srgbClr val="FFFFFF"/>
+          </a:solidFill>
+          <a:ln w="9525">
+            <a:solidFill>
+              <a:srgbClr val="C8CACA"/>
+            </a:solidFill>
+          </a:ln>
+          <a:effectLst>
+            <a:outerShdw blurRad="57150" dist="19050" dir="5400000" algn="t" rotWithShape="0">
+              <a:prstClr val="black">
+                <a:alpha val="63000"/>
+              </a:prstClr>
+            </a:outerShdw>
+          </a:effectLst>
+        </p:spPr>
+        <p:style>
+          <a:lnRef idx="2">
+            <a:schemeClr val="accent1">
+              <a:shade val="50000"/>
+            </a:schemeClr>
+          </a:lnRef>
+          <a:fillRef idx="1">
+            <a:schemeClr val="accent1"/>
+          </a:fillRef>
+          <a:effectRef idx="0">
+            <a:schemeClr val="accent1"/>
+          </a:effectRef>
+          <a:fontRef idx="minor">
+            <a:schemeClr val="lt1"/>
+          </a:fontRef>
+        </p:style>
+        <p:txBody>
+          <a:bodyPr rtlCol="0" anchor="ctr"/>
+          <a:lstStyle/>
+          <a:p>
+            <a:pPr algn="ctr"/>
+            <a:endParaRPr lang="en-US"/>
+          </a:p>
+        </p:txBody>
+      </p:sp>
+      <p:pic>
+        <p:nvPicPr>
+          <p:cNvPr id="5" name="Marcador de contenido 4">
+            <a:extLst>
+              <a:ext uri="{FF2B5EF4-FFF2-40B4-BE49-F238E27FC236}">
+                <a16:creationId xmlns:a16="http://schemas.microsoft.com/office/drawing/2014/main" id="{E3810755-51D5-4DEB-B58B-6F9F9707B3D3}"/>
+              </a:ext>
+            </a:extLst>
+          </p:cNvPr>
+          <p:cNvPicPr>
+            <a:picLocks noGrp="1" noChangeAspect="1"/>
+          </p:cNvPicPr>
+          <p:nvPr>
+            <p:ph idx="1"/>
+          </p:nvPr>
+        </p:nvPicPr>
+        <p:blipFill>
+          <a:blip r:embed="rId3"/>
+          <a:stretch>
+            <a:fillRect/>
+          </a:stretch>
+        </p:blipFill>
+        <p:spPr>
+          <a:xfrm>
+            <a:off x="7059168" y="978180"/>
+            <a:ext cx="4206240" cy="1756105"/>
+          </a:xfrm>
+          <a:prstGeom prst="rect">
+            <a:avLst/>
+          </a:prstGeom>
+        </p:spPr>
+      </p:pic>
+      <p:sp>
+        <p:nvSpPr>
+          <p:cNvPr id="17" name="Rounded Rectangle 9">
+            <a:extLst>
+              <a:ext uri="{FF2B5EF4-FFF2-40B4-BE49-F238E27FC236}">
+                <a16:creationId xmlns:a16="http://schemas.microsoft.com/office/drawing/2014/main" id="{39D6C490-0229-4573-9696-B73E5B3A9C33}"/>
+              </a:ext>
+              <a:ext uri="{C183D7F6-B498-43B3-948B-1728B52AA6E4}">
+                <adec:decorative xmlns:adec="http://schemas.microsoft.com/office/drawing/2017/decorative" val="1"/>
+              </a:ext>
+            </a:extLst>
+          </p:cNvPr>
+          <p:cNvSpPr>
+            <a:spLocks noGrp="1" noRot="1" noChangeAspect="1" noMove="1" noResize="1" noEditPoints="1" noAdjustHandles="1" noChangeArrowheads="1" noChangeShapeType="1" noTextEdit="1"/>
+          </p:cNvSpPr>
+          <p:nvPr>
+            <p:extLst>
+              <p:ext uri="{386F3935-93C4-4BCD-93E2-E3B085C9AB24}">
+                <p16:designElem xmlns:p16="http://schemas.microsoft.com/office/powerpoint/2015/main" val="1"/>
+              </p:ext>
+            </p:extLst>
+          </p:nvPr>
+        </p:nvSpPr>
+        <p:spPr>
+          <a:xfrm>
+            <a:off x="6729984" y="3511296"/>
+            <a:ext cx="4846320" cy="2743200"/>
+          </a:xfrm>
+          <a:prstGeom prst="roundRect">
+            <a:avLst>
+              <a:gd name="adj" fmla="val 0"/>
+            </a:avLst>
+          </a:prstGeom>
+          <a:solidFill>
+            <a:srgbClr val="FFFFFF"/>
+          </a:solidFill>
+          <a:ln w="9525">
+            <a:solidFill>
+              <a:srgbClr val="C8CACA"/>
+            </a:solidFill>
+          </a:ln>
+          <a:effectLst>
+            <a:outerShdw blurRad="57150" dist="19050" dir="5400000" algn="t" rotWithShape="0">
+              <a:prstClr val="black">
+                <a:alpha val="63000"/>
+              </a:prstClr>
+            </a:outerShdw>
+          </a:effectLst>
+        </p:spPr>
+        <p:style>
+          <a:lnRef idx="2">
+            <a:schemeClr val="accent1">
+              <a:shade val="50000"/>
+            </a:schemeClr>
+          </a:lnRef>
+          <a:fillRef idx="1">
+            <a:schemeClr val="accent1"/>
+          </a:fillRef>
+          <a:effectRef idx="0">
+            <a:schemeClr val="accent1"/>
+          </a:effectRef>
+          <a:fontRef idx="minor">
+            <a:schemeClr val="lt1"/>
+          </a:fontRef>
+        </p:style>
+        <p:txBody>
+          <a:bodyPr rtlCol="0" anchor="ctr"/>
+          <a:lstStyle/>
+          <a:p>
+            <a:pPr algn="ctr"/>
+            <a:endParaRPr lang="en-US"/>
+          </a:p>
+        </p:txBody>
+      </p:sp>
+      <p:pic>
+        <p:nvPicPr>
+          <p:cNvPr id="8" name="Imagen 7">
+            <a:extLst>
+              <a:ext uri="{FF2B5EF4-FFF2-40B4-BE49-F238E27FC236}">
+                <a16:creationId xmlns:a16="http://schemas.microsoft.com/office/drawing/2014/main" id="{1FD9D43D-0B01-4BE0-837F-9CE661EE7C54}"/>
+              </a:ext>
+            </a:extLst>
+          </p:cNvPr>
+          <p:cNvPicPr>
+            <a:picLocks noChangeAspect="1"/>
+          </p:cNvPicPr>
+          <p:nvPr/>
+        </p:nvPicPr>
+        <p:blipFill>
+          <a:blip r:embed="rId4"/>
+          <a:stretch>
+            <a:fillRect/>
+          </a:stretch>
+        </p:blipFill>
+        <p:spPr>
+          <a:xfrm>
+            <a:off x="7059168" y="4294022"/>
+            <a:ext cx="4206240" cy="1177747"/>
+          </a:xfrm>
+          <a:prstGeom prst="rect">
+            <a:avLst/>
+          </a:prstGeom>
+          <a:effectLst/>
+        </p:spPr>
+      </p:pic>
+      <p:sp>
+        <p:nvSpPr>
+          <p:cNvPr id="9" name="CuadroTexto 8">
+            <a:extLst>
+              <a:ext uri="{FF2B5EF4-FFF2-40B4-BE49-F238E27FC236}">
+                <a16:creationId xmlns:a16="http://schemas.microsoft.com/office/drawing/2014/main" id="{ABB64766-E8EE-407B-84A1-69DCDF8E7A88}"/>
+              </a:ext>
+            </a:extLst>
+          </p:cNvPr>
+          <p:cNvSpPr txBox="1"/>
+          <p:nvPr/>
+        </p:nvSpPr>
+        <p:spPr>
+          <a:xfrm>
+            <a:off x="615696" y="2035816"/>
+            <a:ext cx="4837176" cy="523220"/>
+          </a:xfrm>
+          <a:prstGeom prst="rect">
+            <a:avLst/>
+          </a:prstGeom>
+          <a:solidFill>
+            <a:srgbClr val="FFC000"/>
+          </a:solidFill>
+        </p:spPr>
+        <p:txBody>
+          <a:bodyPr wrap="square" rtlCol="0">
+            <a:spAutoFit/>
+          </a:bodyPr>
+          <a:lstStyle/>
+          <a:p>
+            <a:r>
+              <a:rPr lang="es-CL" sz="1400" dirty="0"/>
+              <a:t>Consolidar archivos a partir de enero 2018  y automatizar descarga de datos.</a:t>
+            </a:r>
+          </a:p>
+        </p:txBody>
+      </p:sp>
+      <p:sp>
+        <p:nvSpPr>
+          <p:cNvPr id="12" name="Flecha: hacia arriba 11">
+            <a:extLst>
+              <a:ext uri="{FF2B5EF4-FFF2-40B4-BE49-F238E27FC236}">
+                <a16:creationId xmlns:a16="http://schemas.microsoft.com/office/drawing/2014/main" id="{0DF6A216-9AF4-436F-86E8-910BBE72AA40}"/>
+              </a:ext>
+            </a:extLst>
+          </p:cNvPr>
+          <p:cNvSpPr/>
+          <p:nvPr/>
+        </p:nvSpPr>
+        <p:spPr>
+          <a:xfrm>
+            <a:off x="3359247" y="5617064"/>
+            <a:ext cx="2080534" cy="690448"/>
+          </a:xfrm>
+          <a:prstGeom prst="upArrow">
+            <a:avLst/>
+          </a:prstGeom>
+        </p:spPr>
+        <p:style>
+          <a:lnRef idx="2">
+            <a:schemeClr val="accent1">
+              <a:shade val="50000"/>
+            </a:schemeClr>
+          </a:lnRef>
+          <a:fillRef idx="1">
+            <a:schemeClr val="accent1"/>
+          </a:fillRef>
+          <a:effectRef idx="0">
+            <a:schemeClr val="accent1"/>
+          </a:effectRef>
+          <a:fontRef idx="minor">
+            <a:schemeClr val="lt1"/>
+          </a:fontRef>
+        </p:style>
+        <p:txBody>
+          <a:bodyPr rtlCol="0" anchor="ctr"/>
+          <a:lstStyle/>
+          <a:p>
+            <a:pPr algn="ctr"/>
+            <a:r>
+              <a:rPr lang="es-CL" sz="1400" dirty="0"/>
+              <a:t>Capeta </a:t>
+            </a:r>
+            <a:r>
+              <a:rPr lang="es-CL" sz="1400" dirty="0" err="1"/>
+              <a:t>dropbox</a:t>
+            </a:r>
+            <a:endParaRPr lang="es-CL" sz="1400" dirty="0"/>
+          </a:p>
+        </p:txBody>
+      </p:sp>
+      <p:pic>
+        <p:nvPicPr>
+          <p:cNvPr id="16" name="Imagen 15">
+            <a:extLst>
+              <a:ext uri="{FF2B5EF4-FFF2-40B4-BE49-F238E27FC236}">
+                <a16:creationId xmlns:a16="http://schemas.microsoft.com/office/drawing/2014/main" id="{123A1DA1-FA20-4BCE-B803-031B2818C8B9}"/>
+              </a:ext>
+            </a:extLst>
+          </p:cNvPr>
+          <p:cNvPicPr>
+            <a:picLocks noChangeAspect="1"/>
+          </p:cNvPicPr>
+          <p:nvPr/>
+        </p:nvPicPr>
+        <p:blipFill>
+          <a:blip r:embed="rId5"/>
+          <a:stretch>
+            <a:fillRect/>
+          </a:stretch>
+        </p:blipFill>
+        <p:spPr>
+          <a:xfrm>
+            <a:off x="2048308" y="2590531"/>
+            <a:ext cx="3446391" cy="2715658"/>
+          </a:xfrm>
+          <a:prstGeom prst="rect">
+            <a:avLst/>
+          </a:prstGeom>
+        </p:spPr>
+      </p:pic>
+      <p:sp>
+        <p:nvSpPr>
+          <p:cNvPr id="19" name="CuadroTexto 18">
+            <a:extLst>
+              <a:ext uri="{FF2B5EF4-FFF2-40B4-BE49-F238E27FC236}">
+                <a16:creationId xmlns:a16="http://schemas.microsoft.com/office/drawing/2014/main" id="{A5C8C524-A713-4C56-81A7-28C14E13965D}"/>
+              </a:ext>
+            </a:extLst>
+          </p:cNvPr>
+          <p:cNvSpPr txBox="1"/>
+          <p:nvPr/>
+        </p:nvSpPr>
+        <p:spPr>
+          <a:xfrm>
+            <a:off x="141994" y="5860904"/>
+            <a:ext cx="3363205" cy="523220"/>
+          </a:xfrm>
+          <a:prstGeom prst="rect">
+            <a:avLst/>
+          </a:prstGeom>
+          <a:noFill/>
+        </p:spPr>
+        <p:txBody>
+          <a:bodyPr wrap="square">
+            <a:spAutoFit/>
+          </a:bodyPr>
+          <a:lstStyle/>
+          <a:p>
+            <a:r>
+              <a:rPr lang="es-CL" sz="1400" dirty="0">
+                <a:hlinkClick r:id="rId6"/>
+              </a:rPr>
+              <a:t>https://www.dropbox.com/sh/6luk119hcj2ytum/AABmqUoAl7r-7wXLTstQ2_Pca?dl=0</a:t>
+            </a:r>
+            <a:r>
+              <a:rPr lang="es-CL" sz="1400" dirty="0"/>
+              <a:t> </a:t>
+            </a:r>
+          </a:p>
+        </p:txBody>
+      </p:sp>
+      <p:sp>
+        <p:nvSpPr>
+          <p:cNvPr id="20" name="Título 1">
+            <a:extLst>
+              <a:ext uri="{FF2B5EF4-FFF2-40B4-BE49-F238E27FC236}">
+                <a16:creationId xmlns:a16="http://schemas.microsoft.com/office/drawing/2014/main" id="{89061358-ECB8-4262-99EA-4F63BA1743BE}"/>
+              </a:ext>
+            </a:extLst>
+          </p:cNvPr>
+          <p:cNvSpPr txBox="1">
+            <a:spLocks/>
+          </p:cNvSpPr>
+          <p:nvPr/>
+        </p:nvSpPr>
+        <p:spPr>
+          <a:xfrm>
+            <a:off x="808071" y="277099"/>
+            <a:ext cx="2341529" cy="527505"/>
+          </a:xfrm>
+          <a:prstGeom prst="rect">
+            <a:avLst/>
+          </a:prstGeom>
+        </p:spPr>
+        <p:txBody>
+          <a:bodyPr vert="horz" lIns="91440" tIns="45720" rIns="91440" bIns="45720" rtlCol="0" anchor="ctr">
+            <a:normAutofit/>
+          </a:bodyPr>
+          <a:lstStyle>
+            <a:lvl1pPr algn="l" defTabSz="914400" rtl="0" eaLnBrk="1" latinLnBrk="0" hangingPunct="1">
+              <a:lnSpc>
+                <a:spcPct val="90000"/>
+              </a:lnSpc>
+              <a:spcBef>
+                <a:spcPct val="0"/>
+              </a:spcBef>
+              <a:buNone/>
+              <a:defRPr sz="4400" kern="1200">
+                <a:solidFill>
+                  <a:schemeClr val="tx1"/>
+                </a:solidFill>
+                <a:latin typeface="+mj-lt"/>
+                <a:ea typeface="+mj-ea"/>
+                <a:cs typeface="+mj-cs"/>
+              </a:defRPr>
+            </a:lvl1pPr>
+          </a:lstStyle>
+          <a:p>
+            <a:r>
+              <a:rPr lang="en-US" sz="2800" dirty="0" err="1"/>
+              <a:t>Colocaciones</a:t>
+            </a:r>
+            <a:endParaRPr lang="en-US" sz="2800" dirty="0"/>
+          </a:p>
+        </p:txBody>
+      </p:sp>
+      <p:sp>
+        <p:nvSpPr>
+          <p:cNvPr id="21" name="Rectángulo 20">
+            <a:extLst>
+              <a:ext uri="{FF2B5EF4-FFF2-40B4-BE49-F238E27FC236}">
+                <a16:creationId xmlns:a16="http://schemas.microsoft.com/office/drawing/2014/main" id="{BCD3BEED-4E9E-4488-8FEB-22C547E72DF7}"/>
+              </a:ext>
+            </a:extLst>
+          </p:cNvPr>
+          <p:cNvSpPr/>
+          <p:nvPr/>
+        </p:nvSpPr>
+        <p:spPr>
+          <a:xfrm>
+            <a:off x="7934960" y="2458720"/>
+            <a:ext cx="2611120" cy="131811"/>
+          </a:xfrm>
+          <a:prstGeom prst="rect">
+            <a:avLst/>
+          </a:prstGeom>
+          <a:noFill/>
+          <a:ln>
+            <a:solidFill>
+              <a:srgbClr val="C00000"/>
+            </a:solidFill>
+          </a:ln>
+        </p:spPr>
+        <p:style>
+          <a:lnRef idx="2">
+            <a:schemeClr val="accent1">
+              <a:shade val="50000"/>
+            </a:schemeClr>
+          </a:lnRef>
+          <a:fillRef idx="1">
+            <a:schemeClr val="accent1"/>
+          </a:fillRef>
+          <a:effectRef idx="0">
+            <a:schemeClr val="accent1"/>
+          </a:effectRef>
+          <a:fontRef idx="minor">
+            <a:schemeClr val="lt1"/>
+          </a:fontRef>
+        </p:style>
+        <p:txBody>
+          <a:bodyPr rtlCol="0" anchor="ctr"/>
+          <a:lstStyle/>
+          <a:p>
+            <a:pPr algn="ctr"/>
+            <a:endParaRPr lang="es-CL"/>
+          </a:p>
+        </p:txBody>
+      </p:sp>
+    </p:spTree>
+    <p:extLst>
+      <p:ext uri="{BB962C8B-B14F-4D97-AF65-F5344CB8AC3E}">
+        <p14:creationId xmlns:p14="http://schemas.microsoft.com/office/powerpoint/2010/main" val="974178425"/>
       </p:ext>
     </p:extLst>
   </p:cSld>
